--- a/Moodlebackup Presentation.pptx
+++ b/Moodlebackup Presentation.pptx
@@ -1,32 +1,33 @@
 
 <file path=ppt/presentation.xml><?xml version="1.0" encoding="utf-8"?>
-<p:presentation xmlns:a="http://schemas.openxmlformats.org/drawingml/2006/main" xmlns:r="http://schemas.openxmlformats.org/officeDocument/2006/relationships" xmlns:p="http://schemas.openxmlformats.org/presentationml/2006/main" strictFirstAndLastChars="0" saveSubsetFonts="1" autoCompressPictures="0">
+<p:presentation xmlns:a="http://schemas.openxmlformats.org/drawingml/2006/main" xmlns:r="http://schemas.openxmlformats.org/officeDocument/2006/relationships" xmlns:mc="http://schemas.openxmlformats.org/markup-compatibility/2006" xmlns:mv="urn:schemas-microsoft-com:mac:vml" xmlns:p="http://schemas.openxmlformats.org/presentationml/2006/main" xmlns:c="http://schemas.openxmlformats.org/drawingml/2006/chart" xmlns:dgm="http://schemas.openxmlformats.org/drawingml/2006/diagram" xmlns:o="urn:schemas-microsoft-com:office:office" xmlns:v="urn:schemas-microsoft-com:vml" xmlns:pvml="urn:schemas-microsoft-com:office:powerpoint" xmlns:com="http://schemas.openxmlformats.org/drawingml/2006/compatibility" xmlns:p14="http://schemas.microsoft.com/office/powerpoint/2010/main" xmlns:p15="http://schemas.microsoft.com/office/powerpoint/2012/main" autoCompressPictures="0" strictFirstAndLastChars="0" saveSubsetFonts="1">
   <p:sldMasterIdLst>
-    <p:sldMasterId id="2147483659" r:id="rId1"/>
+    <p:sldMasterId id="2147483659" r:id="rId3"/>
   </p:sldMasterIdLst>
   <p:notesMasterIdLst>
-    <p:notesMasterId r:id="rId16"/>
+    <p:notesMasterId r:id="rId4"/>
   </p:notesMasterIdLst>
   <p:sldIdLst>
-    <p:sldId id="256" r:id="rId2"/>
-    <p:sldId id="257" r:id="rId3"/>
-    <p:sldId id="258" r:id="rId4"/>
-    <p:sldId id="259" r:id="rId5"/>
-    <p:sldId id="260" r:id="rId6"/>
-    <p:sldId id="261" r:id="rId7"/>
-    <p:sldId id="262" r:id="rId8"/>
-    <p:sldId id="263" r:id="rId9"/>
-    <p:sldId id="264" r:id="rId10"/>
-    <p:sldId id="265" r:id="rId11"/>
-    <p:sldId id="266" r:id="rId12"/>
-    <p:sldId id="267" r:id="rId13"/>
-    <p:sldId id="268" r:id="rId14"/>
-    <p:sldId id="269" r:id="rId15"/>
+    <p:sldId id="256" r:id="rId5"/>
+    <p:sldId id="257" r:id="rId6"/>
+    <p:sldId id="258" r:id="rId7"/>
+    <p:sldId id="259" r:id="rId8"/>
+    <p:sldId id="260" r:id="rId9"/>
+    <p:sldId id="261" r:id="rId10"/>
+    <p:sldId id="262" r:id="rId11"/>
+    <p:sldId id="263" r:id="rId12"/>
+    <p:sldId id="264" r:id="rId13"/>
+    <p:sldId id="265" r:id="rId14"/>
+    <p:sldId id="266" r:id="rId15"/>
+    <p:sldId id="267" r:id="rId16"/>
+    <p:sldId id="268" r:id="rId17"/>
+    <p:sldId id="269" r:id="rId18"/>
+    <p:sldId id="270" r:id="rId19"/>
   </p:sldIdLst>
-  <p:sldSz cx="9144000" cy="5143500" type="screen16x9"/>
+  <p:sldSz cy="5143500" cx="9144000"/>
   <p:notesSz cx="6858000" cy="9144000"/>
   <p:defaultTextStyle>
-    <a:defPPr marR="0" lvl="0" algn="l" rtl="0">
+    <a:defPPr lvl="0" marR="0" rtl="0" algn="l">
       <a:lnSpc>
         <a:spcPct val="100000"/>
       </a:lnSpc>
@@ -37,7 +38,7 @@
         <a:spcPts val="0"/>
       </a:spcAft>
     </a:defPPr>
-    <a:lvl1pPr marR="0" lvl="0" algn="l" rtl="0">
+    <a:lvl1pPr lvl="0" marR="0" rtl="0" algn="l">
       <a:lnSpc>
         <a:spcPct val="100000"/>
       </a:lnSpc>
@@ -51,7 +52,7 @@
         <a:srgbClr val="000000"/>
       </a:buClr>
       <a:buFont typeface="Arial"/>
-      <a:defRPr sz="1400" b="0" i="0" u="none" strike="noStrike" cap="none">
+      <a:defRPr b="0" i="0" sz="1400" u="none" cap="none" strike="noStrike">
         <a:solidFill>
           <a:srgbClr val="000000"/>
         </a:solidFill>
@@ -61,7 +62,7 @@
         <a:sym typeface="Arial"/>
       </a:defRPr>
     </a:lvl1pPr>
-    <a:lvl2pPr marR="0" lvl="1" algn="l" rtl="0">
+    <a:lvl2pPr lvl="1" marR="0" rtl="0" algn="l">
       <a:lnSpc>
         <a:spcPct val="100000"/>
       </a:lnSpc>
@@ -75,7 +76,7 @@
         <a:srgbClr val="000000"/>
       </a:buClr>
       <a:buFont typeface="Arial"/>
-      <a:defRPr sz="1400" b="0" i="0" u="none" strike="noStrike" cap="none">
+      <a:defRPr b="0" i="0" sz="1400" u="none" cap="none" strike="noStrike">
         <a:solidFill>
           <a:srgbClr val="000000"/>
         </a:solidFill>
@@ -85,7 +86,7 @@
         <a:sym typeface="Arial"/>
       </a:defRPr>
     </a:lvl2pPr>
-    <a:lvl3pPr marR="0" lvl="2" algn="l" rtl="0">
+    <a:lvl3pPr lvl="2" marR="0" rtl="0" algn="l">
       <a:lnSpc>
         <a:spcPct val="100000"/>
       </a:lnSpc>
@@ -99,7 +100,7 @@
         <a:srgbClr val="000000"/>
       </a:buClr>
       <a:buFont typeface="Arial"/>
-      <a:defRPr sz="1400" b="0" i="0" u="none" strike="noStrike" cap="none">
+      <a:defRPr b="0" i="0" sz="1400" u="none" cap="none" strike="noStrike">
         <a:solidFill>
           <a:srgbClr val="000000"/>
         </a:solidFill>
@@ -109,7 +110,7 @@
         <a:sym typeface="Arial"/>
       </a:defRPr>
     </a:lvl3pPr>
-    <a:lvl4pPr marR="0" lvl="3" algn="l" rtl="0">
+    <a:lvl4pPr lvl="3" marR="0" rtl="0" algn="l">
       <a:lnSpc>
         <a:spcPct val="100000"/>
       </a:lnSpc>
@@ -123,7 +124,7 @@
         <a:srgbClr val="000000"/>
       </a:buClr>
       <a:buFont typeface="Arial"/>
-      <a:defRPr sz="1400" b="0" i="0" u="none" strike="noStrike" cap="none">
+      <a:defRPr b="0" i="0" sz="1400" u="none" cap="none" strike="noStrike">
         <a:solidFill>
           <a:srgbClr val="000000"/>
         </a:solidFill>
@@ -133,7 +134,7 @@
         <a:sym typeface="Arial"/>
       </a:defRPr>
     </a:lvl4pPr>
-    <a:lvl5pPr marR="0" lvl="4" algn="l" rtl="0">
+    <a:lvl5pPr lvl="4" marR="0" rtl="0" algn="l">
       <a:lnSpc>
         <a:spcPct val="100000"/>
       </a:lnSpc>
@@ -147,7 +148,7 @@
         <a:srgbClr val="000000"/>
       </a:buClr>
       <a:buFont typeface="Arial"/>
-      <a:defRPr sz="1400" b="0" i="0" u="none" strike="noStrike" cap="none">
+      <a:defRPr b="0" i="0" sz="1400" u="none" cap="none" strike="noStrike">
         <a:solidFill>
           <a:srgbClr val="000000"/>
         </a:solidFill>
@@ -157,7 +158,7 @@
         <a:sym typeface="Arial"/>
       </a:defRPr>
     </a:lvl5pPr>
-    <a:lvl6pPr marR="0" lvl="5" algn="l" rtl="0">
+    <a:lvl6pPr lvl="5" marR="0" rtl="0" algn="l">
       <a:lnSpc>
         <a:spcPct val="100000"/>
       </a:lnSpc>
@@ -171,7 +172,7 @@
         <a:srgbClr val="000000"/>
       </a:buClr>
       <a:buFont typeface="Arial"/>
-      <a:defRPr sz="1400" b="0" i="0" u="none" strike="noStrike" cap="none">
+      <a:defRPr b="0" i="0" sz="1400" u="none" cap="none" strike="noStrike">
         <a:solidFill>
           <a:srgbClr val="000000"/>
         </a:solidFill>
@@ -181,7 +182,7 @@
         <a:sym typeface="Arial"/>
       </a:defRPr>
     </a:lvl6pPr>
-    <a:lvl7pPr marR="0" lvl="6" algn="l" rtl="0">
+    <a:lvl7pPr lvl="6" marR="0" rtl="0" algn="l">
       <a:lnSpc>
         <a:spcPct val="100000"/>
       </a:lnSpc>
@@ -195,7 +196,7 @@
         <a:srgbClr val="000000"/>
       </a:buClr>
       <a:buFont typeface="Arial"/>
-      <a:defRPr sz="1400" b="0" i="0" u="none" strike="noStrike" cap="none">
+      <a:defRPr b="0" i="0" sz="1400" u="none" cap="none" strike="noStrike">
         <a:solidFill>
           <a:srgbClr val="000000"/>
         </a:solidFill>
@@ -205,7 +206,7 @@
         <a:sym typeface="Arial"/>
       </a:defRPr>
     </a:lvl7pPr>
-    <a:lvl8pPr marR="0" lvl="7" algn="l" rtl="0">
+    <a:lvl8pPr lvl="7" marR="0" rtl="0" algn="l">
       <a:lnSpc>
         <a:spcPct val="100000"/>
       </a:lnSpc>
@@ -219,7 +220,7 @@
         <a:srgbClr val="000000"/>
       </a:buClr>
       <a:buFont typeface="Arial"/>
-      <a:defRPr sz="1400" b="0" i="0" u="none" strike="noStrike" cap="none">
+      <a:defRPr b="0" i="0" sz="1400" u="none" cap="none" strike="noStrike">
         <a:solidFill>
           <a:srgbClr val="000000"/>
         </a:solidFill>
@@ -229,7 +230,7 @@
         <a:sym typeface="Arial"/>
       </a:defRPr>
     </a:lvl8pPr>
-    <a:lvl9pPr marR="0" lvl="8" algn="l" rtl="0">
+    <a:lvl9pPr lvl="8" marR="0" rtl="0" algn="l">
       <a:lnSpc>
         <a:spcPct val="100000"/>
       </a:lnSpc>
@@ -243,7 +244,7 @@
         <a:srgbClr val="000000"/>
       </a:buClr>
       <a:buFont typeface="Arial"/>
-      <a:defRPr sz="1400" b="0" i="0" u="none" strike="noStrike" cap="none">
+      <a:defRPr b="0" i="0" sz="1400" u="none" cap="none" strike="noStrike">
         <a:solidFill>
           <a:srgbClr val="000000"/>
         </a:solidFill>
@@ -258,16 +259,11 @@
 </file>
 
 <file path=ppt/notesMasters/notesMaster1.xml><?xml version="1.0" encoding="utf-8"?>
-<p:notesMaster xmlns:a="http://schemas.openxmlformats.org/drawingml/2006/main" xmlns:r="http://schemas.openxmlformats.org/officeDocument/2006/relationships" xmlns:p="http://schemas.openxmlformats.org/presentationml/2006/main">
+<p:notesMaster xmlns:a="http://schemas.openxmlformats.org/drawingml/2006/main" xmlns:r="http://schemas.openxmlformats.org/officeDocument/2006/relationships" xmlns:mc="http://schemas.openxmlformats.org/markup-compatibility/2006" xmlns:mv="urn:schemas-microsoft-com:mac:vml" xmlns:p="http://schemas.openxmlformats.org/presentationml/2006/main" xmlns:c="http://schemas.openxmlformats.org/drawingml/2006/chart" xmlns:dgm="http://schemas.openxmlformats.org/drawingml/2006/diagram" xmlns:o="urn:schemas-microsoft-com:office:office" xmlns:v="urn:schemas-microsoft-com:vml" xmlns:pvml="urn:schemas-microsoft-com:office:powerpoint" xmlns:com="http://schemas.openxmlformats.org/drawingml/2006/compatibility" xmlns:p14="http://schemas.microsoft.com/office/powerpoint/2010/main" xmlns:p15="http://schemas.microsoft.com/office/powerpoint/2012/main">
   <p:cSld>
-    <p:bg>
-      <p:bgRef idx="1001">
-        <a:schemeClr val="bg1"/>
-      </p:bgRef>
-    </p:bg>
     <p:spTree>
       <p:nvGrpSpPr>
-        <p:cNvPr id="1" name="Shape 2"/>
+        <p:cNvPr id="2" name="Shape 2"/>
         <p:cNvGrpSpPr/>
         <p:nvPr/>
       </p:nvGrpSpPr>
@@ -282,11 +278,9 @@
       <p:sp>
         <p:nvSpPr>
           <p:cNvPr id="3" name="Shape 3"/>
-          <p:cNvSpPr>
-            <a:spLocks noGrp="1" noRot="1" noChangeAspect="1"/>
-          </p:cNvSpPr>
+          <p:cNvSpPr/>
           <p:nvPr>
-            <p:ph type="sldImg" idx="2"/>
+            <p:ph idx="2" type="sldImg"/>
           </p:nvPr>
         </p:nvSpPr>
         <p:spPr>
@@ -295,13 +289,8 @@
             <a:ext cx="6096075" cy="3429000"/>
           </a:xfrm>
           <a:custGeom>
-            <a:avLst/>
-            <a:gdLst/>
-            <a:ahLst/>
-            <a:cxnLst/>
-            <a:rect l="0" t="0" r="0" b="0"/>
             <a:pathLst>
-              <a:path w="120000" h="120000" extrusionOk="0">
+              <a:path extrusionOk="0" h="120000" w="120000">
                 <a:moveTo>
                   <a:pt x="0" y="0"/>
                 </a:moveTo>
@@ -319,25 +308,23 @@
             </a:pathLst>
           </a:custGeom>
           <a:noFill/>
-          <a:ln w="9525" cap="flat" cmpd="sng">
+          <a:ln cap="flat" cmpd="sng" w="9525">
             <a:solidFill>
               <a:srgbClr val="000000"/>
             </a:solidFill>
             <a:prstDash val="solid"/>
             <a:round/>
-            <a:headEnd type="none" w="sm" len="sm"/>
-            <a:tailEnd type="none" w="sm" len="sm"/>
+            <a:headEnd len="sm" w="sm" type="none"/>
+            <a:tailEnd len="sm" w="sm" type="none"/>
           </a:ln>
         </p:spPr>
       </p:sp>
       <p:sp>
         <p:nvSpPr>
           <p:cNvPr id="4" name="Shape 4"/>
-          <p:cNvSpPr txBox="1">
-            <a:spLocks noGrp="1"/>
-          </p:cNvSpPr>
+          <p:cNvSpPr txBox="1"/>
           <p:nvPr>
-            <p:ph type="body" idx="1"/>
+            <p:ph idx="1" type="body"/>
           </p:nvPr>
         </p:nvSpPr>
         <p:spPr>
@@ -354,9 +341,9 @@
           </a:ln>
         </p:spPr>
         <p:txBody>
-          <a:bodyPr spcFirstLastPara="1" wrap="square" lIns="91425" tIns="91425" rIns="91425" bIns="91425" anchor="t" anchorCtr="0"/>
+          <a:bodyPr anchorCtr="0" anchor="t" bIns="91425" lIns="91425" spcFirstLastPara="1" rIns="91425" wrap="square" tIns="91425"/>
           <a:lstStyle>
-            <a:lvl1pPr marL="457200" lvl="0" indent="-298450">
+            <a:lvl1pPr indent="-298450" lvl="0" marL="457200">
               <a:spcBef>
                 <a:spcPts val="0"/>
               </a:spcBef>
@@ -367,7 +354,7 @@
               <a:buChar char="●"/>
               <a:defRPr sz="1100"/>
             </a:lvl1pPr>
-            <a:lvl2pPr marL="914400" lvl="1" indent="-298450">
+            <a:lvl2pPr indent="-298450" lvl="1" marL="914400">
               <a:spcBef>
                 <a:spcPts val="0"/>
               </a:spcBef>
@@ -378,7 +365,7 @@
               <a:buChar char="○"/>
               <a:defRPr sz="1100"/>
             </a:lvl2pPr>
-            <a:lvl3pPr marL="1371600" lvl="2" indent="-298450">
+            <a:lvl3pPr indent="-298450" lvl="2" marL="1371600">
               <a:spcBef>
                 <a:spcPts val="0"/>
               </a:spcBef>
@@ -389,7 +376,7 @@
               <a:buChar char="■"/>
               <a:defRPr sz="1100"/>
             </a:lvl3pPr>
-            <a:lvl4pPr marL="1828800" lvl="3" indent="-298450">
+            <a:lvl4pPr indent="-298450" lvl="3" marL="1828800">
               <a:spcBef>
                 <a:spcPts val="0"/>
               </a:spcBef>
@@ -400,7 +387,7 @@
               <a:buChar char="●"/>
               <a:defRPr sz="1100"/>
             </a:lvl4pPr>
-            <a:lvl5pPr marL="2286000" lvl="4" indent="-298450">
+            <a:lvl5pPr indent="-298450" lvl="4" marL="2286000">
               <a:spcBef>
                 <a:spcPts val="0"/>
               </a:spcBef>
@@ -411,7 +398,7 @@
               <a:buChar char="○"/>
               <a:defRPr sz="1100"/>
             </a:lvl5pPr>
-            <a:lvl6pPr marL="2743200" lvl="5" indent="-298450">
+            <a:lvl6pPr indent="-298450" lvl="5" marL="2743200">
               <a:spcBef>
                 <a:spcPts val="0"/>
               </a:spcBef>
@@ -422,7 +409,7 @@
               <a:buChar char="■"/>
               <a:defRPr sz="1100"/>
             </a:lvl6pPr>
-            <a:lvl7pPr marL="3200400" lvl="6" indent="-298450">
+            <a:lvl7pPr indent="-298450" lvl="6" marL="3200400">
               <a:spcBef>
                 <a:spcPts val="0"/>
               </a:spcBef>
@@ -433,7 +420,7 @@
               <a:buChar char="●"/>
               <a:defRPr sz="1100"/>
             </a:lvl7pPr>
-            <a:lvl8pPr marL="3657600" lvl="7" indent="-298450">
+            <a:lvl8pPr indent="-298450" lvl="7" marL="3657600">
               <a:spcBef>
                 <a:spcPts val="0"/>
               </a:spcBef>
@@ -444,7 +431,7 @@
               <a:buChar char="○"/>
               <a:defRPr sz="1100"/>
             </a:lvl8pPr>
-            <a:lvl9pPr marL="4114800" lvl="8" indent="-298450">
+            <a:lvl9pPr indent="-298450" lvl="8" marL="4114800">
               <a:spcBef>
                 <a:spcPts val="0"/>
               </a:spcBef>
@@ -456,16 +443,14 @@
               <a:defRPr sz="1100"/>
             </a:lvl9pPr>
           </a:lstStyle>
-          <a:p>
-            <a:endParaRPr/>
-          </a:p>
+          <a:p/>
         </p:txBody>
       </p:sp>
     </p:spTree>
   </p:cSld>
-  <p:clrMap bg1="lt1" tx1="dk1" bg2="dk2" tx2="lt2" accent1="accent1" accent2="accent2" accent3="accent3" accent4="accent4" accent5="accent5" accent6="accent6" hlink="hlink" folHlink="folHlink"/>
+  <p:clrMap accent1="accent1" accent2="accent2" accent3="accent3" accent4="accent4" accent5="accent5" accent6="accent6" bg1="lt1" bg2="dk2" tx1="dk1" tx2="lt2" folHlink="folHlink" hlink="hlink"/>
   <p:notesStyle>
-    <a:defPPr marR="0" lvl="0" algn="l" rtl="0">
+    <a:defPPr lvl="0" marR="0" rtl="0" algn="l">
       <a:lnSpc>
         <a:spcPct val="100000"/>
       </a:lnSpc>
@@ -476,7 +461,7 @@
         <a:spcPts val="0"/>
       </a:spcAft>
     </a:defPPr>
-    <a:lvl1pPr marR="0" lvl="0" algn="l" rtl="0">
+    <a:lvl1pPr lvl="0" marR="0" rtl="0" algn="l">
       <a:lnSpc>
         <a:spcPct val="100000"/>
       </a:lnSpc>
@@ -490,7 +475,7 @@
         <a:srgbClr val="000000"/>
       </a:buClr>
       <a:buFont typeface="Arial"/>
-      <a:defRPr sz="1400" b="0" i="0" u="none" strike="noStrike" cap="none">
+      <a:defRPr b="0" i="0" sz="1400" u="none" cap="none" strike="noStrike">
         <a:solidFill>
           <a:srgbClr val="000000"/>
         </a:solidFill>
@@ -500,7 +485,7 @@
         <a:sym typeface="Arial"/>
       </a:defRPr>
     </a:lvl1pPr>
-    <a:lvl2pPr marR="0" lvl="1" algn="l" rtl="0">
+    <a:lvl2pPr lvl="1" marR="0" rtl="0" algn="l">
       <a:lnSpc>
         <a:spcPct val="100000"/>
       </a:lnSpc>
@@ -514,7 +499,7 @@
         <a:srgbClr val="000000"/>
       </a:buClr>
       <a:buFont typeface="Arial"/>
-      <a:defRPr sz="1400" b="0" i="0" u="none" strike="noStrike" cap="none">
+      <a:defRPr b="0" i="0" sz="1400" u="none" cap="none" strike="noStrike">
         <a:solidFill>
           <a:srgbClr val="000000"/>
         </a:solidFill>
@@ -524,7 +509,7 @@
         <a:sym typeface="Arial"/>
       </a:defRPr>
     </a:lvl2pPr>
-    <a:lvl3pPr marR="0" lvl="2" algn="l" rtl="0">
+    <a:lvl3pPr lvl="2" marR="0" rtl="0" algn="l">
       <a:lnSpc>
         <a:spcPct val="100000"/>
       </a:lnSpc>
@@ -538,7 +523,7 @@
         <a:srgbClr val="000000"/>
       </a:buClr>
       <a:buFont typeface="Arial"/>
-      <a:defRPr sz="1400" b="0" i="0" u="none" strike="noStrike" cap="none">
+      <a:defRPr b="0" i="0" sz="1400" u="none" cap="none" strike="noStrike">
         <a:solidFill>
           <a:srgbClr val="000000"/>
         </a:solidFill>
@@ -548,7 +533,7 @@
         <a:sym typeface="Arial"/>
       </a:defRPr>
     </a:lvl3pPr>
-    <a:lvl4pPr marR="0" lvl="3" algn="l" rtl="0">
+    <a:lvl4pPr lvl="3" marR="0" rtl="0" algn="l">
       <a:lnSpc>
         <a:spcPct val="100000"/>
       </a:lnSpc>
@@ -562,7 +547,7 @@
         <a:srgbClr val="000000"/>
       </a:buClr>
       <a:buFont typeface="Arial"/>
-      <a:defRPr sz="1400" b="0" i="0" u="none" strike="noStrike" cap="none">
+      <a:defRPr b="0" i="0" sz="1400" u="none" cap="none" strike="noStrike">
         <a:solidFill>
           <a:srgbClr val="000000"/>
         </a:solidFill>
@@ -572,7 +557,7 @@
         <a:sym typeface="Arial"/>
       </a:defRPr>
     </a:lvl4pPr>
-    <a:lvl5pPr marR="0" lvl="4" algn="l" rtl="0">
+    <a:lvl5pPr lvl="4" marR="0" rtl="0" algn="l">
       <a:lnSpc>
         <a:spcPct val="100000"/>
       </a:lnSpc>
@@ -586,7 +571,7 @@
         <a:srgbClr val="000000"/>
       </a:buClr>
       <a:buFont typeface="Arial"/>
-      <a:defRPr sz="1400" b="0" i="0" u="none" strike="noStrike" cap="none">
+      <a:defRPr b="0" i="0" sz="1400" u="none" cap="none" strike="noStrike">
         <a:solidFill>
           <a:srgbClr val="000000"/>
         </a:solidFill>
@@ -596,7 +581,7 @@
         <a:sym typeface="Arial"/>
       </a:defRPr>
     </a:lvl5pPr>
-    <a:lvl6pPr marR="0" lvl="5" algn="l" rtl="0">
+    <a:lvl6pPr lvl="5" marR="0" rtl="0" algn="l">
       <a:lnSpc>
         <a:spcPct val="100000"/>
       </a:lnSpc>
@@ -610,7 +595,7 @@
         <a:srgbClr val="000000"/>
       </a:buClr>
       <a:buFont typeface="Arial"/>
-      <a:defRPr sz="1400" b="0" i="0" u="none" strike="noStrike" cap="none">
+      <a:defRPr b="0" i="0" sz="1400" u="none" cap="none" strike="noStrike">
         <a:solidFill>
           <a:srgbClr val="000000"/>
         </a:solidFill>
@@ -620,7 +605,7 @@
         <a:sym typeface="Arial"/>
       </a:defRPr>
     </a:lvl6pPr>
-    <a:lvl7pPr marR="0" lvl="6" algn="l" rtl="0">
+    <a:lvl7pPr lvl="6" marR="0" rtl="0" algn="l">
       <a:lnSpc>
         <a:spcPct val="100000"/>
       </a:lnSpc>
@@ -634,7 +619,7 @@
         <a:srgbClr val="000000"/>
       </a:buClr>
       <a:buFont typeface="Arial"/>
-      <a:defRPr sz="1400" b="0" i="0" u="none" strike="noStrike" cap="none">
+      <a:defRPr b="0" i="0" sz="1400" u="none" cap="none" strike="noStrike">
         <a:solidFill>
           <a:srgbClr val="000000"/>
         </a:solidFill>
@@ -644,7 +629,7 @@
         <a:sym typeface="Arial"/>
       </a:defRPr>
     </a:lvl7pPr>
-    <a:lvl8pPr marR="0" lvl="7" algn="l" rtl="0">
+    <a:lvl8pPr lvl="7" marR="0" rtl="0" algn="l">
       <a:lnSpc>
         <a:spcPct val="100000"/>
       </a:lnSpc>
@@ -658,7 +643,7 @@
         <a:srgbClr val="000000"/>
       </a:buClr>
       <a:buFont typeface="Arial"/>
-      <a:defRPr sz="1400" b="0" i="0" u="none" strike="noStrike" cap="none">
+      <a:defRPr b="0" i="0" sz="1400" u="none" cap="none" strike="noStrike">
         <a:solidFill>
           <a:srgbClr val="000000"/>
         </a:solidFill>
@@ -668,7 +653,7 @@
         <a:sym typeface="Arial"/>
       </a:defRPr>
     </a:lvl8pPr>
-    <a:lvl9pPr marR="0" lvl="8" algn="l" rtl="0">
+    <a:lvl9pPr lvl="8" marR="0" rtl="0" algn="l">
       <a:lnSpc>
         <a:spcPct val="100000"/>
       </a:lnSpc>
@@ -682,7 +667,7 @@
         <a:srgbClr val="000000"/>
       </a:buClr>
       <a:buFont typeface="Arial"/>
-      <a:defRPr sz="1400" b="0" i="0" u="none" strike="noStrike" cap="none">
+      <a:defRPr b="0" i="0" sz="1400" u="none" cap="none" strike="noStrike">
         <a:solidFill>
           <a:srgbClr val="000000"/>
         </a:solidFill>
@@ -697,11 +682,11 @@
 </file>
 
 <file path=ppt/notesSlides/notesSlide1.xml><?xml version="1.0" encoding="utf-8"?>
-<p:notes xmlns:a="http://schemas.openxmlformats.org/drawingml/2006/main" xmlns:r="http://schemas.openxmlformats.org/officeDocument/2006/relationships" xmlns:p="http://schemas.openxmlformats.org/presentationml/2006/main" showMasterSp="0" showMasterPhAnim="0">
+<p:notes xmlns:a="http://schemas.openxmlformats.org/drawingml/2006/main" xmlns:r="http://schemas.openxmlformats.org/officeDocument/2006/relationships" xmlns:mc="http://schemas.openxmlformats.org/markup-compatibility/2006" xmlns:mv="urn:schemas-microsoft-com:mac:vml" xmlns:p="http://schemas.openxmlformats.org/presentationml/2006/main" xmlns:c="http://schemas.openxmlformats.org/drawingml/2006/chart" xmlns:dgm="http://schemas.openxmlformats.org/drawingml/2006/diagram" xmlns:o="urn:schemas-microsoft-com:office:office" xmlns:v="urn:schemas-microsoft-com:vml" xmlns:pvml="urn:schemas-microsoft-com:office:powerpoint" xmlns:com="http://schemas.openxmlformats.org/drawingml/2006/compatibility" xmlns:p14="http://schemas.microsoft.com/office/powerpoint/2010/main" xmlns:p15="http://schemas.microsoft.com/office/powerpoint/2012/main" showMasterPhAnim="0" showMasterSp="0">
   <p:cSld>
     <p:spTree>
       <p:nvGrpSpPr>
-        <p:cNvPr id="1" name="Shape 50"/>
+        <p:cNvPr id="50" name="Shape 50"/>
         <p:cNvGrpSpPr/>
         <p:nvPr/>
       </p:nvGrpSpPr>
@@ -716,26 +701,19 @@
       <p:sp>
         <p:nvSpPr>
           <p:cNvPr id="51" name="Shape 51"/>
-          <p:cNvSpPr>
-            <a:spLocks noGrp="1" noRot="1" noChangeAspect="1"/>
-          </p:cNvSpPr>
+          <p:cNvSpPr/>
           <p:nvPr>
-            <p:ph type="sldImg" idx="2"/>
+            <p:ph idx="2" type="sldImg"/>
           </p:nvPr>
         </p:nvSpPr>
         <p:spPr>
           <a:xfrm>
-            <a:off x="381000" y="685800"/>
-            <a:ext cx="6096000" cy="3429000"/>
+            <a:off x="381300" y="685800"/>
+            <a:ext cx="6096075" cy="3429000"/>
           </a:xfrm>
           <a:custGeom>
-            <a:avLst/>
-            <a:gdLst/>
-            <a:ahLst/>
-            <a:cxnLst/>
-            <a:rect l="0" t="0" r="0" b="0"/>
             <a:pathLst>
-              <a:path w="120000" h="120000" extrusionOk="0">
+              <a:path extrusionOk="0" h="120000" w="120000">
                 <a:moveTo>
                   <a:pt x="0" y="0"/>
                 </a:moveTo>
@@ -757,11 +735,9 @@
       <p:sp>
         <p:nvSpPr>
           <p:cNvPr id="52" name="Shape 52"/>
-          <p:cNvSpPr txBox="1">
-            <a:spLocks noGrp="1"/>
-          </p:cNvSpPr>
+          <p:cNvSpPr txBox="1"/>
           <p:nvPr>
-            <p:ph type="body" idx="1"/>
+            <p:ph idx="1" type="body"/>
           </p:nvPr>
         </p:nvSpPr>
         <p:spPr>
@@ -774,20 +750,23 @@
           </a:prstGeom>
         </p:spPr>
         <p:txBody>
-          <a:bodyPr spcFirstLastPara="1" wrap="square" lIns="91425" tIns="91425" rIns="91425" bIns="91425" anchor="t" anchorCtr="0">
+          <a:bodyPr anchorCtr="0" anchor="t" bIns="91425" lIns="91425" spcFirstLastPara="1" rIns="91425" wrap="square" tIns="91425">
             <a:noAutofit/>
           </a:bodyPr>
           <a:lstStyle/>
           <a:p>
-            <a:pPr marL="0" lvl="0" indent="0">
-              <a:spcBef>
-                <a:spcPts val="0"/>
-              </a:spcBef>
-              <a:spcAft>
-                <a:spcPts val="0"/>
-              </a:spcAft>
-              <a:buNone/>
-            </a:pPr>
+            <a:pPr indent="0" lvl="0" marL="0">
+              <a:spcBef>
+                <a:spcPts val="0"/>
+              </a:spcBef>
+              <a:spcAft>
+                <a:spcPts val="0"/>
+              </a:spcAft>
+              <a:buNone/>
+            </a:pPr>
+            <a:r>
+              <a:t/>
+            </a:r>
             <a:endParaRPr/>
           </a:p>
         </p:txBody>
@@ -801,11 +780,11 @@
 </file>
 
 <file path=ppt/notesSlides/notesSlide10.xml><?xml version="1.0" encoding="utf-8"?>
-<p:notes xmlns:a="http://schemas.openxmlformats.org/drawingml/2006/main" xmlns:r="http://schemas.openxmlformats.org/officeDocument/2006/relationships" xmlns:p="http://schemas.openxmlformats.org/presentationml/2006/main" showMasterSp="0" showMasterPhAnim="0">
+<p:notes xmlns:a="http://schemas.openxmlformats.org/drawingml/2006/main" xmlns:r="http://schemas.openxmlformats.org/officeDocument/2006/relationships" xmlns:mc="http://schemas.openxmlformats.org/markup-compatibility/2006" xmlns:mv="urn:schemas-microsoft-com:mac:vml" xmlns:p="http://schemas.openxmlformats.org/presentationml/2006/main" xmlns:c="http://schemas.openxmlformats.org/drawingml/2006/chart" xmlns:dgm="http://schemas.openxmlformats.org/drawingml/2006/diagram" xmlns:o="urn:schemas-microsoft-com:office:office" xmlns:v="urn:schemas-microsoft-com:vml" xmlns:pvml="urn:schemas-microsoft-com:office:powerpoint" xmlns:com="http://schemas.openxmlformats.org/drawingml/2006/compatibility" xmlns:p14="http://schemas.microsoft.com/office/powerpoint/2010/main" xmlns:p15="http://schemas.microsoft.com/office/powerpoint/2012/main" showMasterPhAnim="0" showMasterSp="0">
   <p:cSld>
     <p:spTree>
       <p:nvGrpSpPr>
-        <p:cNvPr id="1" name="Shape 102"/>
+        <p:cNvPr id="102" name="Shape 102"/>
         <p:cNvGrpSpPr/>
         <p:nvPr/>
       </p:nvGrpSpPr>
@@ -820,26 +799,19 @@
       <p:sp>
         <p:nvSpPr>
           <p:cNvPr id="103" name="Shape 103"/>
-          <p:cNvSpPr>
-            <a:spLocks noGrp="1" noRot="1" noChangeAspect="1"/>
-          </p:cNvSpPr>
+          <p:cNvSpPr/>
           <p:nvPr>
-            <p:ph type="sldImg" idx="2"/>
+            <p:ph idx="2" type="sldImg"/>
           </p:nvPr>
         </p:nvSpPr>
         <p:spPr>
           <a:xfrm>
-            <a:off x="381000" y="685800"/>
+            <a:off x="381300" y="685800"/>
             <a:ext cx="6096000" cy="3429000"/>
           </a:xfrm>
           <a:custGeom>
-            <a:avLst/>
-            <a:gdLst/>
-            <a:ahLst/>
-            <a:cxnLst/>
-            <a:rect l="0" t="0" r="0" b="0"/>
             <a:pathLst>
-              <a:path w="120000" h="120000" extrusionOk="0">
+              <a:path extrusionOk="0" h="120000" w="120000">
                 <a:moveTo>
                   <a:pt x="0" y="0"/>
                 </a:moveTo>
@@ -861,11 +833,9 @@
       <p:sp>
         <p:nvSpPr>
           <p:cNvPr id="104" name="Shape 104"/>
-          <p:cNvSpPr txBox="1">
-            <a:spLocks noGrp="1"/>
-          </p:cNvSpPr>
+          <p:cNvSpPr txBox="1"/>
           <p:nvPr>
-            <p:ph type="body" idx="1"/>
+            <p:ph idx="1" type="body"/>
           </p:nvPr>
         </p:nvSpPr>
         <p:spPr>
@@ -878,20 +848,23 @@
           </a:prstGeom>
         </p:spPr>
         <p:txBody>
-          <a:bodyPr spcFirstLastPara="1" wrap="square" lIns="91425" tIns="91425" rIns="91425" bIns="91425" anchor="t" anchorCtr="0">
+          <a:bodyPr anchorCtr="0" anchor="t" bIns="91425" lIns="91425" spcFirstLastPara="1" rIns="91425" wrap="square" tIns="91425">
             <a:noAutofit/>
           </a:bodyPr>
           <a:lstStyle/>
           <a:p>
-            <a:pPr marL="0" lvl="0" indent="0">
-              <a:spcBef>
-                <a:spcPts val="0"/>
-              </a:spcBef>
-              <a:spcAft>
-                <a:spcPts val="0"/>
-              </a:spcAft>
-              <a:buNone/>
-            </a:pPr>
+            <a:pPr indent="0" lvl="0" marL="0">
+              <a:spcBef>
+                <a:spcPts val="0"/>
+              </a:spcBef>
+              <a:spcAft>
+                <a:spcPts val="0"/>
+              </a:spcAft>
+              <a:buNone/>
+            </a:pPr>
+            <a:r>
+              <a:t/>
+            </a:r>
             <a:endParaRPr/>
           </a:p>
         </p:txBody>
@@ -905,11 +878,11 @@
 </file>
 
 <file path=ppt/notesSlides/notesSlide11.xml><?xml version="1.0" encoding="utf-8"?>
-<p:notes xmlns:a="http://schemas.openxmlformats.org/drawingml/2006/main" xmlns:r="http://schemas.openxmlformats.org/officeDocument/2006/relationships" xmlns:p="http://schemas.openxmlformats.org/presentationml/2006/main" showMasterSp="0" showMasterPhAnim="0">
+<p:notes xmlns:a="http://schemas.openxmlformats.org/drawingml/2006/main" xmlns:r="http://schemas.openxmlformats.org/officeDocument/2006/relationships" xmlns:mc="http://schemas.openxmlformats.org/markup-compatibility/2006" xmlns:mv="urn:schemas-microsoft-com:mac:vml" xmlns:p="http://schemas.openxmlformats.org/presentationml/2006/main" xmlns:c="http://schemas.openxmlformats.org/drawingml/2006/chart" xmlns:dgm="http://schemas.openxmlformats.org/drawingml/2006/diagram" xmlns:o="urn:schemas-microsoft-com:office:office" xmlns:v="urn:schemas-microsoft-com:vml" xmlns:pvml="urn:schemas-microsoft-com:office:powerpoint" xmlns:com="http://schemas.openxmlformats.org/drawingml/2006/compatibility" xmlns:p14="http://schemas.microsoft.com/office/powerpoint/2010/main" xmlns:p15="http://schemas.microsoft.com/office/powerpoint/2012/main" showMasterPhAnim="0" showMasterSp="0">
   <p:cSld>
     <p:spTree>
       <p:nvGrpSpPr>
-        <p:cNvPr id="1" name="Shape 108"/>
+        <p:cNvPr id="107" name="Shape 107"/>
         <p:cNvGrpSpPr/>
         <p:nvPr/>
       </p:nvGrpSpPr>
@@ -923,27 +896,20 @@
       </p:grpSpPr>
       <p:sp>
         <p:nvSpPr>
-          <p:cNvPr id="109" name="Shape 109"/>
-          <p:cNvSpPr>
-            <a:spLocks noGrp="1" noRot="1" noChangeAspect="1"/>
-          </p:cNvSpPr>
+          <p:cNvPr id="108" name="Shape 108"/>
+          <p:cNvSpPr/>
           <p:nvPr>
-            <p:ph type="sldImg" idx="2"/>
+            <p:ph idx="2" type="sldImg"/>
           </p:nvPr>
         </p:nvSpPr>
         <p:spPr>
           <a:xfrm>
-            <a:off x="381000" y="685800"/>
+            <a:off x="381300" y="685800"/>
             <a:ext cx="6096000" cy="3429000"/>
           </a:xfrm>
           <a:custGeom>
-            <a:avLst/>
-            <a:gdLst/>
-            <a:ahLst/>
-            <a:cxnLst/>
-            <a:rect l="0" t="0" r="0" b="0"/>
             <a:pathLst>
-              <a:path w="120000" h="120000" extrusionOk="0">
+              <a:path extrusionOk="0" h="120000" w="120000">
                 <a:moveTo>
                   <a:pt x="0" y="0"/>
                 </a:moveTo>
@@ -964,12 +930,10 @@
       </p:sp>
       <p:sp>
         <p:nvSpPr>
-          <p:cNvPr id="110" name="Shape 110"/>
-          <p:cNvSpPr txBox="1">
-            <a:spLocks noGrp="1"/>
-          </p:cNvSpPr>
+          <p:cNvPr id="109" name="Shape 109"/>
+          <p:cNvSpPr txBox="1"/>
           <p:nvPr>
-            <p:ph type="body" idx="1"/>
+            <p:ph idx="1" type="body"/>
           </p:nvPr>
         </p:nvSpPr>
         <p:spPr>
@@ -982,20 +946,23 @@
           </a:prstGeom>
         </p:spPr>
         <p:txBody>
-          <a:bodyPr spcFirstLastPara="1" wrap="square" lIns="91425" tIns="91425" rIns="91425" bIns="91425" anchor="t" anchorCtr="0">
+          <a:bodyPr anchorCtr="0" anchor="t" bIns="91425" lIns="91425" spcFirstLastPara="1" rIns="91425" wrap="square" tIns="91425">
             <a:noAutofit/>
           </a:bodyPr>
           <a:lstStyle/>
           <a:p>
-            <a:pPr marL="0" lvl="0" indent="0">
-              <a:spcBef>
-                <a:spcPts val="0"/>
-              </a:spcBef>
-              <a:spcAft>
-                <a:spcPts val="0"/>
-              </a:spcAft>
-              <a:buNone/>
-            </a:pPr>
+            <a:pPr indent="0" lvl="0" marL="0">
+              <a:spcBef>
+                <a:spcPts val="0"/>
+              </a:spcBef>
+              <a:spcAft>
+                <a:spcPts val="0"/>
+              </a:spcAft>
+              <a:buNone/>
+            </a:pPr>
+            <a:r>
+              <a:t/>
+            </a:r>
             <a:endParaRPr/>
           </a:p>
         </p:txBody>
@@ -1009,11 +976,11 @@
 </file>
 
 <file path=ppt/notesSlides/notesSlide12.xml><?xml version="1.0" encoding="utf-8"?>
-<p:notes xmlns:a="http://schemas.openxmlformats.org/drawingml/2006/main" xmlns:r="http://schemas.openxmlformats.org/officeDocument/2006/relationships" xmlns:p="http://schemas.openxmlformats.org/presentationml/2006/main" showMasterSp="0" showMasterPhAnim="0">
+<p:notes xmlns:a="http://schemas.openxmlformats.org/drawingml/2006/main" xmlns:r="http://schemas.openxmlformats.org/officeDocument/2006/relationships" xmlns:mc="http://schemas.openxmlformats.org/markup-compatibility/2006" xmlns:mv="urn:schemas-microsoft-com:mac:vml" xmlns:p="http://schemas.openxmlformats.org/presentationml/2006/main" xmlns:c="http://schemas.openxmlformats.org/drawingml/2006/chart" xmlns:dgm="http://schemas.openxmlformats.org/drawingml/2006/diagram" xmlns:o="urn:schemas-microsoft-com:office:office" xmlns:v="urn:schemas-microsoft-com:vml" xmlns:pvml="urn:schemas-microsoft-com:office:powerpoint" xmlns:com="http://schemas.openxmlformats.org/drawingml/2006/compatibility" xmlns:p14="http://schemas.microsoft.com/office/powerpoint/2010/main" xmlns:p15="http://schemas.microsoft.com/office/powerpoint/2012/main" showMasterPhAnim="0" showMasterSp="0">
   <p:cSld>
     <p:spTree>
       <p:nvGrpSpPr>
-        <p:cNvPr id="1" name="Shape 114"/>
+        <p:cNvPr id="113" name="Shape 113"/>
         <p:cNvGrpSpPr/>
         <p:nvPr/>
       </p:nvGrpSpPr>
@@ -1027,27 +994,20 @@
       </p:grpSpPr>
       <p:sp>
         <p:nvSpPr>
-          <p:cNvPr id="115" name="Shape 115"/>
-          <p:cNvSpPr>
-            <a:spLocks noGrp="1" noRot="1" noChangeAspect="1"/>
-          </p:cNvSpPr>
+          <p:cNvPr id="114" name="Shape 114"/>
+          <p:cNvSpPr/>
           <p:nvPr>
-            <p:ph type="sldImg" idx="2"/>
+            <p:ph idx="2" type="sldImg"/>
           </p:nvPr>
         </p:nvSpPr>
         <p:spPr>
           <a:xfrm>
-            <a:off x="381000" y="685800"/>
+            <a:off x="381300" y="685800"/>
             <a:ext cx="6096000" cy="3429000"/>
           </a:xfrm>
           <a:custGeom>
-            <a:avLst/>
-            <a:gdLst/>
-            <a:ahLst/>
-            <a:cxnLst/>
-            <a:rect l="0" t="0" r="0" b="0"/>
             <a:pathLst>
-              <a:path w="120000" h="120000" extrusionOk="0">
+              <a:path extrusionOk="0" h="120000" w="120000">
                 <a:moveTo>
                   <a:pt x="0" y="0"/>
                 </a:moveTo>
@@ -1068,12 +1028,10 @@
       </p:sp>
       <p:sp>
         <p:nvSpPr>
-          <p:cNvPr id="116" name="Shape 116"/>
-          <p:cNvSpPr txBox="1">
-            <a:spLocks noGrp="1"/>
-          </p:cNvSpPr>
+          <p:cNvPr id="115" name="Shape 115"/>
+          <p:cNvSpPr txBox="1"/>
           <p:nvPr>
-            <p:ph type="body" idx="1"/>
+            <p:ph idx="1" type="body"/>
           </p:nvPr>
         </p:nvSpPr>
         <p:spPr>
@@ -1086,20 +1044,23 @@
           </a:prstGeom>
         </p:spPr>
         <p:txBody>
-          <a:bodyPr spcFirstLastPara="1" wrap="square" lIns="91425" tIns="91425" rIns="91425" bIns="91425" anchor="t" anchorCtr="0">
+          <a:bodyPr anchorCtr="0" anchor="t" bIns="91425" lIns="91425" spcFirstLastPara="1" rIns="91425" wrap="square" tIns="91425">
             <a:noAutofit/>
           </a:bodyPr>
           <a:lstStyle/>
           <a:p>
-            <a:pPr marL="0" lvl="0" indent="0">
-              <a:spcBef>
-                <a:spcPts val="0"/>
-              </a:spcBef>
-              <a:spcAft>
-                <a:spcPts val="0"/>
-              </a:spcAft>
-              <a:buNone/>
-            </a:pPr>
+            <a:pPr indent="0" lvl="0" marL="0">
+              <a:spcBef>
+                <a:spcPts val="0"/>
+              </a:spcBef>
+              <a:spcAft>
+                <a:spcPts val="0"/>
+              </a:spcAft>
+              <a:buNone/>
+            </a:pPr>
+            <a:r>
+              <a:t/>
+            </a:r>
             <a:endParaRPr/>
           </a:p>
         </p:txBody>
@@ -1113,11 +1074,11 @@
 </file>
 
 <file path=ppt/notesSlides/notesSlide13.xml><?xml version="1.0" encoding="utf-8"?>
-<p:notes xmlns:a="http://schemas.openxmlformats.org/drawingml/2006/main" xmlns:r="http://schemas.openxmlformats.org/officeDocument/2006/relationships" xmlns:p="http://schemas.openxmlformats.org/presentationml/2006/main" showMasterSp="0" showMasterPhAnim="0">
+<p:notes xmlns:a="http://schemas.openxmlformats.org/drawingml/2006/main" xmlns:r="http://schemas.openxmlformats.org/officeDocument/2006/relationships" xmlns:mc="http://schemas.openxmlformats.org/markup-compatibility/2006" xmlns:mv="urn:schemas-microsoft-com:mac:vml" xmlns:p="http://schemas.openxmlformats.org/presentationml/2006/main" xmlns:c="http://schemas.openxmlformats.org/drawingml/2006/chart" xmlns:dgm="http://schemas.openxmlformats.org/drawingml/2006/diagram" xmlns:o="urn:schemas-microsoft-com:office:office" xmlns:v="urn:schemas-microsoft-com:vml" xmlns:pvml="urn:schemas-microsoft-com:office:powerpoint" xmlns:com="http://schemas.openxmlformats.org/drawingml/2006/compatibility" xmlns:p14="http://schemas.microsoft.com/office/powerpoint/2010/main" xmlns:p15="http://schemas.microsoft.com/office/powerpoint/2012/main" showMasterPhAnim="0" showMasterSp="0">
   <p:cSld>
     <p:spTree>
       <p:nvGrpSpPr>
-        <p:cNvPr id="1" name="Shape 120"/>
+        <p:cNvPr id="119" name="Shape 119"/>
         <p:cNvGrpSpPr/>
         <p:nvPr/>
       </p:nvGrpSpPr>
@@ -1131,27 +1092,20 @@
       </p:grpSpPr>
       <p:sp>
         <p:nvSpPr>
-          <p:cNvPr id="121" name="Shape 121"/>
-          <p:cNvSpPr>
-            <a:spLocks noGrp="1" noRot="1" noChangeAspect="1"/>
-          </p:cNvSpPr>
+          <p:cNvPr id="120" name="Shape 120"/>
+          <p:cNvSpPr/>
           <p:nvPr>
-            <p:ph type="sldImg" idx="2"/>
+            <p:ph idx="2" type="sldImg"/>
           </p:nvPr>
         </p:nvSpPr>
         <p:spPr>
           <a:xfrm>
-            <a:off x="381000" y="685800"/>
+            <a:off x="381300" y="685800"/>
             <a:ext cx="6096000" cy="3429000"/>
           </a:xfrm>
           <a:custGeom>
-            <a:avLst/>
-            <a:gdLst/>
-            <a:ahLst/>
-            <a:cxnLst/>
-            <a:rect l="0" t="0" r="0" b="0"/>
             <a:pathLst>
-              <a:path w="120000" h="120000" extrusionOk="0">
+              <a:path extrusionOk="0" h="120000" w="120000">
                 <a:moveTo>
                   <a:pt x="0" y="0"/>
                 </a:moveTo>
@@ -1172,12 +1126,10 @@
       </p:sp>
       <p:sp>
         <p:nvSpPr>
-          <p:cNvPr id="122" name="Shape 122"/>
-          <p:cNvSpPr txBox="1">
-            <a:spLocks noGrp="1"/>
-          </p:cNvSpPr>
+          <p:cNvPr id="121" name="Shape 121"/>
+          <p:cNvSpPr txBox="1"/>
           <p:nvPr>
-            <p:ph type="body" idx="1"/>
+            <p:ph idx="1" type="body"/>
           </p:nvPr>
         </p:nvSpPr>
         <p:spPr>
@@ -1190,20 +1142,23 @@
           </a:prstGeom>
         </p:spPr>
         <p:txBody>
-          <a:bodyPr spcFirstLastPara="1" wrap="square" lIns="91425" tIns="91425" rIns="91425" bIns="91425" anchor="t" anchorCtr="0">
+          <a:bodyPr anchorCtr="0" anchor="t" bIns="91425" lIns="91425" spcFirstLastPara="1" rIns="91425" wrap="square" tIns="91425">
             <a:noAutofit/>
           </a:bodyPr>
           <a:lstStyle/>
           <a:p>
-            <a:pPr marL="0" lvl="0" indent="0">
-              <a:spcBef>
-                <a:spcPts val="0"/>
-              </a:spcBef>
-              <a:spcAft>
-                <a:spcPts val="0"/>
-              </a:spcAft>
-              <a:buNone/>
-            </a:pPr>
+            <a:pPr indent="0" lvl="0" marL="0">
+              <a:spcBef>
+                <a:spcPts val="0"/>
+              </a:spcBef>
+              <a:spcAft>
+                <a:spcPts val="0"/>
+              </a:spcAft>
+              <a:buNone/>
+            </a:pPr>
+            <a:r>
+              <a:t/>
+            </a:r>
             <a:endParaRPr/>
           </a:p>
         </p:txBody>
@@ -1217,11 +1172,11 @@
 </file>
 
 <file path=ppt/notesSlides/notesSlide14.xml><?xml version="1.0" encoding="utf-8"?>
-<p:notes xmlns:a="http://schemas.openxmlformats.org/drawingml/2006/main" xmlns:r="http://schemas.openxmlformats.org/officeDocument/2006/relationships" xmlns:p="http://schemas.openxmlformats.org/presentationml/2006/main" showMasterSp="0" showMasterPhAnim="0">
+<p:notes xmlns:a="http://schemas.openxmlformats.org/drawingml/2006/main" xmlns:r="http://schemas.openxmlformats.org/officeDocument/2006/relationships" xmlns:mc="http://schemas.openxmlformats.org/markup-compatibility/2006" xmlns:mv="urn:schemas-microsoft-com:mac:vml" xmlns:p="http://schemas.openxmlformats.org/presentationml/2006/main" xmlns:c="http://schemas.openxmlformats.org/drawingml/2006/chart" xmlns:dgm="http://schemas.openxmlformats.org/drawingml/2006/diagram" xmlns:o="urn:schemas-microsoft-com:office:office" xmlns:v="urn:schemas-microsoft-com:vml" xmlns:pvml="urn:schemas-microsoft-com:office:powerpoint" xmlns:com="http://schemas.openxmlformats.org/drawingml/2006/compatibility" xmlns:p14="http://schemas.microsoft.com/office/powerpoint/2010/main" xmlns:p15="http://schemas.microsoft.com/office/powerpoint/2012/main" showMasterPhAnim="0" showMasterSp="0">
   <p:cSld>
     <p:spTree>
       <p:nvGrpSpPr>
-        <p:cNvPr id="1" name="Shape 126"/>
+        <p:cNvPr id="125" name="Shape 125"/>
         <p:cNvGrpSpPr/>
         <p:nvPr/>
       </p:nvGrpSpPr>
@@ -1235,27 +1190,20 @@
       </p:grpSpPr>
       <p:sp>
         <p:nvSpPr>
-          <p:cNvPr id="127" name="Shape 127"/>
-          <p:cNvSpPr>
-            <a:spLocks noGrp="1" noRot="1" noChangeAspect="1"/>
-          </p:cNvSpPr>
+          <p:cNvPr id="126" name="Shape 126"/>
+          <p:cNvSpPr/>
           <p:nvPr>
-            <p:ph type="sldImg" idx="2"/>
+            <p:ph idx="2" type="sldImg"/>
           </p:nvPr>
         </p:nvSpPr>
         <p:spPr>
           <a:xfrm>
-            <a:off x="381000" y="685800"/>
+            <a:off x="381300" y="685800"/>
             <a:ext cx="6096000" cy="3429000"/>
           </a:xfrm>
           <a:custGeom>
-            <a:avLst/>
-            <a:gdLst/>
-            <a:ahLst/>
-            <a:cxnLst/>
-            <a:rect l="0" t="0" r="0" b="0"/>
             <a:pathLst>
-              <a:path w="120000" h="120000" extrusionOk="0">
+              <a:path extrusionOk="0" h="120000" w="120000">
                 <a:moveTo>
                   <a:pt x="0" y="0"/>
                 </a:moveTo>
@@ -1276,12 +1224,10 @@
       </p:sp>
       <p:sp>
         <p:nvSpPr>
-          <p:cNvPr id="128" name="Shape 128"/>
-          <p:cNvSpPr txBox="1">
-            <a:spLocks noGrp="1"/>
-          </p:cNvSpPr>
+          <p:cNvPr id="127" name="Shape 127"/>
+          <p:cNvSpPr txBox="1"/>
           <p:nvPr>
-            <p:ph type="body" idx="1"/>
+            <p:ph idx="1" type="body"/>
           </p:nvPr>
         </p:nvSpPr>
         <p:spPr>
@@ -1294,20 +1240,121 @@
           </a:prstGeom>
         </p:spPr>
         <p:txBody>
-          <a:bodyPr spcFirstLastPara="1" wrap="square" lIns="91425" tIns="91425" rIns="91425" bIns="91425" anchor="t" anchorCtr="0">
+          <a:bodyPr anchorCtr="0" anchor="t" bIns="91425" lIns="91425" spcFirstLastPara="1" rIns="91425" wrap="square" tIns="91425">
             <a:noAutofit/>
           </a:bodyPr>
           <a:lstStyle/>
           <a:p>
-            <a:pPr marL="0" lvl="0" indent="0">
-              <a:spcBef>
-                <a:spcPts val="0"/>
-              </a:spcBef>
-              <a:spcAft>
-                <a:spcPts val="0"/>
-              </a:spcAft>
-              <a:buNone/>
-            </a:pPr>
+            <a:pPr indent="0" lvl="0" marL="0">
+              <a:spcBef>
+                <a:spcPts val="0"/>
+              </a:spcBef>
+              <a:spcAft>
+                <a:spcPts val="0"/>
+              </a:spcAft>
+              <a:buNone/>
+            </a:pPr>
+            <a:r>
+              <a:t/>
+            </a:r>
+            <a:endParaRPr/>
+          </a:p>
+        </p:txBody>
+      </p:sp>
+    </p:spTree>
+  </p:cSld>
+  <p:clrMapOvr>
+    <a:masterClrMapping/>
+  </p:clrMapOvr>
+</p:notes>
+</file>
+
+<file path=ppt/notesSlides/notesSlide15.xml><?xml version="1.0" encoding="utf-8"?>
+<p:notes xmlns:a="http://schemas.openxmlformats.org/drawingml/2006/main" xmlns:r="http://schemas.openxmlformats.org/officeDocument/2006/relationships" xmlns:mc="http://schemas.openxmlformats.org/markup-compatibility/2006" xmlns:mv="urn:schemas-microsoft-com:mac:vml" xmlns:p="http://schemas.openxmlformats.org/presentationml/2006/main" xmlns:c="http://schemas.openxmlformats.org/drawingml/2006/chart" xmlns:dgm="http://schemas.openxmlformats.org/drawingml/2006/diagram" xmlns:o="urn:schemas-microsoft-com:office:office" xmlns:v="urn:schemas-microsoft-com:vml" xmlns:pvml="urn:schemas-microsoft-com:office:powerpoint" xmlns:com="http://schemas.openxmlformats.org/drawingml/2006/compatibility" xmlns:p14="http://schemas.microsoft.com/office/powerpoint/2010/main" xmlns:p15="http://schemas.microsoft.com/office/powerpoint/2012/main" showMasterPhAnim="0" showMasterSp="0">
+  <p:cSld>
+    <p:spTree>
+      <p:nvGrpSpPr>
+        <p:cNvPr id="131" name="Shape 131"/>
+        <p:cNvGrpSpPr/>
+        <p:nvPr/>
+      </p:nvGrpSpPr>
+      <p:grpSpPr>
+        <a:xfrm>
+          <a:off x="0" y="0"/>
+          <a:ext cx="0" cy="0"/>
+          <a:chOff x="0" y="0"/>
+          <a:chExt cx="0" cy="0"/>
+        </a:xfrm>
+      </p:grpSpPr>
+      <p:sp>
+        <p:nvSpPr>
+          <p:cNvPr id="132" name="Shape 132"/>
+          <p:cNvSpPr/>
+          <p:nvPr>
+            <p:ph idx="2" type="sldImg"/>
+          </p:nvPr>
+        </p:nvSpPr>
+        <p:spPr>
+          <a:xfrm>
+            <a:off x="381300" y="685800"/>
+            <a:ext cx="6096000" cy="3429000"/>
+          </a:xfrm>
+          <a:custGeom>
+            <a:pathLst>
+              <a:path extrusionOk="0" h="120000" w="120000">
+                <a:moveTo>
+                  <a:pt x="0" y="0"/>
+                </a:moveTo>
+                <a:lnTo>
+                  <a:pt x="120000" y="0"/>
+                </a:lnTo>
+                <a:lnTo>
+                  <a:pt x="120000" y="120000"/>
+                </a:lnTo>
+                <a:lnTo>
+                  <a:pt x="0" y="120000"/>
+                </a:lnTo>
+                <a:close/>
+              </a:path>
+            </a:pathLst>
+          </a:custGeom>
+        </p:spPr>
+      </p:sp>
+      <p:sp>
+        <p:nvSpPr>
+          <p:cNvPr id="133" name="Shape 133"/>
+          <p:cNvSpPr txBox="1"/>
+          <p:nvPr>
+            <p:ph idx="1" type="body"/>
+          </p:nvPr>
+        </p:nvSpPr>
+        <p:spPr>
+          <a:xfrm>
+            <a:off x="685800" y="4343400"/>
+            <a:ext cx="5486400" cy="4114800"/>
+          </a:xfrm>
+          <a:prstGeom prst="rect">
+            <a:avLst/>
+          </a:prstGeom>
+        </p:spPr>
+        <p:txBody>
+          <a:bodyPr anchorCtr="0" anchor="t" bIns="91425" lIns="91425" spcFirstLastPara="1" rIns="91425" wrap="square" tIns="91425">
+            <a:noAutofit/>
+          </a:bodyPr>
+          <a:lstStyle/>
+          <a:p>
+            <a:pPr indent="0" lvl="0" marL="0">
+              <a:spcBef>
+                <a:spcPts val="0"/>
+              </a:spcBef>
+              <a:spcAft>
+                <a:spcPts val="0"/>
+              </a:spcAft>
+              <a:buNone/>
+            </a:pPr>
+            <a:r>
+              <a:t/>
+            </a:r>
             <a:endParaRPr/>
           </a:p>
         </p:txBody>
@@ -1321,11 +1368,11 @@
 </file>
 
 <file path=ppt/notesSlides/notesSlide2.xml><?xml version="1.0" encoding="utf-8"?>
-<p:notes xmlns:a="http://schemas.openxmlformats.org/drawingml/2006/main" xmlns:r="http://schemas.openxmlformats.org/officeDocument/2006/relationships" xmlns:p="http://schemas.openxmlformats.org/presentationml/2006/main" showMasterSp="0" showMasterPhAnim="0">
+<p:notes xmlns:a="http://schemas.openxmlformats.org/drawingml/2006/main" xmlns:r="http://schemas.openxmlformats.org/officeDocument/2006/relationships" xmlns:mc="http://schemas.openxmlformats.org/markup-compatibility/2006" xmlns:mv="urn:schemas-microsoft-com:mac:vml" xmlns:p="http://schemas.openxmlformats.org/presentationml/2006/main" xmlns:c="http://schemas.openxmlformats.org/drawingml/2006/chart" xmlns:dgm="http://schemas.openxmlformats.org/drawingml/2006/diagram" xmlns:o="urn:schemas-microsoft-com:office:office" xmlns:v="urn:schemas-microsoft-com:vml" xmlns:pvml="urn:schemas-microsoft-com:office:powerpoint" xmlns:com="http://schemas.openxmlformats.org/drawingml/2006/compatibility" xmlns:p14="http://schemas.microsoft.com/office/powerpoint/2010/main" xmlns:p15="http://schemas.microsoft.com/office/powerpoint/2012/main" showMasterPhAnim="0" showMasterSp="0">
   <p:cSld>
     <p:spTree>
       <p:nvGrpSpPr>
-        <p:cNvPr id="1" name="Shape 56"/>
+        <p:cNvPr id="56" name="Shape 56"/>
         <p:cNvGrpSpPr/>
         <p:nvPr/>
       </p:nvGrpSpPr>
@@ -1340,26 +1387,19 @@
       <p:sp>
         <p:nvSpPr>
           <p:cNvPr id="57" name="Shape 57"/>
-          <p:cNvSpPr>
-            <a:spLocks noGrp="1" noRot="1" noChangeAspect="1"/>
-          </p:cNvSpPr>
+          <p:cNvSpPr/>
           <p:nvPr>
-            <p:ph type="sldImg" idx="2"/>
+            <p:ph idx="2" type="sldImg"/>
           </p:nvPr>
         </p:nvSpPr>
         <p:spPr>
           <a:xfrm>
-            <a:off x="381000" y="685800"/>
+            <a:off x="381300" y="685800"/>
             <a:ext cx="6096000" cy="3429000"/>
           </a:xfrm>
           <a:custGeom>
-            <a:avLst/>
-            <a:gdLst/>
-            <a:ahLst/>
-            <a:cxnLst/>
-            <a:rect l="0" t="0" r="0" b="0"/>
             <a:pathLst>
-              <a:path w="120000" h="120000" extrusionOk="0">
+              <a:path extrusionOk="0" h="120000" w="120000">
                 <a:moveTo>
                   <a:pt x="0" y="0"/>
                 </a:moveTo>
@@ -1381,11 +1421,9 @@
       <p:sp>
         <p:nvSpPr>
           <p:cNvPr id="58" name="Shape 58"/>
-          <p:cNvSpPr txBox="1">
-            <a:spLocks noGrp="1"/>
-          </p:cNvSpPr>
+          <p:cNvSpPr txBox="1"/>
           <p:nvPr>
-            <p:ph type="body" idx="1"/>
+            <p:ph idx="1" type="body"/>
           </p:nvPr>
         </p:nvSpPr>
         <p:spPr>
@@ -1398,20 +1436,23 @@
           </a:prstGeom>
         </p:spPr>
         <p:txBody>
-          <a:bodyPr spcFirstLastPara="1" wrap="square" lIns="91425" tIns="91425" rIns="91425" bIns="91425" anchor="t" anchorCtr="0">
+          <a:bodyPr anchorCtr="0" anchor="t" bIns="91425" lIns="91425" spcFirstLastPara="1" rIns="91425" wrap="square" tIns="91425">
             <a:noAutofit/>
           </a:bodyPr>
           <a:lstStyle/>
           <a:p>
-            <a:pPr marL="0" lvl="0" indent="0">
-              <a:spcBef>
-                <a:spcPts val="0"/>
-              </a:spcBef>
-              <a:spcAft>
-                <a:spcPts val="0"/>
-              </a:spcAft>
-              <a:buNone/>
-            </a:pPr>
+            <a:pPr indent="0" lvl="0" marL="0">
+              <a:spcBef>
+                <a:spcPts val="0"/>
+              </a:spcBef>
+              <a:spcAft>
+                <a:spcPts val="0"/>
+              </a:spcAft>
+              <a:buNone/>
+            </a:pPr>
+            <a:r>
+              <a:t/>
+            </a:r>
             <a:endParaRPr/>
           </a:p>
         </p:txBody>
@@ -1425,11 +1466,11 @@
 </file>
 
 <file path=ppt/notesSlides/notesSlide3.xml><?xml version="1.0" encoding="utf-8"?>
-<p:notes xmlns:a="http://schemas.openxmlformats.org/drawingml/2006/main" xmlns:r="http://schemas.openxmlformats.org/officeDocument/2006/relationships" xmlns:p="http://schemas.openxmlformats.org/presentationml/2006/main" showMasterSp="0" showMasterPhAnim="0">
+<p:notes xmlns:a="http://schemas.openxmlformats.org/drawingml/2006/main" xmlns:r="http://schemas.openxmlformats.org/officeDocument/2006/relationships" xmlns:mc="http://schemas.openxmlformats.org/markup-compatibility/2006" xmlns:mv="urn:schemas-microsoft-com:mac:vml" xmlns:p="http://schemas.openxmlformats.org/presentationml/2006/main" xmlns:c="http://schemas.openxmlformats.org/drawingml/2006/chart" xmlns:dgm="http://schemas.openxmlformats.org/drawingml/2006/diagram" xmlns:o="urn:schemas-microsoft-com:office:office" xmlns:v="urn:schemas-microsoft-com:vml" xmlns:pvml="urn:schemas-microsoft-com:office:powerpoint" xmlns:com="http://schemas.openxmlformats.org/drawingml/2006/compatibility" xmlns:p14="http://schemas.microsoft.com/office/powerpoint/2010/main" xmlns:p15="http://schemas.microsoft.com/office/powerpoint/2012/main" showMasterPhAnim="0" showMasterSp="0">
   <p:cSld>
     <p:spTree>
       <p:nvGrpSpPr>
-        <p:cNvPr id="1" name="Shape 62"/>
+        <p:cNvPr id="62" name="Shape 62"/>
         <p:cNvGrpSpPr/>
         <p:nvPr/>
       </p:nvGrpSpPr>
@@ -1444,26 +1485,19 @@
       <p:sp>
         <p:nvSpPr>
           <p:cNvPr id="63" name="Shape 63"/>
-          <p:cNvSpPr>
-            <a:spLocks noGrp="1" noRot="1" noChangeAspect="1"/>
-          </p:cNvSpPr>
+          <p:cNvSpPr/>
           <p:nvPr>
-            <p:ph type="sldImg" idx="2"/>
+            <p:ph idx="2" type="sldImg"/>
           </p:nvPr>
         </p:nvSpPr>
         <p:spPr>
           <a:xfrm>
-            <a:off x="381000" y="685800"/>
+            <a:off x="381300" y="685800"/>
             <a:ext cx="6096000" cy="3429000"/>
           </a:xfrm>
           <a:custGeom>
-            <a:avLst/>
-            <a:gdLst/>
-            <a:ahLst/>
-            <a:cxnLst/>
-            <a:rect l="0" t="0" r="0" b="0"/>
             <a:pathLst>
-              <a:path w="120000" h="120000" extrusionOk="0">
+              <a:path extrusionOk="0" h="120000" w="120000">
                 <a:moveTo>
                   <a:pt x="0" y="0"/>
                 </a:moveTo>
@@ -1485,11 +1519,9 @@
       <p:sp>
         <p:nvSpPr>
           <p:cNvPr id="64" name="Shape 64"/>
-          <p:cNvSpPr txBox="1">
-            <a:spLocks noGrp="1"/>
-          </p:cNvSpPr>
+          <p:cNvSpPr txBox="1"/>
           <p:nvPr>
-            <p:ph type="body" idx="1"/>
+            <p:ph idx="1" type="body"/>
           </p:nvPr>
         </p:nvSpPr>
         <p:spPr>
@@ -1502,20 +1534,23 @@
           </a:prstGeom>
         </p:spPr>
         <p:txBody>
-          <a:bodyPr spcFirstLastPara="1" wrap="square" lIns="91425" tIns="91425" rIns="91425" bIns="91425" anchor="t" anchorCtr="0">
+          <a:bodyPr anchorCtr="0" anchor="t" bIns="91425" lIns="91425" spcFirstLastPara="1" rIns="91425" wrap="square" tIns="91425">
             <a:noAutofit/>
           </a:bodyPr>
           <a:lstStyle/>
           <a:p>
-            <a:pPr marL="0" lvl="0" indent="0">
-              <a:spcBef>
-                <a:spcPts val="0"/>
-              </a:spcBef>
-              <a:spcAft>
-                <a:spcPts val="0"/>
-              </a:spcAft>
-              <a:buNone/>
-            </a:pPr>
+            <a:pPr indent="0" lvl="0" marL="0">
+              <a:spcBef>
+                <a:spcPts val="0"/>
+              </a:spcBef>
+              <a:spcAft>
+                <a:spcPts val="0"/>
+              </a:spcAft>
+              <a:buNone/>
+            </a:pPr>
+            <a:r>
+              <a:t/>
+            </a:r>
             <a:endParaRPr/>
           </a:p>
         </p:txBody>
@@ -1529,11 +1564,11 @@
 </file>
 
 <file path=ppt/notesSlides/notesSlide4.xml><?xml version="1.0" encoding="utf-8"?>
-<p:notes xmlns:a="http://schemas.openxmlformats.org/drawingml/2006/main" xmlns:r="http://schemas.openxmlformats.org/officeDocument/2006/relationships" xmlns:p="http://schemas.openxmlformats.org/presentationml/2006/main" showMasterSp="0" showMasterPhAnim="0">
+<p:notes xmlns:a="http://schemas.openxmlformats.org/drawingml/2006/main" xmlns:r="http://schemas.openxmlformats.org/officeDocument/2006/relationships" xmlns:mc="http://schemas.openxmlformats.org/markup-compatibility/2006" xmlns:mv="urn:schemas-microsoft-com:mac:vml" xmlns:p="http://schemas.openxmlformats.org/presentationml/2006/main" xmlns:c="http://schemas.openxmlformats.org/drawingml/2006/chart" xmlns:dgm="http://schemas.openxmlformats.org/drawingml/2006/diagram" xmlns:o="urn:schemas-microsoft-com:office:office" xmlns:v="urn:schemas-microsoft-com:vml" xmlns:pvml="urn:schemas-microsoft-com:office:powerpoint" xmlns:com="http://schemas.openxmlformats.org/drawingml/2006/compatibility" xmlns:p14="http://schemas.microsoft.com/office/powerpoint/2010/main" xmlns:p15="http://schemas.microsoft.com/office/powerpoint/2012/main" showMasterPhAnim="0" showMasterSp="0">
   <p:cSld>
     <p:spTree>
       <p:nvGrpSpPr>
-        <p:cNvPr id="1" name="Shape 68"/>
+        <p:cNvPr id="68" name="Shape 68"/>
         <p:cNvGrpSpPr/>
         <p:nvPr/>
       </p:nvGrpSpPr>
@@ -1548,26 +1583,19 @@
       <p:sp>
         <p:nvSpPr>
           <p:cNvPr id="69" name="Shape 69"/>
-          <p:cNvSpPr>
-            <a:spLocks noGrp="1" noRot="1" noChangeAspect="1"/>
-          </p:cNvSpPr>
+          <p:cNvSpPr/>
           <p:nvPr>
-            <p:ph type="sldImg" idx="2"/>
+            <p:ph idx="2" type="sldImg"/>
           </p:nvPr>
         </p:nvSpPr>
         <p:spPr>
           <a:xfrm>
-            <a:off x="381000" y="685800"/>
+            <a:off x="381300" y="685800"/>
             <a:ext cx="6096000" cy="3429000"/>
           </a:xfrm>
           <a:custGeom>
-            <a:avLst/>
-            <a:gdLst/>
-            <a:ahLst/>
-            <a:cxnLst/>
-            <a:rect l="0" t="0" r="0" b="0"/>
             <a:pathLst>
-              <a:path w="120000" h="120000" extrusionOk="0">
+              <a:path extrusionOk="0" h="120000" w="120000">
                 <a:moveTo>
                   <a:pt x="0" y="0"/>
                 </a:moveTo>
@@ -1589,11 +1617,9 @@
       <p:sp>
         <p:nvSpPr>
           <p:cNvPr id="70" name="Shape 70"/>
-          <p:cNvSpPr txBox="1">
-            <a:spLocks noGrp="1"/>
-          </p:cNvSpPr>
+          <p:cNvSpPr txBox="1"/>
           <p:nvPr>
-            <p:ph type="body" idx="1"/>
+            <p:ph idx="1" type="body"/>
           </p:nvPr>
         </p:nvSpPr>
         <p:spPr>
@@ -1606,20 +1632,23 @@
           </a:prstGeom>
         </p:spPr>
         <p:txBody>
-          <a:bodyPr spcFirstLastPara="1" wrap="square" lIns="91425" tIns="91425" rIns="91425" bIns="91425" anchor="t" anchorCtr="0">
+          <a:bodyPr anchorCtr="0" anchor="t" bIns="91425" lIns="91425" spcFirstLastPara="1" rIns="91425" wrap="square" tIns="91425">
             <a:noAutofit/>
           </a:bodyPr>
           <a:lstStyle/>
           <a:p>
-            <a:pPr marL="0" lvl="0" indent="0">
-              <a:spcBef>
-                <a:spcPts val="0"/>
-              </a:spcBef>
-              <a:spcAft>
-                <a:spcPts val="0"/>
-              </a:spcAft>
-              <a:buNone/>
-            </a:pPr>
+            <a:pPr indent="0" lvl="0" marL="0">
+              <a:spcBef>
+                <a:spcPts val="0"/>
+              </a:spcBef>
+              <a:spcAft>
+                <a:spcPts val="0"/>
+              </a:spcAft>
+              <a:buNone/>
+            </a:pPr>
+            <a:r>
+              <a:t/>
+            </a:r>
             <a:endParaRPr/>
           </a:p>
         </p:txBody>
@@ -1633,11 +1662,11 @@
 </file>
 
 <file path=ppt/notesSlides/notesSlide5.xml><?xml version="1.0" encoding="utf-8"?>
-<p:notes xmlns:a="http://schemas.openxmlformats.org/drawingml/2006/main" xmlns:r="http://schemas.openxmlformats.org/officeDocument/2006/relationships" xmlns:p="http://schemas.openxmlformats.org/presentationml/2006/main" showMasterSp="0" showMasterPhAnim="0">
+<p:notes xmlns:a="http://schemas.openxmlformats.org/drawingml/2006/main" xmlns:r="http://schemas.openxmlformats.org/officeDocument/2006/relationships" xmlns:mc="http://schemas.openxmlformats.org/markup-compatibility/2006" xmlns:mv="urn:schemas-microsoft-com:mac:vml" xmlns:p="http://schemas.openxmlformats.org/presentationml/2006/main" xmlns:c="http://schemas.openxmlformats.org/drawingml/2006/chart" xmlns:dgm="http://schemas.openxmlformats.org/drawingml/2006/diagram" xmlns:o="urn:schemas-microsoft-com:office:office" xmlns:v="urn:schemas-microsoft-com:vml" xmlns:pvml="urn:schemas-microsoft-com:office:powerpoint" xmlns:com="http://schemas.openxmlformats.org/drawingml/2006/compatibility" xmlns:p14="http://schemas.microsoft.com/office/powerpoint/2010/main" xmlns:p15="http://schemas.microsoft.com/office/powerpoint/2012/main" showMasterPhAnim="0" showMasterSp="0">
   <p:cSld>
     <p:spTree>
       <p:nvGrpSpPr>
-        <p:cNvPr id="1" name="Shape 73"/>
+        <p:cNvPr id="73" name="Shape 73"/>
         <p:cNvGrpSpPr/>
         <p:nvPr/>
       </p:nvGrpSpPr>
@@ -1652,26 +1681,19 @@
       <p:sp>
         <p:nvSpPr>
           <p:cNvPr id="74" name="Shape 74"/>
-          <p:cNvSpPr>
-            <a:spLocks noGrp="1" noRot="1" noChangeAspect="1"/>
-          </p:cNvSpPr>
+          <p:cNvSpPr/>
           <p:nvPr>
-            <p:ph type="sldImg" idx="2"/>
+            <p:ph idx="2" type="sldImg"/>
           </p:nvPr>
         </p:nvSpPr>
         <p:spPr>
           <a:xfrm>
-            <a:off x="381000" y="685800"/>
+            <a:off x="381300" y="685800"/>
             <a:ext cx="6096000" cy="3429000"/>
           </a:xfrm>
           <a:custGeom>
-            <a:avLst/>
-            <a:gdLst/>
-            <a:ahLst/>
-            <a:cxnLst/>
-            <a:rect l="0" t="0" r="0" b="0"/>
             <a:pathLst>
-              <a:path w="120000" h="120000" extrusionOk="0">
+              <a:path extrusionOk="0" h="120000" w="120000">
                 <a:moveTo>
                   <a:pt x="0" y="0"/>
                 </a:moveTo>
@@ -1693,11 +1715,9 @@
       <p:sp>
         <p:nvSpPr>
           <p:cNvPr id="75" name="Shape 75"/>
-          <p:cNvSpPr txBox="1">
-            <a:spLocks noGrp="1"/>
-          </p:cNvSpPr>
+          <p:cNvSpPr txBox="1"/>
           <p:nvPr>
-            <p:ph type="body" idx="1"/>
+            <p:ph idx="1" type="body"/>
           </p:nvPr>
         </p:nvSpPr>
         <p:spPr>
@@ -1710,20 +1730,23 @@
           </a:prstGeom>
         </p:spPr>
         <p:txBody>
-          <a:bodyPr spcFirstLastPara="1" wrap="square" lIns="91425" tIns="91425" rIns="91425" bIns="91425" anchor="t" anchorCtr="0">
+          <a:bodyPr anchorCtr="0" anchor="t" bIns="91425" lIns="91425" spcFirstLastPara="1" rIns="91425" wrap="square" tIns="91425">
             <a:noAutofit/>
           </a:bodyPr>
           <a:lstStyle/>
           <a:p>
-            <a:pPr marL="0" lvl="0" indent="0">
-              <a:spcBef>
-                <a:spcPts val="0"/>
-              </a:spcBef>
-              <a:spcAft>
-                <a:spcPts val="0"/>
-              </a:spcAft>
-              <a:buNone/>
-            </a:pPr>
+            <a:pPr indent="0" lvl="0" marL="0">
+              <a:spcBef>
+                <a:spcPts val="0"/>
+              </a:spcBef>
+              <a:spcAft>
+                <a:spcPts val="0"/>
+              </a:spcAft>
+              <a:buNone/>
+            </a:pPr>
+            <a:r>
+              <a:t/>
+            </a:r>
             <a:endParaRPr/>
           </a:p>
         </p:txBody>
@@ -1737,11 +1760,11 @@
 </file>
 
 <file path=ppt/notesSlides/notesSlide6.xml><?xml version="1.0" encoding="utf-8"?>
-<p:notes xmlns:a="http://schemas.openxmlformats.org/drawingml/2006/main" xmlns:r="http://schemas.openxmlformats.org/officeDocument/2006/relationships" xmlns:p="http://schemas.openxmlformats.org/presentationml/2006/main" showMasterSp="0" showMasterPhAnim="0">
+<p:notes xmlns:a="http://schemas.openxmlformats.org/drawingml/2006/main" xmlns:r="http://schemas.openxmlformats.org/officeDocument/2006/relationships" xmlns:mc="http://schemas.openxmlformats.org/markup-compatibility/2006" xmlns:mv="urn:schemas-microsoft-com:mac:vml" xmlns:p="http://schemas.openxmlformats.org/presentationml/2006/main" xmlns:c="http://schemas.openxmlformats.org/drawingml/2006/chart" xmlns:dgm="http://schemas.openxmlformats.org/drawingml/2006/diagram" xmlns:o="urn:schemas-microsoft-com:office:office" xmlns:v="urn:schemas-microsoft-com:vml" xmlns:pvml="urn:schemas-microsoft-com:office:powerpoint" xmlns:com="http://schemas.openxmlformats.org/drawingml/2006/compatibility" xmlns:p14="http://schemas.microsoft.com/office/powerpoint/2010/main" xmlns:p15="http://schemas.microsoft.com/office/powerpoint/2012/main" showMasterPhAnim="0" showMasterSp="0">
   <p:cSld>
     <p:spTree>
       <p:nvGrpSpPr>
-        <p:cNvPr id="1" name="Shape 78"/>
+        <p:cNvPr id="78" name="Shape 78"/>
         <p:cNvGrpSpPr/>
         <p:nvPr/>
       </p:nvGrpSpPr>
@@ -1756,26 +1779,19 @@
       <p:sp>
         <p:nvSpPr>
           <p:cNvPr id="79" name="Shape 79"/>
-          <p:cNvSpPr>
-            <a:spLocks noGrp="1" noRot="1" noChangeAspect="1"/>
-          </p:cNvSpPr>
+          <p:cNvSpPr/>
           <p:nvPr>
-            <p:ph type="sldImg" idx="2"/>
+            <p:ph idx="2" type="sldImg"/>
           </p:nvPr>
         </p:nvSpPr>
         <p:spPr>
           <a:xfrm>
-            <a:off x="381000" y="685800"/>
+            <a:off x="381300" y="685800"/>
             <a:ext cx="6096000" cy="3429000"/>
           </a:xfrm>
           <a:custGeom>
-            <a:avLst/>
-            <a:gdLst/>
-            <a:ahLst/>
-            <a:cxnLst/>
-            <a:rect l="0" t="0" r="0" b="0"/>
             <a:pathLst>
-              <a:path w="120000" h="120000" extrusionOk="0">
+              <a:path extrusionOk="0" h="120000" w="120000">
                 <a:moveTo>
                   <a:pt x="0" y="0"/>
                 </a:moveTo>
@@ -1797,11 +1813,9 @@
       <p:sp>
         <p:nvSpPr>
           <p:cNvPr id="80" name="Shape 80"/>
-          <p:cNvSpPr txBox="1">
-            <a:spLocks noGrp="1"/>
-          </p:cNvSpPr>
+          <p:cNvSpPr txBox="1"/>
           <p:nvPr>
-            <p:ph type="body" idx="1"/>
+            <p:ph idx="1" type="body"/>
           </p:nvPr>
         </p:nvSpPr>
         <p:spPr>
@@ -1814,20 +1828,23 @@
           </a:prstGeom>
         </p:spPr>
         <p:txBody>
-          <a:bodyPr spcFirstLastPara="1" wrap="square" lIns="91425" tIns="91425" rIns="91425" bIns="91425" anchor="t" anchorCtr="0">
+          <a:bodyPr anchorCtr="0" anchor="t" bIns="91425" lIns="91425" spcFirstLastPara="1" rIns="91425" wrap="square" tIns="91425">
             <a:noAutofit/>
           </a:bodyPr>
           <a:lstStyle/>
           <a:p>
-            <a:pPr marL="0" lvl="0" indent="0">
-              <a:spcBef>
-                <a:spcPts val="0"/>
-              </a:spcBef>
-              <a:spcAft>
-                <a:spcPts val="0"/>
-              </a:spcAft>
-              <a:buNone/>
-            </a:pPr>
+            <a:pPr indent="0" lvl="0" marL="0">
+              <a:spcBef>
+                <a:spcPts val="0"/>
+              </a:spcBef>
+              <a:spcAft>
+                <a:spcPts val="0"/>
+              </a:spcAft>
+              <a:buNone/>
+            </a:pPr>
+            <a:r>
+              <a:t/>
+            </a:r>
             <a:endParaRPr/>
           </a:p>
         </p:txBody>
@@ -1841,11 +1858,11 @@
 </file>
 
 <file path=ppt/notesSlides/notesSlide7.xml><?xml version="1.0" encoding="utf-8"?>
-<p:notes xmlns:a="http://schemas.openxmlformats.org/drawingml/2006/main" xmlns:r="http://schemas.openxmlformats.org/officeDocument/2006/relationships" xmlns:p="http://schemas.openxmlformats.org/presentationml/2006/main" showMasterSp="0" showMasterPhAnim="0">
+<p:notes xmlns:a="http://schemas.openxmlformats.org/drawingml/2006/main" xmlns:r="http://schemas.openxmlformats.org/officeDocument/2006/relationships" xmlns:mc="http://schemas.openxmlformats.org/markup-compatibility/2006" xmlns:mv="urn:schemas-microsoft-com:mac:vml" xmlns:p="http://schemas.openxmlformats.org/presentationml/2006/main" xmlns:c="http://schemas.openxmlformats.org/drawingml/2006/chart" xmlns:dgm="http://schemas.openxmlformats.org/drawingml/2006/diagram" xmlns:o="urn:schemas-microsoft-com:office:office" xmlns:v="urn:schemas-microsoft-com:vml" xmlns:pvml="urn:schemas-microsoft-com:office:powerpoint" xmlns:com="http://schemas.openxmlformats.org/drawingml/2006/compatibility" xmlns:p14="http://schemas.microsoft.com/office/powerpoint/2010/main" xmlns:p15="http://schemas.microsoft.com/office/powerpoint/2012/main" showMasterPhAnim="0" showMasterSp="0">
   <p:cSld>
     <p:spTree>
       <p:nvGrpSpPr>
-        <p:cNvPr id="1" name="Shape 84"/>
+        <p:cNvPr id="84" name="Shape 84"/>
         <p:cNvGrpSpPr/>
         <p:nvPr/>
       </p:nvGrpSpPr>
@@ -1860,26 +1877,19 @@
       <p:sp>
         <p:nvSpPr>
           <p:cNvPr id="85" name="Shape 85"/>
-          <p:cNvSpPr>
-            <a:spLocks noGrp="1" noRot="1" noChangeAspect="1"/>
-          </p:cNvSpPr>
+          <p:cNvSpPr/>
           <p:nvPr>
-            <p:ph type="sldImg" idx="2"/>
+            <p:ph idx="2" type="sldImg"/>
           </p:nvPr>
         </p:nvSpPr>
         <p:spPr>
           <a:xfrm>
-            <a:off x="381000" y="685800"/>
+            <a:off x="381300" y="685800"/>
             <a:ext cx="6096000" cy="3429000"/>
           </a:xfrm>
           <a:custGeom>
-            <a:avLst/>
-            <a:gdLst/>
-            <a:ahLst/>
-            <a:cxnLst/>
-            <a:rect l="0" t="0" r="0" b="0"/>
             <a:pathLst>
-              <a:path w="120000" h="120000" extrusionOk="0">
+              <a:path extrusionOk="0" h="120000" w="120000">
                 <a:moveTo>
                   <a:pt x="0" y="0"/>
                 </a:moveTo>
@@ -1901,11 +1911,9 @@
       <p:sp>
         <p:nvSpPr>
           <p:cNvPr id="86" name="Shape 86"/>
-          <p:cNvSpPr txBox="1">
-            <a:spLocks noGrp="1"/>
-          </p:cNvSpPr>
+          <p:cNvSpPr txBox="1"/>
           <p:nvPr>
-            <p:ph type="body" idx="1"/>
+            <p:ph idx="1" type="body"/>
           </p:nvPr>
         </p:nvSpPr>
         <p:spPr>
@@ -1918,20 +1926,23 @@
           </a:prstGeom>
         </p:spPr>
         <p:txBody>
-          <a:bodyPr spcFirstLastPara="1" wrap="square" lIns="91425" tIns="91425" rIns="91425" bIns="91425" anchor="t" anchorCtr="0">
+          <a:bodyPr anchorCtr="0" anchor="t" bIns="91425" lIns="91425" spcFirstLastPara="1" rIns="91425" wrap="square" tIns="91425">
             <a:noAutofit/>
           </a:bodyPr>
           <a:lstStyle/>
           <a:p>
-            <a:pPr marL="0" lvl="0" indent="0">
-              <a:spcBef>
-                <a:spcPts val="0"/>
-              </a:spcBef>
-              <a:spcAft>
-                <a:spcPts val="0"/>
-              </a:spcAft>
-              <a:buNone/>
-            </a:pPr>
+            <a:pPr indent="0" lvl="0" marL="0">
+              <a:spcBef>
+                <a:spcPts val="0"/>
+              </a:spcBef>
+              <a:spcAft>
+                <a:spcPts val="0"/>
+              </a:spcAft>
+              <a:buNone/>
+            </a:pPr>
+            <a:r>
+              <a:t/>
+            </a:r>
             <a:endParaRPr/>
           </a:p>
         </p:txBody>
@@ -1945,11 +1956,11 @@
 </file>
 
 <file path=ppt/notesSlides/notesSlide8.xml><?xml version="1.0" encoding="utf-8"?>
-<p:notes xmlns:a="http://schemas.openxmlformats.org/drawingml/2006/main" xmlns:r="http://schemas.openxmlformats.org/officeDocument/2006/relationships" xmlns:p="http://schemas.openxmlformats.org/presentationml/2006/main" showMasterSp="0" showMasterPhAnim="0">
+<p:notes xmlns:a="http://schemas.openxmlformats.org/drawingml/2006/main" xmlns:r="http://schemas.openxmlformats.org/officeDocument/2006/relationships" xmlns:mc="http://schemas.openxmlformats.org/markup-compatibility/2006" xmlns:mv="urn:schemas-microsoft-com:mac:vml" xmlns:p="http://schemas.openxmlformats.org/presentationml/2006/main" xmlns:c="http://schemas.openxmlformats.org/drawingml/2006/chart" xmlns:dgm="http://schemas.openxmlformats.org/drawingml/2006/diagram" xmlns:o="urn:schemas-microsoft-com:office:office" xmlns:v="urn:schemas-microsoft-com:vml" xmlns:pvml="urn:schemas-microsoft-com:office:powerpoint" xmlns:com="http://schemas.openxmlformats.org/drawingml/2006/compatibility" xmlns:p14="http://schemas.microsoft.com/office/powerpoint/2010/main" xmlns:p15="http://schemas.microsoft.com/office/powerpoint/2012/main" showMasterPhAnim="0" showMasterSp="0">
   <p:cSld>
     <p:spTree>
       <p:nvGrpSpPr>
-        <p:cNvPr id="1" name="Shape 90"/>
+        <p:cNvPr id="90" name="Shape 90"/>
         <p:cNvGrpSpPr/>
         <p:nvPr/>
       </p:nvGrpSpPr>
@@ -1964,26 +1975,19 @@
       <p:sp>
         <p:nvSpPr>
           <p:cNvPr id="91" name="Shape 91"/>
-          <p:cNvSpPr>
-            <a:spLocks noGrp="1" noRot="1" noChangeAspect="1"/>
-          </p:cNvSpPr>
+          <p:cNvSpPr/>
           <p:nvPr>
-            <p:ph type="sldImg" idx="2"/>
+            <p:ph idx="2" type="sldImg"/>
           </p:nvPr>
         </p:nvSpPr>
         <p:spPr>
           <a:xfrm>
-            <a:off x="381000" y="685800"/>
+            <a:off x="381300" y="685800"/>
             <a:ext cx="6096000" cy="3429000"/>
           </a:xfrm>
           <a:custGeom>
-            <a:avLst/>
-            <a:gdLst/>
-            <a:ahLst/>
-            <a:cxnLst/>
-            <a:rect l="0" t="0" r="0" b="0"/>
             <a:pathLst>
-              <a:path w="120000" h="120000" extrusionOk="0">
+              <a:path extrusionOk="0" h="120000" w="120000">
                 <a:moveTo>
                   <a:pt x="0" y="0"/>
                 </a:moveTo>
@@ -2005,11 +2009,9 @@
       <p:sp>
         <p:nvSpPr>
           <p:cNvPr id="92" name="Shape 92"/>
-          <p:cNvSpPr txBox="1">
-            <a:spLocks noGrp="1"/>
-          </p:cNvSpPr>
+          <p:cNvSpPr txBox="1"/>
           <p:nvPr>
-            <p:ph type="body" idx="1"/>
+            <p:ph idx="1" type="body"/>
           </p:nvPr>
         </p:nvSpPr>
         <p:spPr>
@@ -2022,20 +2024,23 @@
           </a:prstGeom>
         </p:spPr>
         <p:txBody>
-          <a:bodyPr spcFirstLastPara="1" wrap="square" lIns="91425" tIns="91425" rIns="91425" bIns="91425" anchor="t" anchorCtr="0">
+          <a:bodyPr anchorCtr="0" anchor="t" bIns="91425" lIns="91425" spcFirstLastPara="1" rIns="91425" wrap="square" tIns="91425">
             <a:noAutofit/>
           </a:bodyPr>
           <a:lstStyle/>
           <a:p>
-            <a:pPr marL="0" lvl="0" indent="0" rtl="0">
-              <a:spcBef>
-                <a:spcPts val="0"/>
-              </a:spcBef>
-              <a:spcAft>
-                <a:spcPts val="0"/>
-              </a:spcAft>
-              <a:buNone/>
-            </a:pPr>
+            <a:pPr indent="0" lvl="0" marL="0" rtl="0">
+              <a:spcBef>
+                <a:spcPts val="0"/>
+              </a:spcBef>
+              <a:spcAft>
+                <a:spcPts val="0"/>
+              </a:spcAft>
+              <a:buNone/>
+            </a:pPr>
+            <a:r>
+              <a:t/>
+            </a:r>
             <a:endParaRPr/>
           </a:p>
         </p:txBody>
@@ -2049,11 +2054,11 @@
 </file>
 
 <file path=ppt/notesSlides/notesSlide9.xml><?xml version="1.0" encoding="utf-8"?>
-<p:notes xmlns:a="http://schemas.openxmlformats.org/drawingml/2006/main" xmlns:r="http://schemas.openxmlformats.org/officeDocument/2006/relationships" xmlns:p="http://schemas.openxmlformats.org/presentationml/2006/main" showMasterSp="0" showMasterPhAnim="0">
+<p:notes xmlns:a="http://schemas.openxmlformats.org/drawingml/2006/main" xmlns:r="http://schemas.openxmlformats.org/officeDocument/2006/relationships" xmlns:mc="http://schemas.openxmlformats.org/markup-compatibility/2006" xmlns:mv="urn:schemas-microsoft-com:mac:vml" xmlns:p="http://schemas.openxmlformats.org/presentationml/2006/main" xmlns:c="http://schemas.openxmlformats.org/drawingml/2006/chart" xmlns:dgm="http://schemas.openxmlformats.org/drawingml/2006/diagram" xmlns:o="urn:schemas-microsoft-com:office:office" xmlns:v="urn:schemas-microsoft-com:vml" xmlns:pvml="urn:schemas-microsoft-com:office:powerpoint" xmlns:com="http://schemas.openxmlformats.org/drawingml/2006/compatibility" xmlns:p14="http://schemas.microsoft.com/office/powerpoint/2010/main" xmlns:p15="http://schemas.microsoft.com/office/powerpoint/2012/main" showMasterPhAnim="0" showMasterSp="0">
   <p:cSld>
     <p:spTree>
       <p:nvGrpSpPr>
-        <p:cNvPr id="1" name="Shape 96"/>
+        <p:cNvPr id="96" name="Shape 96"/>
         <p:cNvGrpSpPr/>
         <p:nvPr/>
       </p:nvGrpSpPr>
@@ -2068,26 +2073,19 @@
       <p:sp>
         <p:nvSpPr>
           <p:cNvPr id="97" name="Shape 97"/>
-          <p:cNvSpPr>
-            <a:spLocks noGrp="1" noRot="1" noChangeAspect="1"/>
-          </p:cNvSpPr>
+          <p:cNvSpPr/>
           <p:nvPr>
-            <p:ph type="sldImg" idx="2"/>
+            <p:ph idx="2" type="sldImg"/>
           </p:nvPr>
         </p:nvSpPr>
         <p:spPr>
           <a:xfrm>
-            <a:off x="381000" y="685800"/>
+            <a:off x="381300" y="685800"/>
             <a:ext cx="6096000" cy="3429000"/>
           </a:xfrm>
           <a:custGeom>
-            <a:avLst/>
-            <a:gdLst/>
-            <a:ahLst/>
-            <a:cxnLst/>
-            <a:rect l="0" t="0" r="0" b="0"/>
             <a:pathLst>
-              <a:path w="120000" h="120000" extrusionOk="0">
+              <a:path extrusionOk="0" h="120000" w="120000">
                 <a:moveTo>
                   <a:pt x="0" y="0"/>
                 </a:moveTo>
@@ -2109,11 +2107,9 @@
       <p:sp>
         <p:nvSpPr>
           <p:cNvPr id="98" name="Shape 98"/>
-          <p:cNvSpPr txBox="1">
-            <a:spLocks noGrp="1"/>
-          </p:cNvSpPr>
+          <p:cNvSpPr txBox="1"/>
           <p:nvPr>
-            <p:ph type="body" idx="1"/>
+            <p:ph idx="1" type="body"/>
           </p:nvPr>
         </p:nvSpPr>
         <p:spPr>
@@ -2126,20 +2122,23 @@
           </a:prstGeom>
         </p:spPr>
         <p:txBody>
-          <a:bodyPr spcFirstLastPara="1" wrap="square" lIns="91425" tIns="91425" rIns="91425" bIns="91425" anchor="t" anchorCtr="0">
+          <a:bodyPr anchorCtr="0" anchor="t" bIns="91425" lIns="91425" spcFirstLastPara="1" rIns="91425" wrap="square" tIns="91425">
             <a:noAutofit/>
           </a:bodyPr>
           <a:lstStyle/>
           <a:p>
-            <a:pPr marL="0" lvl="0" indent="0">
-              <a:spcBef>
-                <a:spcPts val="0"/>
-              </a:spcBef>
-              <a:spcAft>
-                <a:spcPts val="0"/>
-              </a:spcAft>
-              <a:buNone/>
-            </a:pPr>
+            <a:pPr indent="0" lvl="0" marL="0">
+              <a:spcBef>
+                <a:spcPts val="0"/>
+              </a:spcBef>
+              <a:spcAft>
+                <a:spcPts val="0"/>
+              </a:spcAft>
+              <a:buNone/>
+            </a:pPr>
+            <a:r>
+              <a:t/>
+            </a:r>
             <a:endParaRPr/>
           </a:p>
         </p:txBody>
@@ -2153,11 +2152,11 @@
 </file>
 
 <file path=ppt/slideLayouts/slideLayout1.xml><?xml version="1.0" encoding="utf-8"?>
-<p:sldLayout xmlns:a="http://schemas.openxmlformats.org/drawingml/2006/main" xmlns:r="http://schemas.openxmlformats.org/officeDocument/2006/relationships" xmlns:p="http://schemas.openxmlformats.org/presentationml/2006/main" matchingName="Title slide" type="title">
+<p:sldLayout xmlns:a="http://schemas.openxmlformats.org/drawingml/2006/main" xmlns:r="http://schemas.openxmlformats.org/officeDocument/2006/relationships" xmlns:mc="http://schemas.openxmlformats.org/markup-compatibility/2006" xmlns:mv="urn:schemas-microsoft-com:mac:vml" xmlns:p="http://schemas.openxmlformats.org/presentationml/2006/main" xmlns:c="http://schemas.openxmlformats.org/drawingml/2006/chart" xmlns:dgm="http://schemas.openxmlformats.org/drawingml/2006/diagram" xmlns:o="urn:schemas-microsoft-com:office:office" xmlns:v="urn:schemas-microsoft-com:vml" xmlns:pvml="urn:schemas-microsoft-com:office:powerpoint" xmlns:com="http://schemas.openxmlformats.org/drawingml/2006/compatibility" xmlns:p14="http://schemas.microsoft.com/office/powerpoint/2010/main" xmlns:p15="http://schemas.microsoft.com/office/powerpoint/2012/main" matchingName="Title slide" type="title">
   <p:cSld name="TITLE">
     <p:spTree>
       <p:nvGrpSpPr>
-        <p:cNvPr id="1" name="Shape 9"/>
+        <p:cNvPr id="9" name="Shape 9"/>
         <p:cNvGrpSpPr/>
         <p:nvPr/>
       </p:nvGrpSpPr>
@@ -2172,9 +2171,7 @@
       <p:sp>
         <p:nvSpPr>
           <p:cNvPr id="10" name="Shape 10"/>
-          <p:cNvSpPr txBox="1">
-            <a:spLocks noGrp="1"/>
-          </p:cNvSpPr>
+          <p:cNvSpPr txBox="1"/>
           <p:nvPr>
             <p:ph type="ctrTitle"/>
           </p:nvPr>
@@ -2189,7 +2186,7 @@
           </a:prstGeom>
         </p:spPr>
         <p:txBody>
-          <a:bodyPr spcFirstLastPara="1" wrap="square" lIns="91425" tIns="91425" rIns="91425" bIns="91425" anchor="b" anchorCtr="0"/>
+          <a:bodyPr anchorCtr="0" anchor="b" bIns="91425" lIns="91425" spcFirstLastPara="1" rIns="91425" wrap="square" tIns="91425"/>
           <a:lstStyle>
             <a:lvl1pPr lvl="0" algn="ctr">
               <a:spcBef>
@@ -2291,19 +2288,15 @@
               <a:defRPr sz="5200"/>
             </a:lvl9pPr>
           </a:lstStyle>
-          <a:p>
-            <a:endParaRPr/>
-          </a:p>
+          <a:p/>
         </p:txBody>
       </p:sp>
       <p:sp>
         <p:nvSpPr>
           <p:cNvPr id="11" name="Shape 11"/>
-          <p:cNvSpPr txBox="1">
-            <a:spLocks noGrp="1"/>
-          </p:cNvSpPr>
+          <p:cNvSpPr txBox="1"/>
           <p:nvPr>
-            <p:ph type="subTitle" idx="1"/>
+            <p:ph idx="1" type="subTitle"/>
           </p:nvPr>
         </p:nvSpPr>
         <p:spPr>
@@ -2316,7 +2309,7 @@
           </a:prstGeom>
         </p:spPr>
         <p:txBody>
-          <a:bodyPr spcFirstLastPara="1" wrap="square" lIns="91425" tIns="91425" rIns="91425" bIns="91425" anchor="t" anchorCtr="0"/>
+          <a:bodyPr anchorCtr="0" anchor="t" bIns="91425" lIns="91425" spcFirstLastPara="1" rIns="91425" wrap="square" tIns="91425"/>
           <a:lstStyle>
             <a:lvl1pPr lvl="0" algn="ctr">
               <a:lnSpc>
@@ -2445,19 +2438,15 @@
               <a:defRPr sz="2800"/>
             </a:lvl9pPr>
           </a:lstStyle>
-          <a:p>
-            <a:endParaRPr/>
-          </a:p>
+          <a:p/>
         </p:txBody>
       </p:sp>
       <p:sp>
         <p:nvSpPr>
           <p:cNvPr id="12" name="Shape 12"/>
-          <p:cNvSpPr txBox="1">
-            <a:spLocks noGrp="1"/>
-          </p:cNvSpPr>
+          <p:cNvSpPr txBox="1"/>
           <p:nvPr>
-            <p:ph type="sldNum" idx="12"/>
+            <p:ph idx="12" type="sldNum"/>
           </p:nvPr>
         </p:nvSpPr>
         <p:spPr>
@@ -2470,7 +2459,7 @@
           </a:prstGeom>
         </p:spPr>
         <p:txBody>
-          <a:bodyPr spcFirstLastPara="1" wrap="square" lIns="91425" tIns="91425" rIns="91425" bIns="91425" anchor="ctr" anchorCtr="0">
+          <a:bodyPr anchorCtr="0" anchor="ctr" bIns="91425" lIns="91425" spcFirstLastPara="1" rIns="91425" wrap="square" tIns="91425">
             <a:noAutofit/>
           </a:bodyPr>
           <a:lstStyle>
@@ -2539,7 +2528,7 @@
             </a:lvl9pPr>
           </a:lstStyle>
           <a:p>
-            <a:pPr marL="0" lvl="0" indent="0">
+            <a:pPr indent="0" lvl="0" marL="0">
               <a:spcBef>
                 <a:spcPts val="0"/>
               </a:spcBef>
@@ -2565,11 +2554,11 @@
 </file>
 
 <file path=ppt/slideLayouts/slideLayout10.xml><?xml version="1.0" encoding="utf-8"?>
-<p:sldLayout xmlns:a="http://schemas.openxmlformats.org/drawingml/2006/main" xmlns:r="http://schemas.openxmlformats.org/officeDocument/2006/relationships" xmlns:p="http://schemas.openxmlformats.org/presentationml/2006/main" matchingName="Big number">
+<p:sldLayout xmlns:a="http://schemas.openxmlformats.org/drawingml/2006/main" xmlns:r="http://schemas.openxmlformats.org/officeDocument/2006/relationships" xmlns:mc="http://schemas.openxmlformats.org/markup-compatibility/2006" xmlns:mv="urn:schemas-microsoft-com:mac:vml" xmlns:p="http://schemas.openxmlformats.org/presentationml/2006/main" xmlns:c="http://schemas.openxmlformats.org/drawingml/2006/chart" xmlns:dgm="http://schemas.openxmlformats.org/drawingml/2006/diagram" xmlns:o="urn:schemas-microsoft-com:office:office" xmlns:v="urn:schemas-microsoft-com:vml" xmlns:pvml="urn:schemas-microsoft-com:office:powerpoint" xmlns:com="http://schemas.openxmlformats.org/drawingml/2006/compatibility" xmlns:p14="http://schemas.microsoft.com/office/powerpoint/2010/main" xmlns:p15="http://schemas.microsoft.com/office/powerpoint/2012/main" matchingName="Big number">
   <p:cSld name="BIG_NUMBER">
     <p:spTree>
       <p:nvGrpSpPr>
-        <p:cNvPr id="1" name="Shape 44"/>
+        <p:cNvPr id="44" name="Shape 44"/>
         <p:cNvGrpSpPr/>
         <p:nvPr/>
       </p:nvGrpSpPr>
@@ -2584,9 +2573,7 @@
       <p:sp>
         <p:nvSpPr>
           <p:cNvPr id="45" name="Shape 45"/>
-          <p:cNvSpPr txBox="1">
-            <a:spLocks noGrp="1"/>
-          </p:cNvSpPr>
+          <p:cNvSpPr txBox="1"/>
           <p:nvPr>
             <p:ph type="title"/>
           </p:nvPr>
@@ -2601,7 +2588,7 @@
           </a:prstGeom>
         </p:spPr>
         <p:txBody>
-          <a:bodyPr spcFirstLastPara="1" wrap="square" lIns="91425" tIns="91425" rIns="91425" bIns="91425" anchor="b" anchorCtr="0"/>
+          <a:bodyPr anchorCtr="0" anchor="b" bIns="91425" lIns="91425" spcFirstLastPara="1" rIns="91425" wrap="square" tIns="91425"/>
           <a:lstStyle>
             <a:lvl1pPr lvl="0" algn="ctr">
               <a:spcBef>
@@ -2703,19 +2690,15 @@
               <a:defRPr sz="12000"/>
             </a:lvl9pPr>
           </a:lstStyle>
-          <a:p>
-            <a:endParaRPr/>
-          </a:p>
+          <a:p/>
         </p:txBody>
       </p:sp>
       <p:sp>
         <p:nvSpPr>
           <p:cNvPr id="46" name="Shape 46"/>
-          <p:cNvSpPr txBox="1">
-            <a:spLocks noGrp="1"/>
-          </p:cNvSpPr>
+          <p:cNvSpPr txBox="1"/>
           <p:nvPr>
-            <p:ph type="body" idx="1"/>
+            <p:ph idx="1" type="body"/>
           </p:nvPr>
         </p:nvSpPr>
         <p:spPr>
@@ -2728,9 +2711,9 @@
           </a:prstGeom>
         </p:spPr>
         <p:txBody>
-          <a:bodyPr spcFirstLastPara="1" wrap="square" lIns="91425" tIns="91425" rIns="91425" bIns="91425" anchor="t" anchorCtr="0"/>
+          <a:bodyPr anchorCtr="0" anchor="t" bIns="91425" lIns="91425" spcFirstLastPara="1" rIns="91425" wrap="square" tIns="91425"/>
           <a:lstStyle>
-            <a:lvl1pPr marL="457200" lvl="0" indent="-342900" algn="ctr">
+            <a:lvl1pPr indent="-342900" lvl="0" marL="457200" algn="ctr">
               <a:spcBef>
                 <a:spcPts val="0"/>
               </a:spcBef>
@@ -2741,7 +2724,7 @@
               <a:buChar char="●"/>
               <a:defRPr/>
             </a:lvl1pPr>
-            <a:lvl2pPr marL="914400" lvl="1" indent="-317500" algn="ctr">
+            <a:lvl2pPr indent="-317500" lvl="1" marL="914400" algn="ctr">
               <a:spcBef>
                 <a:spcPts val="1600"/>
               </a:spcBef>
@@ -2752,7 +2735,7 @@
               <a:buChar char="○"/>
               <a:defRPr/>
             </a:lvl2pPr>
-            <a:lvl3pPr marL="1371600" lvl="2" indent="-317500" algn="ctr">
+            <a:lvl3pPr indent="-317500" lvl="2" marL="1371600" algn="ctr">
               <a:spcBef>
                 <a:spcPts val="1600"/>
               </a:spcBef>
@@ -2763,7 +2746,7 @@
               <a:buChar char="■"/>
               <a:defRPr/>
             </a:lvl3pPr>
-            <a:lvl4pPr marL="1828800" lvl="3" indent="-317500" algn="ctr">
+            <a:lvl4pPr indent="-317500" lvl="3" marL="1828800" algn="ctr">
               <a:spcBef>
                 <a:spcPts val="1600"/>
               </a:spcBef>
@@ -2774,7 +2757,7 @@
               <a:buChar char="●"/>
               <a:defRPr/>
             </a:lvl4pPr>
-            <a:lvl5pPr marL="2286000" lvl="4" indent="-317500" algn="ctr">
+            <a:lvl5pPr indent="-317500" lvl="4" marL="2286000" algn="ctr">
               <a:spcBef>
                 <a:spcPts val="1600"/>
               </a:spcBef>
@@ -2785,7 +2768,7 @@
               <a:buChar char="○"/>
               <a:defRPr/>
             </a:lvl5pPr>
-            <a:lvl6pPr marL="2743200" lvl="5" indent="-317500" algn="ctr">
+            <a:lvl6pPr indent="-317500" lvl="5" marL="2743200" algn="ctr">
               <a:spcBef>
                 <a:spcPts val="1600"/>
               </a:spcBef>
@@ -2796,7 +2779,7 @@
               <a:buChar char="■"/>
               <a:defRPr/>
             </a:lvl6pPr>
-            <a:lvl7pPr marL="3200400" lvl="6" indent="-317500" algn="ctr">
+            <a:lvl7pPr indent="-317500" lvl="6" marL="3200400" algn="ctr">
               <a:spcBef>
                 <a:spcPts val="1600"/>
               </a:spcBef>
@@ -2807,7 +2790,7 @@
               <a:buChar char="●"/>
               <a:defRPr/>
             </a:lvl7pPr>
-            <a:lvl8pPr marL="3657600" lvl="7" indent="-317500" algn="ctr">
+            <a:lvl8pPr indent="-317500" lvl="7" marL="3657600" algn="ctr">
               <a:spcBef>
                 <a:spcPts val="1600"/>
               </a:spcBef>
@@ -2818,7 +2801,7 @@
               <a:buChar char="○"/>
               <a:defRPr/>
             </a:lvl8pPr>
-            <a:lvl9pPr marL="4114800" lvl="8" indent="-317500" algn="ctr">
+            <a:lvl9pPr indent="-317500" lvl="8" marL="4114800" algn="ctr">
               <a:spcBef>
                 <a:spcPts val="1600"/>
               </a:spcBef>
@@ -2830,19 +2813,15 @@
               <a:defRPr/>
             </a:lvl9pPr>
           </a:lstStyle>
-          <a:p>
-            <a:endParaRPr/>
-          </a:p>
+          <a:p/>
         </p:txBody>
       </p:sp>
       <p:sp>
         <p:nvSpPr>
           <p:cNvPr id="47" name="Shape 47"/>
-          <p:cNvSpPr txBox="1">
-            <a:spLocks noGrp="1"/>
-          </p:cNvSpPr>
+          <p:cNvSpPr txBox="1"/>
           <p:nvPr>
-            <p:ph type="sldNum" idx="12"/>
+            <p:ph idx="12" type="sldNum"/>
           </p:nvPr>
         </p:nvSpPr>
         <p:spPr>
@@ -2855,7 +2834,7 @@
           </a:prstGeom>
         </p:spPr>
         <p:txBody>
-          <a:bodyPr spcFirstLastPara="1" wrap="square" lIns="91425" tIns="91425" rIns="91425" bIns="91425" anchor="ctr" anchorCtr="0">
+          <a:bodyPr anchorCtr="0" anchor="ctr" bIns="91425" lIns="91425" spcFirstLastPara="1" rIns="91425" wrap="square" tIns="91425">
             <a:noAutofit/>
           </a:bodyPr>
           <a:lstStyle>
@@ -2924,7 +2903,7 @@
             </a:lvl9pPr>
           </a:lstStyle>
           <a:p>
-            <a:pPr marL="0" lvl="0" indent="0">
+            <a:pPr indent="0" lvl="0" marL="0">
               <a:spcBef>
                 <a:spcPts val="0"/>
               </a:spcBef>
@@ -2950,11 +2929,11 @@
 </file>
 
 <file path=ppt/slideLayouts/slideLayout11.xml><?xml version="1.0" encoding="utf-8"?>
-<p:sldLayout xmlns:a="http://schemas.openxmlformats.org/drawingml/2006/main" xmlns:r="http://schemas.openxmlformats.org/officeDocument/2006/relationships" xmlns:p="http://schemas.openxmlformats.org/presentationml/2006/main" matchingName="Blank" type="blank">
+<p:sldLayout xmlns:a="http://schemas.openxmlformats.org/drawingml/2006/main" xmlns:r="http://schemas.openxmlformats.org/officeDocument/2006/relationships" xmlns:mc="http://schemas.openxmlformats.org/markup-compatibility/2006" xmlns:mv="urn:schemas-microsoft-com:mac:vml" xmlns:p="http://schemas.openxmlformats.org/presentationml/2006/main" xmlns:c="http://schemas.openxmlformats.org/drawingml/2006/chart" xmlns:dgm="http://schemas.openxmlformats.org/drawingml/2006/diagram" xmlns:o="urn:schemas-microsoft-com:office:office" xmlns:v="urn:schemas-microsoft-com:vml" xmlns:pvml="urn:schemas-microsoft-com:office:powerpoint" xmlns:com="http://schemas.openxmlformats.org/drawingml/2006/compatibility" xmlns:p14="http://schemas.microsoft.com/office/powerpoint/2010/main" xmlns:p15="http://schemas.microsoft.com/office/powerpoint/2012/main" matchingName="Blank" type="blank">
   <p:cSld name="BLANK">
     <p:spTree>
       <p:nvGrpSpPr>
-        <p:cNvPr id="1" name="Shape 48"/>
+        <p:cNvPr id="48" name="Shape 48"/>
         <p:cNvGrpSpPr/>
         <p:nvPr/>
       </p:nvGrpSpPr>
@@ -2969,11 +2948,9 @@
       <p:sp>
         <p:nvSpPr>
           <p:cNvPr id="49" name="Shape 49"/>
-          <p:cNvSpPr txBox="1">
-            <a:spLocks noGrp="1"/>
-          </p:cNvSpPr>
+          <p:cNvSpPr txBox="1"/>
           <p:nvPr>
-            <p:ph type="sldNum" idx="12"/>
+            <p:ph idx="12" type="sldNum"/>
           </p:nvPr>
         </p:nvSpPr>
         <p:spPr>
@@ -2986,7 +2963,7 @@
           </a:prstGeom>
         </p:spPr>
         <p:txBody>
-          <a:bodyPr spcFirstLastPara="1" wrap="square" lIns="91425" tIns="91425" rIns="91425" bIns="91425" anchor="ctr" anchorCtr="0">
+          <a:bodyPr anchorCtr="0" anchor="ctr" bIns="91425" lIns="91425" spcFirstLastPara="1" rIns="91425" wrap="square" tIns="91425">
             <a:noAutofit/>
           </a:bodyPr>
           <a:lstStyle>
@@ -3055,7 +3032,7 @@
             </a:lvl9pPr>
           </a:lstStyle>
           <a:p>
-            <a:pPr marL="0" lvl="0" indent="0">
+            <a:pPr indent="0" lvl="0" marL="0">
               <a:spcBef>
                 <a:spcPts val="0"/>
               </a:spcBef>
@@ -3081,11 +3058,11 @@
 </file>
 
 <file path=ppt/slideLayouts/slideLayout2.xml><?xml version="1.0" encoding="utf-8"?>
-<p:sldLayout xmlns:a="http://schemas.openxmlformats.org/drawingml/2006/main" xmlns:r="http://schemas.openxmlformats.org/officeDocument/2006/relationships" xmlns:p="http://schemas.openxmlformats.org/presentationml/2006/main" matchingName="Section header" type="secHead">
+<p:sldLayout xmlns:a="http://schemas.openxmlformats.org/drawingml/2006/main" xmlns:r="http://schemas.openxmlformats.org/officeDocument/2006/relationships" xmlns:mc="http://schemas.openxmlformats.org/markup-compatibility/2006" xmlns:mv="urn:schemas-microsoft-com:mac:vml" xmlns:p="http://schemas.openxmlformats.org/presentationml/2006/main" xmlns:c="http://schemas.openxmlformats.org/drawingml/2006/chart" xmlns:dgm="http://schemas.openxmlformats.org/drawingml/2006/diagram" xmlns:o="urn:schemas-microsoft-com:office:office" xmlns:v="urn:schemas-microsoft-com:vml" xmlns:pvml="urn:schemas-microsoft-com:office:powerpoint" xmlns:com="http://schemas.openxmlformats.org/drawingml/2006/compatibility" xmlns:p14="http://schemas.microsoft.com/office/powerpoint/2010/main" xmlns:p15="http://schemas.microsoft.com/office/powerpoint/2012/main" matchingName="Section header" type="secHead">
   <p:cSld name="SECTION_HEADER">
     <p:spTree>
       <p:nvGrpSpPr>
-        <p:cNvPr id="1" name="Shape 13"/>
+        <p:cNvPr id="13" name="Shape 13"/>
         <p:cNvGrpSpPr/>
         <p:nvPr/>
       </p:nvGrpSpPr>
@@ -3100,9 +3077,7 @@
       <p:sp>
         <p:nvSpPr>
           <p:cNvPr id="14" name="Shape 14"/>
-          <p:cNvSpPr txBox="1">
-            <a:spLocks noGrp="1"/>
-          </p:cNvSpPr>
+          <p:cNvSpPr txBox="1"/>
           <p:nvPr>
             <p:ph type="title"/>
           </p:nvPr>
@@ -3117,7 +3092,7 @@
           </a:prstGeom>
         </p:spPr>
         <p:txBody>
-          <a:bodyPr spcFirstLastPara="1" wrap="square" lIns="91425" tIns="91425" rIns="91425" bIns="91425" anchor="ctr" anchorCtr="0"/>
+          <a:bodyPr anchorCtr="0" anchor="ctr" bIns="91425" lIns="91425" spcFirstLastPara="1" rIns="91425" wrap="square" tIns="91425"/>
           <a:lstStyle>
             <a:lvl1pPr lvl="0" algn="ctr">
               <a:spcBef>
@@ -3219,19 +3194,15 @@
               <a:defRPr sz="3600"/>
             </a:lvl9pPr>
           </a:lstStyle>
-          <a:p>
-            <a:endParaRPr/>
-          </a:p>
+          <a:p/>
         </p:txBody>
       </p:sp>
       <p:sp>
         <p:nvSpPr>
           <p:cNvPr id="15" name="Shape 15"/>
-          <p:cNvSpPr txBox="1">
-            <a:spLocks noGrp="1"/>
-          </p:cNvSpPr>
+          <p:cNvSpPr txBox="1"/>
           <p:nvPr>
-            <p:ph type="sldNum" idx="12"/>
+            <p:ph idx="12" type="sldNum"/>
           </p:nvPr>
         </p:nvSpPr>
         <p:spPr>
@@ -3244,7 +3215,7 @@
           </a:prstGeom>
         </p:spPr>
         <p:txBody>
-          <a:bodyPr spcFirstLastPara="1" wrap="square" lIns="91425" tIns="91425" rIns="91425" bIns="91425" anchor="ctr" anchorCtr="0">
+          <a:bodyPr anchorCtr="0" anchor="ctr" bIns="91425" lIns="91425" spcFirstLastPara="1" rIns="91425" wrap="square" tIns="91425">
             <a:noAutofit/>
           </a:bodyPr>
           <a:lstStyle>
@@ -3313,7 +3284,7 @@
             </a:lvl9pPr>
           </a:lstStyle>
           <a:p>
-            <a:pPr marL="0" lvl="0" indent="0">
+            <a:pPr indent="0" lvl="0" marL="0">
               <a:spcBef>
                 <a:spcPts val="0"/>
               </a:spcBef>
@@ -3339,11 +3310,11 @@
 </file>
 
 <file path=ppt/slideLayouts/slideLayout3.xml><?xml version="1.0" encoding="utf-8"?>
-<p:sldLayout xmlns:a="http://schemas.openxmlformats.org/drawingml/2006/main" xmlns:r="http://schemas.openxmlformats.org/officeDocument/2006/relationships" xmlns:p="http://schemas.openxmlformats.org/presentationml/2006/main" matchingName="Title and body" type="tx">
+<p:sldLayout xmlns:a="http://schemas.openxmlformats.org/drawingml/2006/main" xmlns:r="http://schemas.openxmlformats.org/officeDocument/2006/relationships" xmlns:mc="http://schemas.openxmlformats.org/markup-compatibility/2006" xmlns:mv="urn:schemas-microsoft-com:mac:vml" xmlns:p="http://schemas.openxmlformats.org/presentationml/2006/main" xmlns:c="http://schemas.openxmlformats.org/drawingml/2006/chart" xmlns:dgm="http://schemas.openxmlformats.org/drawingml/2006/diagram" xmlns:o="urn:schemas-microsoft-com:office:office" xmlns:v="urn:schemas-microsoft-com:vml" xmlns:pvml="urn:schemas-microsoft-com:office:powerpoint" xmlns:com="http://schemas.openxmlformats.org/drawingml/2006/compatibility" xmlns:p14="http://schemas.microsoft.com/office/powerpoint/2010/main" xmlns:p15="http://schemas.microsoft.com/office/powerpoint/2012/main" matchingName="Title and body" type="tx">
   <p:cSld name="TITLE_AND_BODY">
     <p:spTree>
       <p:nvGrpSpPr>
-        <p:cNvPr id="1" name="Shape 16"/>
+        <p:cNvPr id="16" name="Shape 16"/>
         <p:cNvGrpSpPr/>
         <p:nvPr/>
       </p:nvGrpSpPr>
@@ -3358,9 +3329,7 @@
       <p:sp>
         <p:nvSpPr>
           <p:cNvPr id="17" name="Shape 17"/>
-          <p:cNvSpPr txBox="1">
-            <a:spLocks noGrp="1"/>
-          </p:cNvSpPr>
+          <p:cNvSpPr txBox="1"/>
           <p:nvPr>
             <p:ph type="title"/>
           </p:nvPr>
@@ -3375,7 +3344,7 @@
           </a:prstGeom>
         </p:spPr>
         <p:txBody>
-          <a:bodyPr spcFirstLastPara="1" wrap="square" lIns="91425" tIns="91425" rIns="91425" bIns="91425" anchor="t" anchorCtr="0"/>
+          <a:bodyPr anchorCtr="0" anchor="t" bIns="91425" lIns="91425" spcFirstLastPara="1" rIns="91425" wrap="square" tIns="91425"/>
           <a:lstStyle>
             <a:lvl1pPr lvl="0">
               <a:spcBef>
@@ -3477,19 +3446,15 @@
               <a:defRPr/>
             </a:lvl9pPr>
           </a:lstStyle>
-          <a:p>
-            <a:endParaRPr/>
-          </a:p>
+          <a:p/>
         </p:txBody>
       </p:sp>
       <p:sp>
         <p:nvSpPr>
           <p:cNvPr id="18" name="Shape 18"/>
-          <p:cNvSpPr txBox="1">
-            <a:spLocks noGrp="1"/>
-          </p:cNvSpPr>
+          <p:cNvSpPr txBox="1"/>
           <p:nvPr>
-            <p:ph type="body" idx="1"/>
+            <p:ph idx="1" type="body"/>
           </p:nvPr>
         </p:nvSpPr>
         <p:spPr>
@@ -3502,9 +3467,9 @@
           </a:prstGeom>
         </p:spPr>
         <p:txBody>
-          <a:bodyPr spcFirstLastPara="1" wrap="square" lIns="91425" tIns="91425" rIns="91425" bIns="91425" anchor="t" anchorCtr="0"/>
+          <a:bodyPr anchorCtr="0" anchor="t" bIns="91425" lIns="91425" spcFirstLastPara="1" rIns="91425" wrap="square" tIns="91425"/>
           <a:lstStyle>
-            <a:lvl1pPr marL="457200" lvl="0" indent="-342900">
+            <a:lvl1pPr indent="-342900" lvl="0" marL="457200">
               <a:spcBef>
                 <a:spcPts val="0"/>
               </a:spcBef>
@@ -3515,7 +3480,7 @@
               <a:buChar char="●"/>
               <a:defRPr/>
             </a:lvl1pPr>
-            <a:lvl2pPr marL="914400" lvl="1" indent="-317500">
+            <a:lvl2pPr indent="-317500" lvl="1" marL="914400">
               <a:spcBef>
                 <a:spcPts val="1600"/>
               </a:spcBef>
@@ -3526,7 +3491,7 @@
               <a:buChar char="○"/>
               <a:defRPr/>
             </a:lvl2pPr>
-            <a:lvl3pPr marL="1371600" lvl="2" indent="-317500">
+            <a:lvl3pPr indent="-317500" lvl="2" marL="1371600">
               <a:spcBef>
                 <a:spcPts val="1600"/>
               </a:spcBef>
@@ -3537,7 +3502,7 @@
               <a:buChar char="■"/>
               <a:defRPr/>
             </a:lvl3pPr>
-            <a:lvl4pPr marL="1828800" lvl="3" indent="-317500">
+            <a:lvl4pPr indent="-317500" lvl="3" marL="1828800">
               <a:spcBef>
                 <a:spcPts val="1600"/>
               </a:spcBef>
@@ -3548,7 +3513,7 @@
               <a:buChar char="●"/>
               <a:defRPr/>
             </a:lvl4pPr>
-            <a:lvl5pPr marL="2286000" lvl="4" indent="-317500">
+            <a:lvl5pPr indent="-317500" lvl="4" marL="2286000">
               <a:spcBef>
                 <a:spcPts val="1600"/>
               </a:spcBef>
@@ -3559,7 +3524,7 @@
               <a:buChar char="○"/>
               <a:defRPr/>
             </a:lvl5pPr>
-            <a:lvl6pPr marL="2743200" lvl="5" indent="-317500">
+            <a:lvl6pPr indent="-317500" lvl="5" marL="2743200">
               <a:spcBef>
                 <a:spcPts val="1600"/>
               </a:spcBef>
@@ -3570,7 +3535,7 @@
               <a:buChar char="■"/>
               <a:defRPr/>
             </a:lvl6pPr>
-            <a:lvl7pPr marL="3200400" lvl="6" indent="-317500">
+            <a:lvl7pPr indent="-317500" lvl="6" marL="3200400">
               <a:spcBef>
                 <a:spcPts val="1600"/>
               </a:spcBef>
@@ -3581,7 +3546,7 @@
               <a:buChar char="●"/>
               <a:defRPr/>
             </a:lvl7pPr>
-            <a:lvl8pPr marL="3657600" lvl="7" indent="-317500">
+            <a:lvl8pPr indent="-317500" lvl="7" marL="3657600">
               <a:spcBef>
                 <a:spcPts val="1600"/>
               </a:spcBef>
@@ -3592,7 +3557,7 @@
               <a:buChar char="○"/>
               <a:defRPr/>
             </a:lvl8pPr>
-            <a:lvl9pPr marL="4114800" lvl="8" indent="-317500">
+            <a:lvl9pPr indent="-317500" lvl="8" marL="4114800">
               <a:spcBef>
                 <a:spcPts val="1600"/>
               </a:spcBef>
@@ -3604,19 +3569,15 @@
               <a:defRPr/>
             </a:lvl9pPr>
           </a:lstStyle>
-          <a:p>
-            <a:endParaRPr/>
-          </a:p>
+          <a:p/>
         </p:txBody>
       </p:sp>
       <p:sp>
         <p:nvSpPr>
           <p:cNvPr id="19" name="Shape 19"/>
-          <p:cNvSpPr txBox="1">
-            <a:spLocks noGrp="1"/>
-          </p:cNvSpPr>
+          <p:cNvSpPr txBox="1"/>
           <p:nvPr>
-            <p:ph type="sldNum" idx="12"/>
+            <p:ph idx="12" type="sldNum"/>
           </p:nvPr>
         </p:nvSpPr>
         <p:spPr>
@@ -3629,7 +3590,7 @@
           </a:prstGeom>
         </p:spPr>
         <p:txBody>
-          <a:bodyPr spcFirstLastPara="1" wrap="square" lIns="91425" tIns="91425" rIns="91425" bIns="91425" anchor="ctr" anchorCtr="0">
+          <a:bodyPr anchorCtr="0" anchor="ctr" bIns="91425" lIns="91425" spcFirstLastPara="1" rIns="91425" wrap="square" tIns="91425">
             <a:noAutofit/>
           </a:bodyPr>
           <a:lstStyle>
@@ -3698,7 +3659,7 @@
             </a:lvl9pPr>
           </a:lstStyle>
           <a:p>
-            <a:pPr marL="0" lvl="0" indent="0">
+            <a:pPr indent="0" lvl="0" marL="0">
               <a:spcBef>
                 <a:spcPts val="0"/>
               </a:spcBef>
@@ -3724,11 +3685,11 @@
 </file>
 
 <file path=ppt/slideLayouts/slideLayout4.xml><?xml version="1.0" encoding="utf-8"?>
-<p:sldLayout xmlns:a="http://schemas.openxmlformats.org/drawingml/2006/main" xmlns:r="http://schemas.openxmlformats.org/officeDocument/2006/relationships" xmlns:p="http://schemas.openxmlformats.org/presentationml/2006/main" matchingName="Title and two columns" type="twoColTx">
+<p:sldLayout xmlns:a="http://schemas.openxmlformats.org/drawingml/2006/main" xmlns:r="http://schemas.openxmlformats.org/officeDocument/2006/relationships" xmlns:mc="http://schemas.openxmlformats.org/markup-compatibility/2006" xmlns:mv="urn:schemas-microsoft-com:mac:vml" xmlns:p="http://schemas.openxmlformats.org/presentationml/2006/main" xmlns:c="http://schemas.openxmlformats.org/drawingml/2006/chart" xmlns:dgm="http://schemas.openxmlformats.org/drawingml/2006/diagram" xmlns:o="urn:schemas-microsoft-com:office:office" xmlns:v="urn:schemas-microsoft-com:vml" xmlns:pvml="urn:schemas-microsoft-com:office:powerpoint" xmlns:com="http://schemas.openxmlformats.org/drawingml/2006/compatibility" xmlns:p14="http://schemas.microsoft.com/office/powerpoint/2010/main" xmlns:p15="http://schemas.microsoft.com/office/powerpoint/2012/main" matchingName="Title and two columns" type="twoColTx">
   <p:cSld name="TITLE_AND_TWO_COLUMNS">
     <p:spTree>
       <p:nvGrpSpPr>
-        <p:cNvPr id="1" name="Shape 20"/>
+        <p:cNvPr id="20" name="Shape 20"/>
         <p:cNvGrpSpPr/>
         <p:nvPr/>
       </p:nvGrpSpPr>
@@ -3743,9 +3704,7 @@
       <p:sp>
         <p:nvSpPr>
           <p:cNvPr id="21" name="Shape 21"/>
-          <p:cNvSpPr txBox="1">
-            <a:spLocks noGrp="1"/>
-          </p:cNvSpPr>
+          <p:cNvSpPr txBox="1"/>
           <p:nvPr>
             <p:ph type="title"/>
           </p:nvPr>
@@ -3760,7 +3719,7 @@
           </a:prstGeom>
         </p:spPr>
         <p:txBody>
-          <a:bodyPr spcFirstLastPara="1" wrap="square" lIns="91425" tIns="91425" rIns="91425" bIns="91425" anchor="t" anchorCtr="0"/>
+          <a:bodyPr anchorCtr="0" anchor="t" bIns="91425" lIns="91425" spcFirstLastPara="1" rIns="91425" wrap="square" tIns="91425"/>
           <a:lstStyle>
             <a:lvl1pPr lvl="0">
               <a:spcBef>
@@ -3862,19 +3821,15 @@
               <a:defRPr/>
             </a:lvl9pPr>
           </a:lstStyle>
-          <a:p>
-            <a:endParaRPr/>
-          </a:p>
+          <a:p/>
         </p:txBody>
       </p:sp>
       <p:sp>
         <p:nvSpPr>
           <p:cNvPr id="22" name="Shape 22"/>
-          <p:cNvSpPr txBox="1">
-            <a:spLocks noGrp="1"/>
-          </p:cNvSpPr>
+          <p:cNvSpPr txBox="1"/>
           <p:nvPr>
-            <p:ph type="body" idx="1"/>
+            <p:ph idx="1" type="body"/>
           </p:nvPr>
         </p:nvSpPr>
         <p:spPr>
@@ -3887,9 +3842,9 @@
           </a:prstGeom>
         </p:spPr>
         <p:txBody>
-          <a:bodyPr spcFirstLastPara="1" wrap="square" lIns="91425" tIns="91425" rIns="91425" bIns="91425" anchor="t" anchorCtr="0"/>
+          <a:bodyPr anchorCtr="0" anchor="t" bIns="91425" lIns="91425" spcFirstLastPara="1" rIns="91425" wrap="square" tIns="91425"/>
           <a:lstStyle>
-            <a:lvl1pPr marL="457200" lvl="0" indent="-317500">
+            <a:lvl1pPr indent="-317500" lvl="0" marL="457200">
               <a:spcBef>
                 <a:spcPts val="0"/>
               </a:spcBef>
@@ -3900,7 +3855,7 @@
               <a:buChar char="●"/>
               <a:defRPr sz="1400"/>
             </a:lvl1pPr>
-            <a:lvl2pPr marL="914400" lvl="1" indent="-304800">
+            <a:lvl2pPr indent="-304800" lvl="1" marL="914400">
               <a:spcBef>
                 <a:spcPts val="1600"/>
               </a:spcBef>
@@ -3911,7 +3866,7 @@
               <a:buChar char="○"/>
               <a:defRPr sz="1200"/>
             </a:lvl2pPr>
-            <a:lvl3pPr marL="1371600" lvl="2" indent="-304800">
+            <a:lvl3pPr indent="-304800" lvl="2" marL="1371600">
               <a:spcBef>
                 <a:spcPts val="1600"/>
               </a:spcBef>
@@ -3922,7 +3877,7 @@
               <a:buChar char="■"/>
               <a:defRPr sz="1200"/>
             </a:lvl3pPr>
-            <a:lvl4pPr marL="1828800" lvl="3" indent="-304800">
+            <a:lvl4pPr indent="-304800" lvl="3" marL="1828800">
               <a:spcBef>
                 <a:spcPts val="1600"/>
               </a:spcBef>
@@ -3933,7 +3888,7 @@
               <a:buChar char="●"/>
               <a:defRPr sz="1200"/>
             </a:lvl4pPr>
-            <a:lvl5pPr marL="2286000" lvl="4" indent="-304800">
+            <a:lvl5pPr indent="-304800" lvl="4" marL="2286000">
               <a:spcBef>
                 <a:spcPts val="1600"/>
               </a:spcBef>
@@ -3944,7 +3899,7 @@
               <a:buChar char="○"/>
               <a:defRPr sz="1200"/>
             </a:lvl5pPr>
-            <a:lvl6pPr marL="2743200" lvl="5" indent="-304800">
+            <a:lvl6pPr indent="-304800" lvl="5" marL="2743200">
               <a:spcBef>
                 <a:spcPts val="1600"/>
               </a:spcBef>
@@ -3955,7 +3910,7 @@
               <a:buChar char="■"/>
               <a:defRPr sz="1200"/>
             </a:lvl6pPr>
-            <a:lvl7pPr marL="3200400" lvl="6" indent="-304800">
+            <a:lvl7pPr indent="-304800" lvl="6" marL="3200400">
               <a:spcBef>
                 <a:spcPts val="1600"/>
               </a:spcBef>
@@ -3966,7 +3921,7 @@
               <a:buChar char="●"/>
               <a:defRPr sz="1200"/>
             </a:lvl7pPr>
-            <a:lvl8pPr marL="3657600" lvl="7" indent="-304800">
+            <a:lvl8pPr indent="-304800" lvl="7" marL="3657600">
               <a:spcBef>
                 <a:spcPts val="1600"/>
               </a:spcBef>
@@ -3977,7 +3932,7 @@
               <a:buChar char="○"/>
               <a:defRPr sz="1200"/>
             </a:lvl8pPr>
-            <a:lvl9pPr marL="4114800" lvl="8" indent="-304800">
+            <a:lvl9pPr indent="-304800" lvl="8" marL="4114800">
               <a:spcBef>
                 <a:spcPts val="1600"/>
               </a:spcBef>
@@ -3989,19 +3944,15 @@
               <a:defRPr sz="1200"/>
             </a:lvl9pPr>
           </a:lstStyle>
-          <a:p>
-            <a:endParaRPr/>
-          </a:p>
+          <a:p/>
         </p:txBody>
       </p:sp>
       <p:sp>
         <p:nvSpPr>
           <p:cNvPr id="23" name="Shape 23"/>
-          <p:cNvSpPr txBox="1">
-            <a:spLocks noGrp="1"/>
-          </p:cNvSpPr>
+          <p:cNvSpPr txBox="1"/>
           <p:nvPr>
-            <p:ph type="body" idx="2"/>
+            <p:ph idx="2" type="body"/>
           </p:nvPr>
         </p:nvSpPr>
         <p:spPr>
@@ -4014,9 +3965,9 @@
           </a:prstGeom>
         </p:spPr>
         <p:txBody>
-          <a:bodyPr spcFirstLastPara="1" wrap="square" lIns="91425" tIns="91425" rIns="91425" bIns="91425" anchor="t" anchorCtr="0"/>
+          <a:bodyPr anchorCtr="0" anchor="t" bIns="91425" lIns="91425" spcFirstLastPara="1" rIns="91425" wrap="square" tIns="91425"/>
           <a:lstStyle>
-            <a:lvl1pPr marL="457200" lvl="0" indent="-317500">
+            <a:lvl1pPr indent="-317500" lvl="0" marL="457200">
               <a:spcBef>
                 <a:spcPts val="0"/>
               </a:spcBef>
@@ -4027,7 +3978,7 @@
               <a:buChar char="●"/>
               <a:defRPr sz="1400"/>
             </a:lvl1pPr>
-            <a:lvl2pPr marL="914400" lvl="1" indent="-304800">
+            <a:lvl2pPr indent="-304800" lvl="1" marL="914400">
               <a:spcBef>
                 <a:spcPts val="1600"/>
               </a:spcBef>
@@ -4038,7 +3989,7 @@
               <a:buChar char="○"/>
               <a:defRPr sz="1200"/>
             </a:lvl2pPr>
-            <a:lvl3pPr marL="1371600" lvl="2" indent="-304800">
+            <a:lvl3pPr indent="-304800" lvl="2" marL="1371600">
               <a:spcBef>
                 <a:spcPts val="1600"/>
               </a:spcBef>
@@ -4049,7 +4000,7 @@
               <a:buChar char="■"/>
               <a:defRPr sz="1200"/>
             </a:lvl3pPr>
-            <a:lvl4pPr marL="1828800" lvl="3" indent="-304800">
+            <a:lvl4pPr indent="-304800" lvl="3" marL="1828800">
               <a:spcBef>
                 <a:spcPts val="1600"/>
               </a:spcBef>
@@ -4060,7 +4011,7 @@
               <a:buChar char="●"/>
               <a:defRPr sz="1200"/>
             </a:lvl4pPr>
-            <a:lvl5pPr marL="2286000" lvl="4" indent="-304800">
+            <a:lvl5pPr indent="-304800" lvl="4" marL="2286000">
               <a:spcBef>
                 <a:spcPts val="1600"/>
               </a:spcBef>
@@ -4071,7 +4022,7 @@
               <a:buChar char="○"/>
               <a:defRPr sz="1200"/>
             </a:lvl5pPr>
-            <a:lvl6pPr marL="2743200" lvl="5" indent="-304800">
+            <a:lvl6pPr indent="-304800" lvl="5" marL="2743200">
               <a:spcBef>
                 <a:spcPts val="1600"/>
               </a:spcBef>
@@ -4082,7 +4033,7 @@
               <a:buChar char="■"/>
               <a:defRPr sz="1200"/>
             </a:lvl6pPr>
-            <a:lvl7pPr marL="3200400" lvl="6" indent="-304800">
+            <a:lvl7pPr indent="-304800" lvl="6" marL="3200400">
               <a:spcBef>
                 <a:spcPts val="1600"/>
               </a:spcBef>
@@ -4093,7 +4044,7 @@
               <a:buChar char="●"/>
               <a:defRPr sz="1200"/>
             </a:lvl7pPr>
-            <a:lvl8pPr marL="3657600" lvl="7" indent="-304800">
+            <a:lvl8pPr indent="-304800" lvl="7" marL="3657600">
               <a:spcBef>
                 <a:spcPts val="1600"/>
               </a:spcBef>
@@ -4104,7 +4055,7 @@
               <a:buChar char="○"/>
               <a:defRPr sz="1200"/>
             </a:lvl8pPr>
-            <a:lvl9pPr marL="4114800" lvl="8" indent="-304800">
+            <a:lvl9pPr indent="-304800" lvl="8" marL="4114800">
               <a:spcBef>
                 <a:spcPts val="1600"/>
               </a:spcBef>
@@ -4116,19 +4067,15 @@
               <a:defRPr sz="1200"/>
             </a:lvl9pPr>
           </a:lstStyle>
-          <a:p>
-            <a:endParaRPr/>
-          </a:p>
+          <a:p/>
         </p:txBody>
       </p:sp>
       <p:sp>
         <p:nvSpPr>
           <p:cNvPr id="24" name="Shape 24"/>
-          <p:cNvSpPr txBox="1">
-            <a:spLocks noGrp="1"/>
-          </p:cNvSpPr>
+          <p:cNvSpPr txBox="1"/>
           <p:nvPr>
-            <p:ph type="sldNum" idx="12"/>
+            <p:ph idx="12" type="sldNum"/>
           </p:nvPr>
         </p:nvSpPr>
         <p:spPr>
@@ -4141,7 +4088,7 @@
           </a:prstGeom>
         </p:spPr>
         <p:txBody>
-          <a:bodyPr spcFirstLastPara="1" wrap="square" lIns="91425" tIns="91425" rIns="91425" bIns="91425" anchor="ctr" anchorCtr="0">
+          <a:bodyPr anchorCtr="0" anchor="ctr" bIns="91425" lIns="91425" spcFirstLastPara="1" rIns="91425" wrap="square" tIns="91425">
             <a:noAutofit/>
           </a:bodyPr>
           <a:lstStyle>
@@ -4210,7 +4157,7 @@
             </a:lvl9pPr>
           </a:lstStyle>
           <a:p>
-            <a:pPr marL="0" lvl="0" indent="0">
+            <a:pPr indent="0" lvl="0" marL="0">
               <a:spcBef>
                 <a:spcPts val="0"/>
               </a:spcBef>
@@ -4236,11 +4183,11 @@
 </file>
 
 <file path=ppt/slideLayouts/slideLayout5.xml><?xml version="1.0" encoding="utf-8"?>
-<p:sldLayout xmlns:a="http://schemas.openxmlformats.org/drawingml/2006/main" xmlns:r="http://schemas.openxmlformats.org/officeDocument/2006/relationships" xmlns:p="http://schemas.openxmlformats.org/presentationml/2006/main" matchingName="Title only" type="titleOnly">
+<p:sldLayout xmlns:a="http://schemas.openxmlformats.org/drawingml/2006/main" xmlns:r="http://schemas.openxmlformats.org/officeDocument/2006/relationships" xmlns:mc="http://schemas.openxmlformats.org/markup-compatibility/2006" xmlns:mv="urn:schemas-microsoft-com:mac:vml" xmlns:p="http://schemas.openxmlformats.org/presentationml/2006/main" xmlns:c="http://schemas.openxmlformats.org/drawingml/2006/chart" xmlns:dgm="http://schemas.openxmlformats.org/drawingml/2006/diagram" xmlns:o="urn:schemas-microsoft-com:office:office" xmlns:v="urn:schemas-microsoft-com:vml" xmlns:pvml="urn:schemas-microsoft-com:office:powerpoint" xmlns:com="http://schemas.openxmlformats.org/drawingml/2006/compatibility" xmlns:p14="http://schemas.microsoft.com/office/powerpoint/2010/main" xmlns:p15="http://schemas.microsoft.com/office/powerpoint/2012/main" matchingName="Title only" type="titleOnly">
   <p:cSld name="TITLE_ONLY">
     <p:spTree>
       <p:nvGrpSpPr>
-        <p:cNvPr id="1" name="Shape 25"/>
+        <p:cNvPr id="25" name="Shape 25"/>
         <p:cNvGrpSpPr/>
         <p:nvPr/>
       </p:nvGrpSpPr>
@@ -4255,9 +4202,7 @@
       <p:sp>
         <p:nvSpPr>
           <p:cNvPr id="26" name="Shape 26"/>
-          <p:cNvSpPr txBox="1">
-            <a:spLocks noGrp="1"/>
-          </p:cNvSpPr>
+          <p:cNvSpPr txBox="1"/>
           <p:nvPr>
             <p:ph type="title"/>
           </p:nvPr>
@@ -4272,7 +4217,7 @@
           </a:prstGeom>
         </p:spPr>
         <p:txBody>
-          <a:bodyPr spcFirstLastPara="1" wrap="square" lIns="91425" tIns="91425" rIns="91425" bIns="91425" anchor="t" anchorCtr="0"/>
+          <a:bodyPr anchorCtr="0" anchor="t" bIns="91425" lIns="91425" spcFirstLastPara="1" rIns="91425" wrap="square" tIns="91425"/>
           <a:lstStyle>
             <a:lvl1pPr lvl="0">
               <a:spcBef>
@@ -4374,19 +4319,15 @@
               <a:defRPr/>
             </a:lvl9pPr>
           </a:lstStyle>
-          <a:p>
-            <a:endParaRPr/>
-          </a:p>
+          <a:p/>
         </p:txBody>
       </p:sp>
       <p:sp>
         <p:nvSpPr>
           <p:cNvPr id="27" name="Shape 27"/>
-          <p:cNvSpPr txBox="1">
-            <a:spLocks noGrp="1"/>
-          </p:cNvSpPr>
+          <p:cNvSpPr txBox="1"/>
           <p:nvPr>
-            <p:ph type="sldNum" idx="12"/>
+            <p:ph idx="12" type="sldNum"/>
           </p:nvPr>
         </p:nvSpPr>
         <p:spPr>
@@ -4399,7 +4340,7 @@
           </a:prstGeom>
         </p:spPr>
         <p:txBody>
-          <a:bodyPr spcFirstLastPara="1" wrap="square" lIns="91425" tIns="91425" rIns="91425" bIns="91425" anchor="ctr" anchorCtr="0">
+          <a:bodyPr anchorCtr="0" anchor="ctr" bIns="91425" lIns="91425" spcFirstLastPara="1" rIns="91425" wrap="square" tIns="91425">
             <a:noAutofit/>
           </a:bodyPr>
           <a:lstStyle>
@@ -4468,7 +4409,7 @@
             </a:lvl9pPr>
           </a:lstStyle>
           <a:p>
-            <a:pPr marL="0" lvl="0" indent="0">
+            <a:pPr indent="0" lvl="0" marL="0">
               <a:spcBef>
                 <a:spcPts val="0"/>
               </a:spcBef>
@@ -4494,11 +4435,11 @@
 </file>
 
 <file path=ppt/slideLayouts/slideLayout6.xml><?xml version="1.0" encoding="utf-8"?>
-<p:sldLayout xmlns:a="http://schemas.openxmlformats.org/drawingml/2006/main" xmlns:r="http://schemas.openxmlformats.org/officeDocument/2006/relationships" xmlns:p="http://schemas.openxmlformats.org/presentationml/2006/main" matchingName="One column text">
+<p:sldLayout xmlns:a="http://schemas.openxmlformats.org/drawingml/2006/main" xmlns:r="http://schemas.openxmlformats.org/officeDocument/2006/relationships" xmlns:mc="http://schemas.openxmlformats.org/markup-compatibility/2006" xmlns:mv="urn:schemas-microsoft-com:mac:vml" xmlns:p="http://schemas.openxmlformats.org/presentationml/2006/main" xmlns:c="http://schemas.openxmlformats.org/drawingml/2006/chart" xmlns:dgm="http://schemas.openxmlformats.org/drawingml/2006/diagram" xmlns:o="urn:schemas-microsoft-com:office:office" xmlns:v="urn:schemas-microsoft-com:vml" xmlns:pvml="urn:schemas-microsoft-com:office:powerpoint" xmlns:com="http://schemas.openxmlformats.org/drawingml/2006/compatibility" xmlns:p14="http://schemas.microsoft.com/office/powerpoint/2010/main" xmlns:p15="http://schemas.microsoft.com/office/powerpoint/2012/main" matchingName="One column text">
   <p:cSld name="ONE_COLUMN_TEXT">
     <p:spTree>
       <p:nvGrpSpPr>
-        <p:cNvPr id="1" name="Shape 28"/>
+        <p:cNvPr id="28" name="Shape 28"/>
         <p:cNvGrpSpPr/>
         <p:nvPr/>
       </p:nvGrpSpPr>
@@ -4513,9 +4454,7 @@
       <p:sp>
         <p:nvSpPr>
           <p:cNvPr id="29" name="Shape 29"/>
-          <p:cNvSpPr txBox="1">
-            <a:spLocks noGrp="1"/>
-          </p:cNvSpPr>
+          <p:cNvSpPr txBox="1"/>
           <p:nvPr>
             <p:ph type="title"/>
           </p:nvPr>
@@ -4530,7 +4469,7 @@
           </a:prstGeom>
         </p:spPr>
         <p:txBody>
-          <a:bodyPr spcFirstLastPara="1" wrap="square" lIns="91425" tIns="91425" rIns="91425" bIns="91425" anchor="b" anchorCtr="0"/>
+          <a:bodyPr anchorCtr="0" anchor="b" bIns="91425" lIns="91425" spcFirstLastPara="1" rIns="91425" wrap="square" tIns="91425"/>
           <a:lstStyle>
             <a:lvl1pPr lvl="0">
               <a:spcBef>
@@ -4632,19 +4571,15 @@
               <a:defRPr sz="2400"/>
             </a:lvl9pPr>
           </a:lstStyle>
-          <a:p>
-            <a:endParaRPr/>
-          </a:p>
+          <a:p/>
         </p:txBody>
       </p:sp>
       <p:sp>
         <p:nvSpPr>
           <p:cNvPr id="30" name="Shape 30"/>
-          <p:cNvSpPr txBox="1">
-            <a:spLocks noGrp="1"/>
-          </p:cNvSpPr>
+          <p:cNvSpPr txBox="1"/>
           <p:nvPr>
-            <p:ph type="body" idx="1"/>
+            <p:ph idx="1" type="body"/>
           </p:nvPr>
         </p:nvSpPr>
         <p:spPr>
@@ -4657,9 +4592,9 @@
           </a:prstGeom>
         </p:spPr>
         <p:txBody>
-          <a:bodyPr spcFirstLastPara="1" wrap="square" lIns="91425" tIns="91425" rIns="91425" bIns="91425" anchor="t" anchorCtr="0"/>
+          <a:bodyPr anchorCtr="0" anchor="t" bIns="91425" lIns="91425" spcFirstLastPara="1" rIns="91425" wrap="square" tIns="91425"/>
           <a:lstStyle>
-            <a:lvl1pPr marL="457200" lvl="0" indent="-304800">
+            <a:lvl1pPr indent="-304800" lvl="0" marL="457200">
               <a:spcBef>
                 <a:spcPts val="0"/>
               </a:spcBef>
@@ -4670,7 +4605,7 @@
               <a:buChar char="●"/>
               <a:defRPr sz="1200"/>
             </a:lvl1pPr>
-            <a:lvl2pPr marL="914400" lvl="1" indent="-304800">
+            <a:lvl2pPr indent="-304800" lvl="1" marL="914400">
               <a:spcBef>
                 <a:spcPts val="1600"/>
               </a:spcBef>
@@ -4681,7 +4616,7 @@
               <a:buChar char="○"/>
               <a:defRPr sz="1200"/>
             </a:lvl2pPr>
-            <a:lvl3pPr marL="1371600" lvl="2" indent="-304800">
+            <a:lvl3pPr indent="-304800" lvl="2" marL="1371600">
               <a:spcBef>
                 <a:spcPts val="1600"/>
               </a:spcBef>
@@ -4692,7 +4627,7 @@
               <a:buChar char="■"/>
               <a:defRPr sz="1200"/>
             </a:lvl3pPr>
-            <a:lvl4pPr marL="1828800" lvl="3" indent="-304800">
+            <a:lvl4pPr indent="-304800" lvl="3" marL="1828800">
               <a:spcBef>
                 <a:spcPts val="1600"/>
               </a:spcBef>
@@ -4703,7 +4638,7 @@
               <a:buChar char="●"/>
               <a:defRPr sz="1200"/>
             </a:lvl4pPr>
-            <a:lvl5pPr marL="2286000" lvl="4" indent="-304800">
+            <a:lvl5pPr indent="-304800" lvl="4" marL="2286000">
               <a:spcBef>
                 <a:spcPts val="1600"/>
               </a:spcBef>
@@ -4714,7 +4649,7 @@
               <a:buChar char="○"/>
               <a:defRPr sz="1200"/>
             </a:lvl5pPr>
-            <a:lvl6pPr marL="2743200" lvl="5" indent="-304800">
+            <a:lvl6pPr indent="-304800" lvl="5" marL="2743200">
               <a:spcBef>
                 <a:spcPts val="1600"/>
               </a:spcBef>
@@ -4725,7 +4660,7 @@
               <a:buChar char="■"/>
               <a:defRPr sz="1200"/>
             </a:lvl6pPr>
-            <a:lvl7pPr marL="3200400" lvl="6" indent="-304800">
+            <a:lvl7pPr indent="-304800" lvl="6" marL="3200400">
               <a:spcBef>
                 <a:spcPts val="1600"/>
               </a:spcBef>
@@ -4736,7 +4671,7 @@
               <a:buChar char="●"/>
               <a:defRPr sz="1200"/>
             </a:lvl7pPr>
-            <a:lvl8pPr marL="3657600" lvl="7" indent="-304800">
+            <a:lvl8pPr indent="-304800" lvl="7" marL="3657600">
               <a:spcBef>
                 <a:spcPts val="1600"/>
               </a:spcBef>
@@ -4747,7 +4682,7 @@
               <a:buChar char="○"/>
               <a:defRPr sz="1200"/>
             </a:lvl8pPr>
-            <a:lvl9pPr marL="4114800" lvl="8" indent="-304800">
+            <a:lvl9pPr indent="-304800" lvl="8" marL="4114800">
               <a:spcBef>
                 <a:spcPts val="1600"/>
               </a:spcBef>
@@ -4759,19 +4694,15 @@
               <a:defRPr sz="1200"/>
             </a:lvl9pPr>
           </a:lstStyle>
-          <a:p>
-            <a:endParaRPr/>
-          </a:p>
+          <a:p/>
         </p:txBody>
       </p:sp>
       <p:sp>
         <p:nvSpPr>
           <p:cNvPr id="31" name="Shape 31"/>
-          <p:cNvSpPr txBox="1">
-            <a:spLocks noGrp="1"/>
-          </p:cNvSpPr>
+          <p:cNvSpPr txBox="1"/>
           <p:nvPr>
-            <p:ph type="sldNum" idx="12"/>
+            <p:ph idx="12" type="sldNum"/>
           </p:nvPr>
         </p:nvSpPr>
         <p:spPr>
@@ -4784,7 +4715,7 @@
           </a:prstGeom>
         </p:spPr>
         <p:txBody>
-          <a:bodyPr spcFirstLastPara="1" wrap="square" lIns="91425" tIns="91425" rIns="91425" bIns="91425" anchor="ctr" anchorCtr="0">
+          <a:bodyPr anchorCtr="0" anchor="ctr" bIns="91425" lIns="91425" spcFirstLastPara="1" rIns="91425" wrap="square" tIns="91425">
             <a:noAutofit/>
           </a:bodyPr>
           <a:lstStyle>
@@ -4853,7 +4784,7 @@
             </a:lvl9pPr>
           </a:lstStyle>
           <a:p>
-            <a:pPr marL="0" lvl="0" indent="0">
+            <a:pPr indent="0" lvl="0" marL="0">
               <a:spcBef>
                 <a:spcPts val="0"/>
               </a:spcBef>
@@ -4879,11 +4810,11 @@
 </file>
 
 <file path=ppt/slideLayouts/slideLayout7.xml><?xml version="1.0" encoding="utf-8"?>
-<p:sldLayout xmlns:a="http://schemas.openxmlformats.org/drawingml/2006/main" xmlns:r="http://schemas.openxmlformats.org/officeDocument/2006/relationships" xmlns:p="http://schemas.openxmlformats.org/presentationml/2006/main" matchingName="Main point">
+<p:sldLayout xmlns:a="http://schemas.openxmlformats.org/drawingml/2006/main" xmlns:r="http://schemas.openxmlformats.org/officeDocument/2006/relationships" xmlns:mc="http://schemas.openxmlformats.org/markup-compatibility/2006" xmlns:mv="urn:schemas-microsoft-com:mac:vml" xmlns:p="http://schemas.openxmlformats.org/presentationml/2006/main" xmlns:c="http://schemas.openxmlformats.org/drawingml/2006/chart" xmlns:dgm="http://schemas.openxmlformats.org/drawingml/2006/diagram" xmlns:o="urn:schemas-microsoft-com:office:office" xmlns:v="urn:schemas-microsoft-com:vml" xmlns:pvml="urn:schemas-microsoft-com:office:powerpoint" xmlns:com="http://schemas.openxmlformats.org/drawingml/2006/compatibility" xmlns:p14="http://schemas.microsoft.com/office/powerpoint/2010/main" xmlns:p15="http://schemas.microsoft.com/office/powerpoint/2012/main" matchingName="Main point">
   <p:cSld name="MAIN_POINT">
     <p:spTree>
       <p:nvGrpSpPr>
-        <p:cNvPr id="1" name="Shape 32"/>
+        <p:cNvPr id="32" name="Shape 32"/>
         <p:cNvGrpSpPr/>
         <p:nvPr/>
       </p:nvGrpSpPr>
@@ -4898,9 +4829,7 @@
       <p:sp>
         <p:nvSpPr>
           <p:cNvPr id="33" name="Shape 33"/>
-          <p:cNvSpPr txBox="1">
-            <a:spLocks noGrp="1"/>
-          </p:cNvSpPr>
+          <p:cNvSpPr txBox="1"/>
           <p:nvPr>
             <p:ph type="title"/>
           </p:nvPr>
@@ -4915,7 +4844,7 @@
           </a:prstGeom>
         </p:spPr>
         <p:txBody>
-          <a:bodyPr spcFirstLastPara="1" wrap="square" lIns="91425" tIns="91425" rIns="91425" bIns="91425" anchor="ctr" anchorCtr="0"/>
+          <a:bodyPr anchorCtr="0" anchor="ctr" bIns="91425" lIns="91425" spcFirstLastPara="1" rIns="91425" wrap="square" tIns="91425"/>
           <a:lstStyle>
             <a:lvl1pPr lvl="0">
               <a:spcBef>
@@ -5017,19 +4946,15 @@
               <a:defRPr sz="4800"/>
             </a:lvl9pPr>
           </a:lstStyle>
-          <a:p>
-            <a:endParaRPr/>
-          </a:p>
+          <a:p/>
         </p:txBody>
       </p:sp>
       <p:sp>
         <p:nvSpPr>
           <p:cNvPr id="34" name="Shape 34"/>
-          <p:cNvSpPr txBox="1">
-            <a:spLocks noGrp="1"/>
-          </p:cNvSpPr>
+          <p:cNvSpPr txBox="1"/>
           <p:nvPr>
-            <p:ph type="sldNum" idx="12"/>
+            <p:ph idx="12" type="sldNum"/>
           </p:nvPr>
         </p:nvSpPr>
         <p:spPr>
@@ -5042,7 +4967,7 @@
           </a:prstGeom>
         </p:spPr>
         <p:txBody>
-          <a:bodyPr spcFirstLastPara="1" wrap="square" lIns="91425" tIns="91425" rIns="91425" bIns="91425" anchor="ctr" anchorCtr="0">
+          <a:bodyPr anchorCtr="0" anchor="ctr" bIns="91425" lIns="91425" spcFirstLastPara="1" rIns="91425" wrap="square" tIns="91425">
             <a:noAutofit/>
           </a:bodyPr>
           <a:lstStyle>
@@ -5111,7 +5036,7 @@
             </a:lvl9pPr>
           </a:lstStyle>
           <a:p>
-            <a:pPr marL="0" lvl="0" indent="0">
+            <a:pPr indent="0" lvl="0" marL="0">
               <a:spcBef>
                 <a:spcPts val="0"/>
               </a:spcBef>
@@ -5137,11 +5062,11 @@
 </file>
 
 <file path=ppt/slideLayouts/slideLayout8.xml><?xml version="1.0" encoding="utf-8"?>
-<p:sldLayout xmlns:a="http://schemas.openxmlformats.org/drawingml/2006/main" xmlns:r="http://schemas.openxmlformats.org/officeDocument/2006/relationships" xmlns:p="http://schemas.openxmlformats.org/presentationml/2006/main" matchingName="Section title and description">
+<p:sldLayout xmlns:a="http://schemas.openxmlformats.org/drawingml/2006/main" xmlns:r="http://schemas.openxmlformats.org/officeDocument/2006/relationships" xmlns:mc="http://schemas.openxmlformats.org/markup-compatibility/2006" xmlns:mv="urn:schemas-microsoft-com:mac:vml" xmlns:p="http://schemas.openxmlformats.org/presentationml/2006/main" xmlns:c="http://schemas.openxmlformats.org/drawingml/2006/chart" xmlns:dgm="http://schemas.openxmlformats.org/drawingml/2006/diagram" xmlns:o="urn:schemas-microsoft-com:office:office" xmlns:v="urn:schemas-microsoft-com:vml" xmlns:pvml="urn:schemas-microsoft-com:office:powerpoint" xmlns:com="http://schemas.openxmlformats.org/drawingml/2006/compatibility" xmlns:p14="http://schemas.microsoft.com/office/powerpoint/2010/main" xmlns:p15="http://schemas.microsoft.com/office/powerpoint/2012/main" matchingName="Section title and description">
   <p:cSld name="SECTION_TITLE_AND_DESCRIPTION">
     <p:spTree>
       <p:nvGrpSpPr>
-        <p:cNvPr id="1" name="Shape 35"/>
+        <p:cNvPr id="35" name="Shape 35"/>
         <p:cNvGrpSpPr/>
         <p:nvPr/>
       </p:nvGrpSpPr>
@@ -5175,20 +5100,23 @@
           </a:ln>
         </p:spPr>
         <p:txBody>
-          <a:bodyPr spcFirstLastPara="1" wrap="square" lIns="91425" tIns="91425" rIns="91425" bIns="91425" anchor="ctr" anchorCtr="0">
+          <a:bodyPr anchorCtr="0" anchor="ctr" bIns="91425" lIns="91425" spcFirstLastPara="1" rIns="91425" wrap="square" tIns="91425">
             <a:noAutofit/>
           </a:bodyPr>
           <a:lstStyle/>
           <a:p>
-            <a:pPr marL="0" lvl="0" indent="0">
-              <a:spcBef>
-                <a:spcPts val="0"/>
-              </a:spcBef>
-              <a:spcAft>
-                <a:spcPts val="0"/>
-              </a:spcAft>
-              <a:buNone/>
-            </a:pPr>
+            <a:pPr indent="0" lvl="0" marL="0">
+              <a:spcBef>
+                <a:spcPts val="0"/>
+              </a:spcBef>
+              <a:spcAft>
+                <a:spcPts val="0"/>
+              </a:spcAft>
+              <a:buNone/>
+            </a:pPr>
+            <a:r>
+              <a:t/>
+            </a:r>
             <a:endParaRPr/>
           </a:p>
         </p:txBody>
@@ -5196,9 +5124,7 @@
       <p:sp>
         <p:nvSpPr>
           <p:cNvPr id="37" name="Shape 37"/>
-          <p:cNvSpPr txBox="1">
-            <a:spLocks noGrp="1"/>
-          </p:cNvSpPr>
+          <p:cNvSpPr txBox="1"/>
           <p:nvPr>
             <p:ph type="title"/>
           </p:nvPr>
@@ -5213,7 +5139,7 @@
           </a:prstGeom>
         </p:spPr>
         <p:txBody>
-          <a:bodyPr spcFirstLastPara="1" wrap="square" lIns="91425" tIns="91425" rIns="91425" bIns="91425" anchor="b" anchorCtr="0"/>
+          <a:bodyPr anchorCtr="0" anchor="b" bIns="91425" lIns="91425" spcFirstLastPara="1" rIns="91425" wrap="square" tIns="91425"/>
           <a:lstStyle>
             <a:lvl1pPr lvl="0" algn="ctr">
               <a:spcBef>
@@ -5315,19 +5241,15 @@
               <a:defRPr sz="4200"/>
             </a:lvl9pPr>
           </a:lstStyle>
-          <a:p>
-            <a:endParaRPr/>
-          </a:p>
+          <a:p/>
         </p:txBody>
       </p:sp>
       <p:sp>
         <p:nvSpPr>
           <p:cNvPr id="38" name="Shape 38"/>
-          <p:cNvSpPr txBox="1">
-            <a:spLocks noGrp="1"/>
-          </p:cNvSpPr>
+          <p:cNvSpPr txBox="1"/>
           <p:nvPr>
-            <p:ph type="subTitle" idx="1"/>
+            <p:ph idx="1" type="subTitle"/>
           </p:nvPr>
         </p:nvSpPr>
         <p:spPr>
@@ -5340,7 +5262,7 @@
           </a:prstGeom>
         </p:spPr>
         <p:txBody>
-          <a:bodyPr spcFirstLastPara="1" wrap="square" lIns="91425" tIns="91425" rIns="91425" bIns="91425" anchor="t" anchorCtr="0"/>
+          <a:bodyPr anchorCtr="0" anchor="t" bIns="91425" lIns="91425" spcFirstLastPara="1" rIns="91425" wrap="square" tIns="91425"/>
           <a:lstStyle>
             <a:lvl1pPr lvl="0" algn="ctr">
               <a:lnSpc>
@@ -5469,19 +5391,15 @@
               <a:defRPr sz="2100"/>
             </a:lvl9pPr>
           </a:lstStyle>
-          <a:p>
-            <a:endParaRPr/>
-          </a:p>
+          <a:p/>
         </p:txBody>
       </p:sp>
       <p:sp>
         <p:nvSpPr>
           <p:cNvPr id="39" name="Shape 39"/>
-          <p:cNvSpPr txBox="1">
-            <a:spLocks noGrp="1"/>
-          </p:cNvSpPr>
+          <p:cNvSpPr txBox="1"/>
           <p:nvPr>
-            <p:ph type="body" idx="2"/>
+            <p:ph idx="2" type="body"/>
           </p:nvPr>
         </p:nvSpPr>
         <p:spPr>
@@ -5494,9 +5412,9 @@
           </a:prstGeom>
         </p:spPr>
         <p:txBody>
-          <a:bodyPr spcFirstLastPara="1" wrap="square" lIns="91425" tIns="91425" rIns="91425" bIns="91425" anchor="ctr" anchorCtr="0"/>
+          <a:bodyPr anchorCtr="0" anchor="ctr" bIns="91425" lIns="91425" spcFirstLastPara="1" rIns="91425" wrap="square" tIns="91425"/>
           <a:lstStyle>
-            <a:lvl1pPr marL="457200" lvl="0" indent="-342900">
+            <a:lvl1pPr indent="-342900" lvl="0" marL="457200">
               <a:spcBef>
                 <a:spcPts val="0"/>
               </a:spcBef>
@@ -5507,7 +5425,7 @@
               <a:buChar char="●"/>
               <a:defRPr/>
             </a:lvl1pPr>
-            <a:lvl2pPr marL="914400" lvl="1" indent="-317500">
+            <a:lvl2pPr indent="-317500" lvl="1" marL="914400">
               <a:spcBef>
                 <a:spcPts val="1600"/>
               </a:spcBef>
@@ -5518,7 +5436,7 @@
               <a:buChar char="○"/>
               <a:defRPr/>
             </a:lvl2pPr>
-            <a:lvl3pPr marL="1371600" lvl="2" indent="-317500">
+            <a:lvl3pPr indent="-317500" lvl="2" marL="1371600">
               <a:spcBef>
                 <a:spcPts val="1600"/>
               </a:spcBef>
@@ -5529,7 +5447,7 @@
               <a:buChar char="■"/>
               <a:defRPr/>
             </a:lvl3pPr>
-            <a:lvl4pPr marL="1828800" lvl="3" indent="-317500">
+            <a:lvl4pPr indent="-317500" lvl="3" marL="1828800">
               <a:spcBef>
                 <a:spcPts val="1600"/>
               </a:spcBef>
@@ -5540,7 +5458,7 @@
               <a:buChar char="●"/>
               <a:defRPr/>
             </a:lvl4pPr>
-            <a:lvl5pPr marL="2286000" lvl="4" indent="-317500">
+            <a:lvl5pPr indent="-317500" lvl="4" marL="2286000">
               <a:spcBef>
                 <a:spcPts val="1600"/>
               </a:spcBef>
@@ -5551,7 +5469,7 @@
               <a:buChar char="○"/>
               <a:defRPr/>
             </a:lvl5pPr>
-            <a:lvl6pPr marL="2743200" lvl="5" indent="-317500">
+            <a:lvl6pPr indent="-317500" lvl="5" marL="2743200">
               <a:spcBef>
                 <a:spcPts val="1600"/>
               </a:spcBef>
@@ -5562,7 +5480,7 @@
               <a:buChar char="■"/>
               <a:defRPr/>
             </a:lvl6pPr>
-            <a:lvl7pPr marL="3200400" lvl="6" indent="-317500">
+            <a:lvl7pPr indent="-317500" lvl="6" marL="3200400">
               <a:spcBef>
                 <a:spcPts val="1600"/>
               </a:spcBef>
@@ -5573,7 +5491,7 @@
               <a:buChar char="●"/>
               <a:defRPr/>
             </a:lvl7pPr>
-            <a:lvl8pPr marL="3657600" lvl="7" indent="-317500">
+            <a:lvl8pPr indent="-317500" lvl="7" marL="3657600">
               <a:spcBef>
                 <a:spcPts val="1600"/>
               </a:spcBef>
@@ -5584,7 +5502,7 @@
               <a:buChar char="○"/>
               <a:defRPr/>
             </a:lvl8pPr>
-            <a:lvl9pPr marL="4114800" lvl="8" indent="-317500">
+            <a:lvl9pPr indent="-317500" lvl="8" marL="4114800">
               <a:spcBef>
                 <a:spcPts val="1600"/>
               </a:spcBef>
@@ -5596,19 +5514,15 @@
               <a:defRPr/>
             </a:lvl9pPr>
           </a:lstStyle>
-          <a:p>
-            <a:endParaRPr/>
-          </a:p>
+          <a:p/>
         </p:txBody>
       </p:sp>
       <p:sp>
         <p:nvSpPr>
           <p:cNvPr id="40" name="Shape 40"/>
-          <p:cNvSpPr txBox="1">
-            <a:spLocks noGrp="1"/>
-          </p:cNvSpPr>
+          <p:cNvSpPr txBox="1"/>
           <p:nvPr>
-            <p:ph type="sldNum" idx="12"/>
+            <p:ph idx="12" type="sldNum"/>
           </p:nvPr>
         </p:nvSpPr>
         <p:spPr>
@@ -5621,7 +5535,7 @@
           </a:prstGeom>
         </p:spPr>
         <p:txBody>
-          <a:bodyPr spcFirstLastPara="1" wrap="square" lIns="91425" tIns="91425" rIns="91425" bIns="91425" anchor="ctr" anchorCtr="0">
+          <a:bodyPr anchorCtr="0" anchor="ctr" bIns="91425" lIns="91425" spcFirstLastPara="1" rIns="91425" wrap="square" tIns="91425">
             <a:noAutofit/>
           </a:bodyPr>
           <a:lstStyle>
@@ -5690,7 +5604,7 @@
             </a:lvl9pPr>
           </a:lstStyle>
           <a:p>
-            <a:pPr marL="0" lvl="0" indent="0">
+            <a:pPr indent="0" lvl="0" marL="0">
               <a:spcBef>
                 <a:spcPts val="0"/>
               </a:spcBef>
@@ -5716,11 +5630,11 @@
 </file>
 
 <file path=ppt/slideLayouts/slideLayout9.xml><?xml version="1.0" encoding="utf-8"?>
-<p:sldLayout xmlns:a="http://schemas.openxmlformats.org/drawingml/2006/main" xmlns:r="http://schemas.openxmlformats.org/officeDocument/2006/relationships" xmlns:p="http://schemas.openxmlformats.org/presentationml/2006/main" matchingName="Caption">
+<p:sldLayout xmlns:a="http://schemas.openxmlformats.org/drawingml/2006/main" xmlns:r="http://schemas.openxmlformats.org/officeDocument/2006/relationships" xmlns:mc="http://schemas.openxmlformats.org/markup-compatibility/2006" xmlns:mv="urn:schemas-microsoft-com:mac:vml" xmlns:p="http://schemas.openxmlformats.org/presentationml/2006/main" xmlns:c="http://schemas.openxmlformats.org/drawingml/2006/chart" xmlns:dgm="http://schemas.openxmlformats.org/drawingml/2006/diagram" xmlns:o="urn:schemas-microsoft-com:office:office" xmlns:v="urn:schemas-microsoft-com:vml" xmlns:pvml="urn:schemas-microsoft-com:office:powerpoint" xmlns:com="http://schemas.openxmlformats.org/drawingml/2006/compatibility" xmlns:p14="http://schemas.microsoft.com/office/powerpoint/2010/main" xmlns:p15="http://schemas.microsoft.com/office/powerpoint/2012/main" matchingName="Caption">
   <p:cSld name="CAPTION_ONLY">
     <p:spTree>
       <p:nvGrpSpPr>
-        <p:cNvPr id="1" name="Shape 41"/>
+        <p:cNvPr id="41" name="Shape 41"/>
         <p:cNvGrpSpPr/>
         <p:nvPr/>
       </p:nvGrpSpPr>
@@ -5735,11 +5649,9 @@
       <p:sp>
         <p:nvSpPr>
           <p:cNvPr id="42" name="Shape 42"/>
-          <p:cNvSpPr txBox="1">
-            <a:spLocks noGrp="1"/>
-          </p:cNvSpPr>
+          <p:cNvSpPr txBox="1"/>
           <p:nvPr>
-            <p:ph type="body" idx="1"/>
+            <p:ph idx="1" type="body"/>
           </p:nvPr>
         </p:nvSpPr>
         <p:spPr>
@@ -5752,9 +5664,9 @@
           </a:prstGeom>
         </p:spPr>
         <p:txBody>
-          <a:bodyPr spcFirstLastPara="1" wrap="square" lIns="91425" tIns="91425" rIns="91425" bIns="91425" anchor="ctr" anchorCtr="0"/>
+          <a:bodyPr anchorCtr="0" anchor="ctr" bIns="91425" lIns="91425" spcFirstLastPara="1" rIns="91425" wrap="square" tIns="91425"/>
           <a:lstStyle>
-            <a:lvl1pPr marL="457200" lvl="0" indent="-228600">
+            <a:lvl1pPr indent="-228600" lvl="0" marL="457200">
               <a:lnSpc>
                 <a:spcPct val="100000"/>
               </a:lnSpc>
@@ -5769,19 +5681,15 @@
               <a:defRPr/>
             </a:lvl1pPr>
           </a:lstStyle>
-          <a:p>
-            <a:endParaRPr/>
-          </a:p>
+          <a:p/>
         </p:txBody>
       </p:sp>
       <p:sp>
         <p:nvSpPr>
           <p:cNvPr id="43" name="Shape 43"/>
-          <p:cNvSpPr txBox="1">
-            <a:spLocks noGrp="1"/>
-          </p:cNvSpPr>
+          <p:cNvSpPr txBox="1"/>
           <p:nvPr>
-            <p:ph type="sldNum" idx="12"/>
+            <p:ph idx="12" type="sldNum"/>
           </p:nvPr>
         </p:nvSpPr>
         <p:spPr>
@@ -5794,7 +5702,7 @@
           </a:prstGeom>
         </p:spPr>
         <p:txBody>
-          <a:bodyPr spcFirstLastPara="1" wrap="square" lIns="91425" tIns="91425" rIns="91425" bIns="91425" anchor="ctr" anchorCtr="0">
+          <a:bodyPr anchorCtr="0" anchor="ctr" bIns="91425" lIns="91425" spcFirstLastPara="1" rIns="91425" wrap="square" tIns="91425">
             <a:noAutofit/>
           </a:bodyPr>
           <a:lstStyle>
@@ -5863,7 +5771,7 @@
             </a:lvl9pPr>
           </a:lstStyle>
           <a:p>
-            <a:pPr marL="0" lvl="0" indent="0">
+            <a:pPr indent="0" lvl="0" marL="0">
               <a:spcBef>
                 <a:spcPts val="0"/>
               </a:spcBef>
@@ -5889,19 +5797,18 @@
 </file>
 
 <file path=ppt/slideMasters/slideMaster1.xml><?xml version="1.0" encoding="utf-8"?>
-<p:sldMaster xmlns:a="http://schemas.openxmlformats.org/drawingml/2006/main" xmlns:r="http://schemas.openxmlformats.org/officeDocument/2006/relationships" xmlns:p="http://schemas.openxmlformats.org/presentationml/2006/main">
+<p:sldMaster xmlns:a="http://schemas.openxmlformats.org/drawingml/2006/main" xmlns:r="http://schemas.openxmlformats.org/officeDocument/2006/relationships" xmlns:mc="http://schemas.openxmlformats.org/markup-compatibility/2006" xmlns:mv="urn:schemas-microsoft-com:mac:vml" xmlns:p="http://schemas.openxmlformats.org/presentationml/2006/main" xmlns:c="http://schemas.openxmlformats.org/drawingml/2006/chart" xmlns:dgm="http://schemas.openxmlformats.org/drawingml/2006/diagram" xmlns:o="urn:schemas-microsoft-com:office:office" xmlns:v="urn:schemas-microsoft-com:vml" xmlns:pvml="urn:schemas-microsoft-com:office:powerpoint" xmlns:com="http://schemas.openxmlformats.org/drawingml/2006/compatibility" xmlns:p14="http://schemas.microsoft.com/office/powerpoint/2010/main" xmlns:p15="http://schemas.microsoft.com/office/powerpoint/2012/main">
   <p:cSld name="simple-light-2">
     <p:bg>
       <p:bgPr>
         <a:solidFill>
           <a:schemeClr val="lt1"/>
         </a:solidFill>
-        <a:effectLst/>
       </p:bgPr>
     </p:bg>
     <p:spTree>
       <p:nvGrpSpPr>
-        <p:cNvPr id="1" name="Shape 5"/>
+        <p:cNvPr id="5" name="Shape 5"/>
         <p:cNvGrpSpPr/>
         <p:nvPr/>
       </p:nvGrpSpPr>
@@ -5916,9 +5823,7 @@
       <p:sp>
         <p:nvSpPr>
           <p:cNvPr id="6" name="Shape 6"/>
-          <p:cNvSpPr txBox="1">
-            <a:spLocks noGrp="1"/>
-          </p:cNvSpPr>
+          <p:cNvSpPr txBox="1"/>
           <p:nvPr>
             <p:ph type="title"/>
           </p:nvPr>
@@ -5937,7 +5842,7 @@
           </a:ln>
         </p:spPr>
         <p:txBody>
-          <a:bodyPr spcFirstLastPara="1" wrap="square" lIns="91425" tIns="91425" rIns="91425" bIns="91425" anchor="t" anchorCtr="0"/>
+          <a:bodyPr anchorCtr="0" anchor="t" bIns="91425" lIns="91425" spcFirstLastPara="1" rIns="91425" wrap="square" tIns="91425"/>
           <a:lstStyle>
             <a:lvl1pPr lvl="0">
               <a:spcBef>
@@ -6102,19 +6007,15 @@
               </a:defRPr>
             </a:lvl9pPr>
           </a:lstStyle>
-          <a:p>
-            <a:endParaRPr/>
-          </a:p>
+          <a:p/>
         </p:txBody>
       </p:sp>
       <p:sp>
         <p:nvSpPr>
           <p:cNvPr id="7" name="Shape 7"/>
-          <p:cNvSpPr txBox="1">
-            <a:spLocks noGrp="1"/>
-          </p:cNvSpPr>
+          <p:cNvSpPr txBox="1"/>
           <p:nvPr>
-            <p:ph type="body" idx="1"/>
+            <p:ph idx="1" type="body"/>
           </p:nvPr>
         </p:nvSpPr>
         <p:spPr>
@@ -6131,9 +6032,9 @@
           </a:ln>
         </p:spPr>
         <p:txBody>
-          <a:bodyPr spcFirstLastPara="1" wrap="square" lIns="91425" tIns="91425" rIns="91425" bIns="91425" anchor="t" anchorCtr="0"/>
+          <a:bodyPr anchorCtr="0" anchor="t" bIns="91425" lIns="91425" spcFirstLastPara="1" rIns="91425" wrap="square" tIns="91425"/>
           <a:lstStyle>
-            <a:lvl1pPr marL="457200" lvl="0" indent="-342900">
+            <a:lvl1pPr indent="-342900" lvl="0" marL="457200">
               <a:lnSpc>
                 <a:spcPct val="115000"/>
               </a:lnSpc>
@@ -6154,7 +6055,7 @@
                 </a:solidFill>
               </a:defRPr>
             </a:lvl1pPr>
-            <a:lvl2pPr marL="914400" lvl="1" indent="-317500">
+            <a:lvl2pPr indent="-317500" lvl="1" marL="914400">
               <a:lnSpc>
                 <a:spcPct val="115000"/>
               </a:lnSpc>
@@ -6175,7 +6076,7 @@
                 </a:solidFill>
               </a:defRPr>
             </a:lvl2pPr>
-            <a:lvl3pPr marL="1371600" lvl="2" indent="-317500">
+            <a:lvl3pPr indent="-317500" lvl="2" marL="1371600">
               <a:lnSpc>
                 <a:spcPct val="115000"/>
               </a:lnSpc>
@@ -6196,7 +6097,7 @@
                 </a:solidFill>
               </a:defRPr>
             </a:lvl3pPr>
-            <a:lvl4pPr marL="1828800" lvl="3" indent="-317500">
+            <a:lvl4pPr indent="-317500" lvl="3" marL="1828800">
               <a:lnSpc>
                 <a:spcPct val="115000"/>
               </a:lnSpc>
@@ -6217,7 +6118,7 @@
                 </a:solidFill>
               </a:defRPr>
             </a:lvl4pPr>
-            <a:lvl5pPr marL="2286000" lvl="4" indent="-317500">
+            <a:lvl5pPr indent="-317500" lvl="4" marL="2286000">
               <a:lnSpc>
                 <a:spcPct val="115000"/>
               </a:lnSpc>
@@ -6238,7 +6139,7 @@
                 </a:solidFill>
               </a:defRPr>
             </a:lvl5pPr>
-            <a:lvl6pPr marL="2743200" lvl="5" indent="-317500">
+            <a:lvl6pPr indent="-317500" lvl="5" marL="2743200">
               <a:lnSpc>
                 <a:spcPct val="115000"/>
               </a:lnSpc>
@@ -6259,7 +6160,7 @@
                 </a:solidFill>
               </a:defRPr>
             </a:lvl6pPr>
-            <a:lvl7pPr marL="3200400" lvl="6" indent="-317500">
+            <a:lvl7pPr indent="-317500" lvl="6" marL="3200400">
               <a:lnSpc>
                 <a:spcPct val="115000"/>
               </a:lnSpc>
@@ -6280,7 +6181,7 @@
                 </a:solidFill>
               </a:defRPr>
             </a:lvl7pPr>
-            <a:lvl8pPr marL="3657600" lvl="7" indent="-317500">
+            <a:lvl8pPr indent="-317500" lvl="7" marL="3657600">
               <a:lnSpc>
                 <a:spcPct val="115000"/>
               </a:lnSpc>
@@ -6301,7 +6202,7 @@
                 </a:solidFill>
               </a:defRPr>
             </a:lvl8pPr>
-            <a:lvl9pPr marL="4114800" lvl="8" indent="-317500">
+            <a:lvl9pPr indent="-317500" lvl="8" marL="4114800">
               <a:lnSpc>
                 <a:spcPct val="115000"/>
               </a:lnSpc>
@@ -6323,19 +6224,15 @@
               </a:defRPr>
             </a:lvl9pPr>
           </a:lstStyle>
-          <a:p>
-            <a:endParaRPr/>
-          </a:p>
+          <a:p/>
         </p:txBody>
       </p:sp>
       <p:sp>
         <p:nvSpPr>
           <p:cNvPr id="8" name="Shape 8"/>
-          <p:cNvSpPr txBox="1">
-            <a:spLocks noGrp="1"/>
-          </p:cNvSpPr>
+          <p:cNvSpPr txBox="1"/>
           <p:nvPr>
-            <p:ph type="sldNum" idx="12"/>
+            <p:ph idx="12" type="sldNum"/>
           </p:nvPr>
         </p:nvSpPr>
         <p:spPr>
@@ -6352,7 +6249,7 @@
           </a:ln>
         </p:spPr>
         <p:txBody>
-          <a:bodyPr spcFirstLastPara="1" wrap="square" lIns="91425" tIns="91425" rIns="91425" bIns="91425" anchor="ctr" anchorCtr="0">
+          <a:bodyPr anchorCtr="0" anchor="ctr" bIns="91425" lIns="91425" spcFirstLastPara="1" rIns="91425" wrap="square" tIns="91425">
             <a:noAutofit/>
           </a:bodyPr>
           <a:lstStyle>
@@ -6457,7 +6354,7 @@
             </a:lvl9pPr>
           </a:lstStyle>
           <a:p>
-            <a:pPr marL="0" lvl="0" indent="0">
+            <a:pPr indent="0" lvl="0" marL="0">
               <a:spcBef>
                 <a:spcPts val="0"/>
               </a:spcBef>
@@ -6476,7 +6373,7 @@
       </p:sp>
     </p:spTree>
   </p:cSld>
-  <p:clrMap bg1="lt1" tx1="dk1" bg2="dk2" tx2="lt2" accent1="accent1" accent2="accent2" accent3="accent3" accent4="accent4" accent5="accent5" accent6="accent6" hlink="hlink" folHlink="folHlink"/>
+  <p:clrMap accent1="accent1" accent2="accent2" accent3="accent3" accent4="accent4" accent5="accent5" accent6="accent6" bg1="lt1" bg2="dk2" tx1="dk1" tx2="lt2" folHlink="folHlink" hlink="hlink"/>
   <p:sldLayoutIdLst>
     <p:sldLayoutId id="2147483648" r:id="rId1"/>
     <p:sldLayoutId id="2147483649" r:id="rId2"/>
@@ -6490,10 +6387,10 @@
     <p:sldLayoutId id="2147483657" r:id="rId10"/>
     <p:sldLayoutId id="2147483658" r:id="rId11"/>
   </p:sldLayoutIdLst>
-  <p:hf sldNum="0" hdr="0" ftr="0" dt="0"/>
+  <p:hf dt="0" ftr="0" hdr="0" sldNum="0"/>
   <p:txStyles>
     <p:titleStyle>
-      <a:defPPr marR="0" lvl="0" algn="l" rtl="0">
+      <a:defPPr lvl="0" marR="0" rtl="0" algn="l">
         <a:lnSpc>
           <a:spcPct val="100000"/>
         </a:lnSpc>
@@ -6504,7 +6401,7 @@
           <a:spcPts val="0"/>
         </a:spcAft>
       </a:defPPr>
-      <a:lvl1pPr marR="0" lvl="0" algn="l" rtl="0">
+      <a:lvl1pPr lvl="0" marR="0" rtl="0" algn="l">
         <a:lnSpc>
           <a:spcPct val="100000"/>
         </a:lnSpc>
@@ -6518,7 +6415,7 @@
           <a:srgbClr val="000000"/>
         </a:buClr>
         <a:buFont typeface="Arial"/>
-        <a:defRPr sz="1400" b="0" i="0" u="none" strike="noStrike" cap="none">
+        <a:defRPr b="0" i="0" sz="1400" u="none" cap="none" strike="noStrike">
           <a:solidFill>
             <a:srgbClr val="000000"/>
           </a:solidFill>
@@ -6528,7 +6425,7 @@
           <a:sym typeface="Arial"/>
         </a:defRPr>
       </a:lvl1pPr>
-      <a:lvl2pPr marR="0" lvl="1" algn="l" rtl="0">
+      <a:lvl2pPr lvl="1" marR="0" rtl="0" algn="l">
         <a:lnSpc>
           <a:spcPct val="100000"/>
         </a:lnSpc>
@@ -6542,7 +6439,7 @@
           <a:srgbClr val="000000"/>
         </a:buClr>
         <a:buFont typeface="Arial"/>
-        <a:defRPr sz="1400" b="0" i="0" u="none" strike="noStrike" cap="none">
+        <a:defRPr b="0" i="0" sz="1400" u="none" cap="none" strike="noStrike">
           <a:solidFill>
             <a:srgbClr val="000000"/>
           </a:solidFill>
@@ -6552,7 +6449,7 @@
           <a:sym typeface="Arial"/>
         </a:defRPr>
       </a:lvl2pPr>
-      <a:lvl3pPr marR="0" lvl="2" algn="l" rtl="0">
+      <a:lvl3pPr lvl="2" marR="0" rtl="0" algn="l">
         <a:lnSpc>
           <a:spcPct val="100000"/>
         </a:lnSpc>
@@ -6566,7 +6463,7 @@
           <a:srgbClr val="000000"/>
         </a:buClr>
         <a:buFont typeface="Arial"/>
-        <a:defRPr sz="1400" b="0" i="0" u="none" strike="noStrike" cap="none">
+        <a:defRPr b="0" i="0" sz="1400" u="none" cap="none" strike="noStrike">
           <a:solidFill>
             <a:srgbClr val="000000"/>
           </a:solidFill>
@@ -6576,7 +6473,7 @@
           <a:sym typeface="Arial"/>
         </a:defRPr>
       </a:lvl3pPr>
-      <a:lvl4pPr marR="0" lvl="3" algn="l" rtl="0">
+      <a:lvl4pPr lvl="3" marR="0" rtl="0" algn="l">
         <a:lnSpc>
           <a:spcPct val="100000"/>
         </a:lnSpc>
@@ -6590,7 +6487,7 @@
           <a:srgbClr val="000000"/>
         </a:buClr>
         <a:buFont typeface="Arial"/>
-        <a:defRPr sz="1400" b="0" i="0" u="none" strike="noStrike" cap="none">
+        <a:defRPr b="0" i="0" sz="1400" u="none" cap="none" strike="noStrike">
           <a:solidFill>
             <a:srgbClr val="000000"/>
           </a:solidFill>
@@ -6600,7 +6497,7 @@
           <a:sym typeface="Arial"/>
         </a:defRPr>
       </a:lvl4pPr>
-      <a:lvl5pPr marR="0" lvl="4" algn="l" rtl="0">
+      <a:lvl5pPr lvl="4" marR="0" rtl="0" algn="l">
         <a:lnSpc>
           <a:spcPct val="100000"/>
         </a:lnSpc>
@@ -6614,7 +6511,7 @@
           <a:srgbClr val="000000"/>
         </a:buClr>
         <a:buFont typeface="Arial"/>
-        <a:defRPr sz="1400" b="0" i="0" u="none" strike="noStrike" cap="none">
+        <a:defRPr b="0" i="0" sz="1400" u="none" cap="none" strike="noStrike">
           <a:solidFill>
             <a:srgbClr val="000000"/>
           </a:solidFill>
@@ -6624,7 +6521,7 @@
           <a:sym typeface="Arial"/>
         </a:defRPr>
       </a:lvl5pPr>
-      <a:lvl6pPr marR="0" lvl="5" algn="l" rtl="0">
+      <a:lvl6pPr lvl="5" marR="0" rtl="0" algn="l">
         <a:lnSpc>
           <a:spcPct val="100000"/>
         </a:lnSpc>
@@ -6638,7 +6535,7 @@
           <a:srgbClr val="000000"/>
         </a:buClr>
         <a:buFont typeface="Arial"/>
-        <a:defRPr sz="1400" b="0" i="0" u="none" strike="noStrike" cap="none">
+        <a:defRPr b="0" i="0" sz="1400" u="none" cap="none" strike="noStrike">
           <a:solidFill>
             <a:srgbClr val="000000"/>
           </a:solidFill>
@@ -6648,7 +6545,7 @@
           <a:sym typeface="Arial"/>
         </a:defRPr>
       </a:lvl6pPr>
-      <a:lvl7pPr marR="0" lvl="6" algn="l" rtl="0">
+      <a:lvl7pPr lvl="6" marR="0" rtl="0" algn="l">
         <a:lnSpc>
           <a:spcPct val="100000"/>
         </a:lnSpc>
@@ -6662,7 +6559,7 @@
           <a:srgbClr val="000000"/>
         </a:buClr>
         <a:buFont typeface="Arial"/>
-        <a:defRPr sz="1400" b="0" i="0" u="none" strike="noStrike" cap="none">
+        <a:defRPr b="0" i="0" sz="1400" u="none" cap="none" strike="noStrike">
           <a:solidFill>
             <a:srgbClr val="000000"/>
           </a:solidFill>
@@ -6672,7 +6569,7 @@
           <a:sym typeface="Arial"/>
         </a:defRPr>
       </a:lvl7pPr>
-      <a:lvl8pPr marR="0" lvl="7" algn="l" rtl="0">
+      <a:lvl8pPr lvl="7" marR="0" rtl="0" algn="l">
         <a:lnSpc>
           <a:spcPct val="100000"/>
         </a:lnSpc>
@@ -6686,7 +6583,7 @@
           <a:srgbClr val="000000"/>
         </a:buClr>
         <a:buFont typeface="Arial"/>
-        <a:defRPr sz="1400" b="0" i="0" u="none" strike="noStrike" cap="none">
+        <a:defRPr b="0" i="0" sz="1400" u="none" cap="none" strike="noStrike">
           <a:solidFill>
             <a:srgbClr val="000000"/>
           </a:solidFill>
@@ -6696,7 +6593,7 @@
           <a:sym typeface="Arial"/>
         </a:defRPr>
       </a:lvl8pPr>
-      <a:lvl9pPr marR="0" lvl="8" algn="l" rtl="0">
+      <a:lvl9pPr lvl="8" marR="0" rtl="0" algn="l">
         <a:lnSpc>
           <a:spcPct val="100000"/>
         </a:lnSpc>
@@ -6710,7 +6607,7 @@
           <a:srgbClr val="000000"/>
         </a:buClr>
         <a:buFont typeface="Arial"/>
-        <a:defRPr sz="1400" b="0" i="0" u="none" strike="noStrike" cap="none">
+        <a:defRPr b="0" i="0" sz="1400" u="none" cap="none" strike="noStrike">
           <a:solidFill>
             <a:srgbClr val="000000"/>
           </a:solidFill>
@@ -6722,7 +6619,7 @@
       </a:lvl9pPr>
     </p:titleStyle>
     <p:bodyStyle>
-      <a:defPPr marR="0" lvl="0" algn="l" rtl="0">
+      <a:defPPr lvl="0" marR="0" rtl="0" algn="l">
         <a:lnSpc>
           <a:spcPct val="100000"/>
         </a:lnSpc>
@@ -6733,7 +6630,7 @@
           <a:spcPts val="0"/>
         </a:spcAft>
       </a:defPPr>
-      <a:lvl1pPr marR="0" lvl="0" algn="l" rtl="0">
+      <a:lvl1pPr lvl="0" marR="0" rtl="0" algn="l">
         <a:lnSpc>
           <a:spcPct val="100000"/>
         </a:lnSpc>
@@ -6747,7 +6644,7 @@
           <a:srgbClr val="000000"/>
         </a:buClr>
         <a:buFont typeface="Arial"/>
-        <a:defRPr sz="1400" b="0" i="0" u="none" strike="noStrike" cap="none">
+        <a:defRPr b="0" i="0" sz="1400" u="none" cap="none" strike="noStrike">
           <a:solidFill>
             <a:srgbClr val="000000"/>
           </a:solidFill>
@@ -6757,7 +6654,7 @@
           <a:sym typeface="Arial"/>
         </a:defRPr>
       </a:lvl1pPr>
-      <a:lvl2pPr marR="0" lvl="1" algn="l" rtl="0">
+      <a:lvl2pPr lvl="1" marR="0" rtl="0" algn="l">
         <a:lnSpc>
           <a:spcPct val="100000"/>
         </a:lnSpc>
@@ -6771,7 +6668,7 @@
           <a:srgbClr val="000000"/>
         </a:buClr>
         <a:buFont typeface="Arial"/>
-        <a:defRPr sz="1400" b="0" i="0" u="none" strike="noStrike" cap="none">
+        <a:defRPr b="0" i="0" sz="1400" u="none" cap="none" strike="noStrike">
           <a:solidFill>
             <a:srgbClr val="000000"/>
           </a:solidFill>
@@ -6781,7 +6678,7 @@
           <a:sym typeface="Arial"/>
         </a:defRPr>
       </a:lvl2pPr>
-      <a:lvl3pPr marR="0" lvl="2" algn="l" rtl="0">
+      <a:lvl3pPr lvl="2" marR="0" rtl="0" algn="l">
         <a:lnSpc>
           <a:spcPct val="100000"/>
         </a:lnSpc>
@@ -6795,7 +6692,7 @@
           <a:srgbClr val="000000"/>
         </a:buClr>
         <a:buFont typeface="Arial"/>
-        <a:defRPr sz="1400" b="0" i="0" u="none" strike="noStrike" cap="none">
+        <a:defRPr b="0" i="0" sz="1400" u="none" cap="none" strike="noStrike">
           <a:solidFill>
             <a:srgbClr val="000000"/>
           </a:solidFill>
@@ -6805,7 +6702,7 @@
           <a:sym typeface="Arial"/>
         </a:defRPr>
       </a:lvl3pPr>
-      <a:lvl4pPr marR="0" lvl="3" algn="l" rtl="0">
+      <a:lvl4pPr lvl="3" marR="0" rtl="0" algn="l">
         <a:lnSpc>
           <a:spcPct val="100000"/>
         </a:lnSpc>
@@ -6819,7 +6716,7 @@
           <a:srgbClr val="000000"/>
         </a:buClr>
         <a:buFont typeface="Arial"/>
-        <a:defRPr sz="1400" b="0" i="0" u="none" strike="noStrike" cap="none">
+        <a:defRPr b="0" i="0" sz="1400" u="none" cap="none" strike="noStrike">
           <a:solidFill>
             <a:srgbClr val="000000"/>
           </a:solidFill>
@@ -6829,7 +6726,7 @@
           <a:sym typeface="Arial"/>
         </a:defRPr>
       </a:lvl4pPr>
-      <a:lvl5pPr marR="0" lvl="4" algn="l" rtl="0">
+      <a:lvl5pPr lvl="4" marR="0" rtl="0" algn="l">
         <a:lnSpc>
           <a:spcPct val="100000"/>
         </a:lnSpc>
@@ -6843,7 +6740,7 @@
           <a:srgbClr val="000000"/>
         </a:buClr>
         <a:buFont typeface="Arial"/>
-        <a:defRPr sz="1400" b="0" i="0" u="none" strike="noStrike" cap="none">
+        <a:defRPr b="0" i="0" sz="1400" u="none" cap="none" strike="noStrike">
           <a:solidFill>
             <a:srgbClr val="000000"/>
           </a:solidFill>
@@ -6853,7 +6750,7 @@
           <a:sym typeface="Arial"/>
         </a:defRPr>
       </a:lvl5pPr>
-      <a:lvl6pPr marR="0" lvl="5" algn="l" rtl="0">
+      <a:lvl6pPr lvl="5" marR="0" rtl="0" algn="l">
         <a:lnSpc>
           <a:spcPct val="100000"/>
         </a:lnSpc>
@@ -6867,7 +6764,7 @@
           <a:srgbClr val="000000"/>
         </a:buClr>
         <a:buFont typeface="Arial"/>
-        <a:defRPr sz="1400" b="0" i="0" u="none" strike="noStrike" cap="none">
+        <a:defRPr b="0" i="0" sz="1400" u="none" cap="none" strike="noStrike">
           <a:solidFill>
             <a:srgbClr val="000000"/>
           </a:solidFill>
@@ -6877,7 +6774,7 @@
           <a:sym typeface="Arial"/>
         </a:defRPr>
       </a:lvl6pPr>
-      <a:lvl7pPr marR="0" lvl="6" algn="l" rtl="0">
+      <a:lvl7pPr lvl="6" marR="0" rtl="0" algn="l">
         <a:lnSpc>
           <a:spcPct val="100000"/>
         </a:lnSpc>
@@ -6891,7 +6788,7 @@
           <a:srgbClr val="000000"/>
         </a:buClr>
         <a:buFont typeface="Arial"/>
-        <a:defRPr sz="1400" b="0" i="0" u="none" strike="noStrike" cap="none">
+        <a:defRPr b="0" i="0" sz="1400" u="none" cap="none" strike="noStrike">
           <a:solidFill>
             <a:srgbClr val="000000"/>
           </a:solidFill>
@@ -6901,7 +6798,7 @@
           <a:sym typeface="Arial"/>
         </a:defRPr>
       </a:lvl7pPr>
-      <a:lvl8pPr marR="0" lvl="7" algn="l" rtl="0">
+      <a:lvl8pPr lvl="7" marR="0" rtl="0" algn="l">
         <a:lnSpc>
           <a:spcPct val="100000"/>
         </a:lnSpc>
@@ -6915,7 +6812,7 @@
           <a:srgbClr val="000000"/>
         </a:buClr>
         <a:buFont typeface="Arial"/>
-        <a:defRPr sz="1400" b="0" i="0" u="none" strike="noStrike" cap="none">
+        <a:defRPr b="0" i="0" sz="1400" u="none" cap="none" strike="noStrike">
           <a:solidFill>
             <a:srgbClr val="000000"/>
           </a:solidFill>
@@ -6925,7 +6822,7 @@
           <a:sym typeface="Arial"/>
         </a:defRPr>
       </a:lvl8pPr>
-      <a:lvl9pPr marR="0" lvl="8" algn="l" rtl="0">
+      <a:lvl9pPr lvl="8" marR="0" rtl="0" algn="l">
         <a:lnSpc>
           <a:spcPct val="100000"/>
         </a:lnSpc>
@@ -6939,7 +6836,7 @@
           <a:srgbClr val="000000"/>
         </a:buClr>
         <a:buFont typeface="Arial"/>
-        <a:defRPr sz="1400" b="0" i="0" u="none" strike="noStrike" cap="none">
+        <a:defRPr b="0" i="0" sz="1400" u="none" cap="none" strike="noStrike">
           <a:solidFill>
             <a:srgbClr val="000000"/>
           </a:solidFill>
@@ -6951,7 +6848,7 @@
       </a:lvl9pPr>
     </p:bodyStyle>
     <p:otherStyle>
-      <a:defPPr marR="0" lvl="0" algn="l" rtl="0">
+      <a:defPPr lvl="0" marR="0" rtl="0" algn="l">
         <a:lnSpc>
           <a:spcPct val="100000"/>
         </a:lnSpc>
@@ -6962,7 +6859,7 @@
           <a:spcPts val="0"/>
         </a:spcAft>
       </a:defPPr>
-      <a:lvl1pPr marR="0" lvl="0" algn="l" rtl="0">
+      <a:lvl1pPr lvl="0" marR="0" rtl="0" algn="l">
         <a:lnSpc>
           <a:spcPct val="100000"/>
         </a:lnSpc>
@@ -6976,7 +6873,7 @@
           <a:srgbClr val="000000"/>
         </a:buClr>
         <a:buFont typeface="Arial"/>
-        <a:defRPr sz="1400" b="0" i="0" u="none" strike="noStrike" cap="none">
+        <a:defRPr b="0" i="0" sz="1400" u="none" cap="none" strike="noStrike">
           <a:solidFill>
             <a:srgbClr val="000000"/>
           </a:solidFill>
@@ -6986,7 +6883,7 @@
           <a:sym typeface="Arial"/>
         </a:defRPr>
       </a:lvl1pPr>
-      <a:lvl2pPr marR="0" lvl="1" algn="l" rtl="0">
+      <a:lvl2pPr lvl="1" marR="0" rtl="0" algn="l">
         <a:lnSpc>
           <a:spcPct val="100000"/>
         </a:lnSpc>
@@ -7000,7 +6897,7 @@
           <a:srgbClr val="000000"/>
         </a:buClr>
         <a:buFont typeface="Arial"/>
-        <a:defRPr sz="1400" b="0" i="0" u="none" strike="noStrike" cap="none">
+        <a:defRPr b="0" i="0" sz="1400" u="none" cap="none" strike="noStrike">
           <a:solidFill>
             <a:srgbClr val="000000"/>
           </a:solidFill>
@@ -7010,7 +6907,7 @@
           <a:sym typeface="Arial"/>
         </a:defRPr>
       </a:lvl2pPr>
-      <a:lvl3pPr marR="0" lvl="2" algn="l" rtl="0">
+      <a:lvl3pPr lvl="2" marR="0" rtl="0" algn="l">
         <a:lnSpc>
           <a:spcPct val="100000"/>
         </a:lnSpc>
@@ -7024,7 +6921,7 @@
           <a:srgbClr val="000000"/>
         </a:buClr>
         <a:buFont typeface="Arial"/>
-        <a:defRPr sz="1400" b="0" i="0" u="none" strike="noStrike" cap="none">
+        <a:defRPr b="0" i="0" sz="1400" u="none" cap="none" strike="noStrike">
           <a:solidFill>
             <a:srgbClr val="000000"/>
           </a:solidFill>
@@ -7034,7 +6931,7 @@
           <a:sym typeface="Arial"/>
         </a:defRPr>
       </a:lvl3pPr>
-      <a:lvl4pPr marR="0" lvl="3" algn="l" rtl="0">
+      <a:lvl4pPr lvl="3" marR="0" rtl="0" algn="l">
         <a:lnSpc>
           <a:spcPct val="100000"/>
         </a:lnSpc>
@@ -7048,7 +6945,7 @@
           <a:srgbClr val="000000"/>
         </a:buClr>
         <a:buFont typeface="Arial"/>
-        <a:defRPr sz="1400" b="0" i="0" u="none" strike="noStrike" cap="none">
+        <a:defRPr b="0" i="0" sz="1400" u="none" cap="none" strike="noStrike">
           <a:solidFill>
             <a:srgbClr val="000000"/>
           </a:solidFill>
@@ -7058,7 +6955,7 @@
           <a:sym typeface="Arial"/>
         </a:defRPr>
       </a:lvl4pPr>
-      <a:lvl5pPr marR="0" lvl="4" algn="l" rtl="0">
+      <a:lvl5pPr lvl="4" marR="0" rtl="0" algn="l">
         <a:lnSpc>
           <a:spcPct val="100000"/>
         </a:lnSpc>
@@ -7072,7 +6969,7 @@
           <a:srgbClr val="000000"/>
         </a:buClr>
         <a:buFont typeface="Arial"/>
-        <a:defRPr sz="1400" b="0" i="0" u="none" strike="noStrike" cap="none">
+        <a:defRPr b="0" i="0" sz="1400" u="none" cap="none" strike="noStrike">
           <a:solidFill>
             <a:srgbClr val="000000"/>
           </a:solidFill>
@@ -7082,7 +6979,7 @@
           <a:sym typeface="Arial"/>
         </a:defRPr>
       </a:lvl5pPr>
-      <a:lvl6pPr marR="0" lvl="5" algn="l" rtl="0">
+      <a:lvl6pPr lvl="5" marR="0" rtl="0" algn="l">
         <a:lnSpc>
           <a:spcPct val="100000"/>
         </a:lnSpc>
@@ -7096,7 +6993,7 @@
           <a:srgbClr val="000000"/>
         </a:buClr>
         <a:buFont typeface="Arial"/>
-        <a:defRPr sz="1400" b="0" i="0" u="none" strike="noStrike" cap="none">
+        <a:defRPr b="0" i="0" sz="1400" u="none" cap="none" strike="noStrike">
           <a:solidFill>
             <a:srgbClr val="000000"/>
           </a:solidFill>
@@ -7106,7 +7003,7 @@
           <a:sym typeface="Arial"/>
         </a:defRPr>
       </a:lvl6pPr>
-      <a:lvl7pPr marR="0" lvl="6" algn="l" rtl="0">
+      <a:lvl7pPr lvl="6" marR="0" rtl="0" algn="l">
         <a:lnSpc>
           <a:spcPct val="100000"/>
         </a:lnSpc>
@@ -7120,7 +7017,7 @@
           <a:srgbClr val="000000"/>
         </a:buClr>
         <a:buFont typeface="Arial"/>
-        <a:defRPr sz="1400" b="0" i="0" u="none" strike="noStrike" cap="none">
+        <a:defRPr b="0" i="0" sz="1400" u="none" cap="none" strike="noStrike">
           <a:solidFill>
             <a:srgbClr val="000000"/>
           </a:solidFill>
@@ -7130,7 +7027,7 @@
           <a:sym typeface="Arial"/>
         </a:defRPr>
       </a:lvl7pPr>
-      <a:lvl8pPr marR="0" lvl="7" algn="l" rtl="0">
+      <a:lvl8pPr lvl="7" marR="0" rtl="0" algn="l">
         <a:lnSpc>
           <a:spcPct val="100000"/>
         </a:lnSpc>
@@ -7144,7 +7041,7 @@
           <a:srgbClr val="000000"/>
         </a:buClr>
         <a:buFont typeface="Arial"/>
-        <a:defRPr sz="1400" b="0" i="0" u="none" strike="noStrike" cap="none">
+        <a:defRPr b="0" i="0" sz="1400" u="none" cap="none" strike="noStrike">
           <a:solidFill>
             <a:srgbClr val="000000"/>
           </a:solidFill>
@@ -7154,7 +7051,7 @@
           <a:sym typeface="Arial"/>
         </a:defRPr>
       </a:lvl8pPr>
-      <a:lvl9pPr marR="0" lvl="8" algn="l" rtl="0">
+      <a:lvl9pPr lvl="8" marR="0" rtl="0" algn="l">
         <a:lnSpc>
           <a:spcPct val="100000"/>
         </a:lnSpc>
@@ -7168,7 +7065,7 @@
           <a:srgbClr val="000000"/>
         </a:buClr>
         <a:buFont typeface="Arial"/>
-        <a:defRPr sz="1400" b="0" i="0" u="none" strike="noStrike" cap="none">
+        <a:defRPr b="0" i="0" sz="1400" u="none" cap="none" strike="noStrike">
           <a:solidFill>
             <a:srgbClr val="000000"/>
           </a:solidFill>
@@ -7184,11 +7081,11 @@
 </file>
 
 <file path=ppt/slides/slide1.xml><?xml version="1.0" encoding="utf-8"?>
-<p:sld xmlns:a="http://schemas.openxmlformats.org/drawingml/2006/main" xmlns:r="http://schemas.openxmlformats.org/officeDocument/2006/relationships" xmlns:p="http://schemas.openxmlformats.org/presentationml/2006/main">
+<p:sld xmlns:a="http://schemas.openxmlformats.org/drawingml/2006/main" xmlns:r="http://schemas.openxmlformats.org/officeDocument/2006/relationships" xmlns:mc="http://schemas.openxmlformats.org/markup-compatibility/2006" xmlns:mv="urn:schemas-microsoft-com:mac:vml" xmlns:p="http://schemas.openxmlformats.org/presentationml/2006/main" xmlns:c="http://schemas.openxmlformats.org/drawingml/2006/chart" xmlns:dgm="http://schemas.openxmlformats.org/drawingml/2006/diagram" xmlns:o="urn:schemas-microsoft-com:office:office" xmlns:v="urn:schemas-microsoft-com:vml" xmlns:pvml="urn:schemas-microsoft-com:office:powerpoint" xmlns:com="http://schemas.openxmlformats.org/drawingml/2006/compatibility" xmlns:p14="http://schemas.microsoft.com/office/powerpoint/2010/main" xmlns:p15="http://schemas.microsoft.com/office/powerpoint/2012/main">
   <p:cSld>
     <p:spTree>
       <p:nvGrpSpPr>
-        <p:cNvPr id="1" name="Shape 53"/>
+        <p:cNvPr id="53" name="Shape 53"/>
         <p:cNvGrpSpPr/>
         <p:nvPr/>
       </p:nvGrpSpPr>
@@ -7203,9 +7100,7 @@
       <p:sp>
         <p:nvSpPr>
           <p:cNvPr id="54" name="Shape 54"/>
-          <p:cNvSpPr txBox="1">
-            <a:spLocks noGrp="1"/>
-          </p:cNvSpPr>
+          <p:cNvSpPr txBox="1"/>
           <p:nvPr>
             <p:ph type="ctrTitle"/>
           </p:nvPr>
@@ -7220,12 +7115,12 @@
           </a:prstGeom>
         </p:spPr>
         <p:txBody>
-          <a:bodyPr spcFirstLastPara="1" wrap="square" lIns="91425" tIns="91425" rIns="91425" bIns="91425" anchor="b" anchorCtr="0">
+          <a:bodyPr anchorCtr="0" anchor="b" bIns="91425" lIns="91425" spcFirstLastPara="1" rIns="91425" wrap="square" tIns="91425">
             <a:noAutofit/>
           </a:bodyPr>
           <a:lstStyle/>
           <a:p>
-            <a:pPr marL="0" lvl="0" indent="0">
+            <a:pPr indent="0" lvl="0" marL="0">
               <a:spcBef>
                 <a:spcPts val="0"/>
               </a:spcBef>
@@ -7245,11 +7140,9 @@
       <p:sp>
         <p:nvSpPr>
           <p:cNvPr id="55" name="Shape 55"/>
-          <p:cNvSpPr txBox="1">
-            <a:spLocks noGrp="1"/>
-          </p:cNvSpPr>
+          <p:cNvSpPr txBox="1"/>
           <p:nvPr>
-            <p:ph type="subTitle" idx="1"/>
+            <p:ph idx="1" type="subTitle"/>
           </p:nvPr>
         </p:nvSpPr>
         <p:spPr>
@@ -7262,12 +7155,12 @@
           </a:prstGeom>
         </p:spPr>
         <p:txBody>
-          <a:bodyPr spcFirstLastPara="1" wrap="square" lIns="91425" tIns="91425" rIns="91425" bIns="91425" anchor="t" anchorCtr="0">
+          <a:bodyPr anchorCtr="0" anchor="t" bIns="91425" lIns="91425" spcFirstLastPara="1" rIns="91425" wrap="square" tIns="91425">
             <a:noAutofit/>
           </a:bodyPr>
           <a:lstStyle/>
           <a:p>
-            <a:pPr marL="0" lvl="0" indent="0">
+            <a:pPr indent="0" lvl="0" marL="0">
               <a:spcBef>
                 <a:spcPts val="0"/>
               </a:spcBef>
@@ -7293,11 +7186,64 @@
 </file>
 
 <file path=ppt/slides/slide10.xml><?xml version="1.0" encoding="utf-8"?>
-<p:sld xmlns:a="http://schemas.openxmlformats.org/drawingml/2006/main" xmlns:r="http://schemas.openxmlformats.org/officeDocument/2006/relationships" xmlns:p="http://schemas.openxmlformats.org/presentationml/2006/main">
+<p:sld xmlns:a="http://schemas.openxmlformats.org/drawingml/2006/main" xmlns:r="http://schemas.openxmlformats.org/officeDocument/2006/relationships" xmlns:mc="http://schemas.openxmlformats.org/markup-compatibility/2006" xmlns:mv="urn:schemas-microsoft-com:mac:vml" xmlns:p="http://schemas.openxmlformats.org/presentationml/2006/main" xmlns:c="http://schemas.openxmlformats.org/drawingml/2006/chart" xmlns:dgm="http://schemas.openxmlformats.org/drawingml/2006/diagram" xmlns:o="urn:schemas-microsoft-com:office:office" xmlns:v="urn:schemas-microsoft-com:vml" xmlns:pvml="urn:schemas-microsoft-com:office:powerpoint" xmlns:com="http://schemas.openxmlformats.org/drawingml/2006/compatibility" xmlns:p14="http://schemas.microsoft.com/office/powerpoint/2010/main" xmlns:p15="http://schemas.microsoft.com/office/powerpoint/2012/main">
   <p:cSld>
     <p:spTree>
       <p:nvGrpSpPr>
-        <p:cNvPr id="1" name="Shape 105"/>
+        <p:cNvPr id="105" name="Shape 105"/>
+        <p:cNvGrpSpPr/>
+        <p:nvPr/>
+      </p:nvGrpSpPr>
+      <p:grpSpPr>
+        <a:xfrm>
+          <a:off x="0" y="0"/>
+          <a:ext cx="0" cy="0"/>
+          <a:chOff x="0" y="0"/>
+          <a:chExt cx="0" cy="0"/>
+        </a:xfrm>
+      </p:grpSpPr>
+      <p:pic>
+        <p:nvPicPr>
+          <p:cNvPr id="106" name="Shape 106"/>
+          <p:cNvPicPr preferRelativeResize="0"/>
+          <p:nvPr/>
+        </p:nvPicPr>
+        <p:blipFill>
+          <a:blip r:embed="rId3">
+            <a:alphaModFix/>
+          </a:blip>
+          <a:stretch>
+            <a:fillRect/>
+          </a:stretch>
+        </p:blipFill>
+        <p:spPr>
+          <a:xfrm>
+            <a:off x="152400" y="152400"/>
+            <a:ext cx="6303677" cy="4838700"/>
+          </a:xfrm>
+          <a:prstGeom prst="rect">
+            <a:avLst/>
+          </a:prstGeom>
+          <a:noFill/>
+          <a:ln>
+            <a:noFill/>
+          </a:ln>
+        </p:spPr>
+      </p:pic>
+    </p:spTree>
+  </p:cSld>
+  <p:clrMapOvr>
+    <a:masterClrMapping/>
+  </p:clrMapOvr>
+</p:sld>
+</file>
+
+<file path=ppt/slides/slide11.xml><?xml version="1.0" encoding="utf-8"?>
+<p:sld xmlns:a="http://schemas.openxmlformats.org/drawingml/2006/main" xmlns:r="http://schemas.openxmlformats.org/officeDocument/2006/relationships" xmlns:mc="http://schemas.openxmlformats.org/markup-compatibility/2006" xmlns:mv="urn:schemas-microsoft-com:mac:vml" xmlns:p="http://schemas.openxmlformats.org/presentationml/2006/main" xmlns:c="http://schemas.openxmlformats.org/drawingml/2006/chart" xmlns:dgm="http://schemas.openxmlformats.org/drawingml/2006/diagram" xmlns:o="urn:schemas-microsoft-com:office:office" xmlns:v="urn:schemas-microsoft-com:vml" xmlns:pvml="urn:schemas-microsoft-com:office:powerpoint" xmlns:com="http://schemas.openxmlformats.org/drawingml/2006/compatibility" xmlns:p14="http://schemas.microsoft.com/office/powerpoint/2010/main" xmlns:p15="http://schemas.microsoft.com/office/powerpoint/2012/main">
+  <p:cSld>
+    <p:spTree>
+      <p:nvGrpSpPr>
+        <p:cNvPr id="110" name="Shape 110"/>
         <p:cNvGrpSpPr/>
         <p:nvPr/>
       </p:nvGrpSpPr>
@@ -7311,10 +7257,8 @@
       </p:grpSpPr>
       <p:sp>
         <p:nvSpPr>
-          <p:cNvPr id="106" name="Shape 106"/>
-          <p:cNvSpPr txBox="1">
-            <a:spLocks noGrp="1"/>
-          </p:cNvSpPr>
+          <p:cNvPr id="111" name="Shape 111"/>
+          <p:cNvSpPr txBox="1"/>
           <p:nvPr>
             <p:ph type="title"/>
           </p:nvPr>
@@ -7329,12 +7273,12 @@
           </a:prstGeom>
         </p:spPr>
         <p:txBody>
-          <a:bodyPr spcFirstLastPara="1" wrap="square" lIns="91425" tIns="91425" rIns="91425" bIns="91425" anchor="t" anchorCtr="0">
+          <a:bodyPr anchorCtr="0" anchor="t" bIns="91425" lIns="91425" spcFirstLastPara="1" rIns="91425" wrap="square" tIns="91425">
             <a:noAutofit/>
           </a:bodyPr>
           <a:lstStyle/>
           <a:p>
-            <a:pPr marL="0" lvl="0" indent="0">
+            <a:pPr indent="0" lvl="0" marL="0">
               <a:spcBef>
                 <a:spcPts val="0"/>
               </a:spcBef>
@@ -7353,12 +7297,10 @@
       </p:sp>
       <p:sp>
         <p:nvSpPr>
-          <p:cNvPr id="107" name="Shape 107"/>
-          <p:cNvSpPr txBox="1">
-            <a:spLocks noGrp="1"/>
-          </p:cNvSpPr>
+          <p:cNvPr id="112" name="Shape 112"/>
+          <p:cNvSpPr txBox="1"/>
           <p:nvPr>
-            <p:ph type="body" idx="1"/>
+            <p:ph idx="1" type="body"/>
           </p:nvPr>
         </p:nvSpPr>
         <p:spPr>
@@ -7371,28 +7313,28 @@
           </a:prstGeom>
         </p:spPr>
         <p:txBody>
-          <a:bodyPr spcFirstLastPara="1" wrap="square" lIns="91425" tIns="91425" rIns="91425" bIns="91425" anchor="t" anchorCtr="0">
+          <a:bodyPr anchorCtr="0" anchor="t" bIns="91425" lIns="91425" spcFirstLastPara="1" rIns="91425" wrap="square" tIns="91425">
             <a:noAutofit/>
           </a:bodyPr>
           <a:lstStyle/>
           <a:p>
-            <a:pPr marL="0" lvl="0" indent="0">
-              <a:spcBef>
-                <a:spcPts val="0"/>
-              </a:spcBef>
-              <a:spcAft>
-                <a:spcPts val="0"/>
-              </a:spcAft>
-              <a:buNone/>
-            </a:pPr>
-            <a:r>
-              <a:rPr lang="en" sz="1400" b="1"/>
+            <a:pPr indent="0" lvl="0" marL="0">
+              <a:spcBef>
+                <a:spcPts val="0"/>
+              </a:spcBef>
+              <a:spcAft>
+                <a:spcPts val="0"/>
+              </a:spcAft>
+              <a:buNone/>
+            </a:pPr>
+            <a:r>
+              <a:rPr b="1" lang="en" sz="1400"/>
               <a:t>As root:</a:t>
             </a:r>
-            <a:endParaRPr sz="1400" b="1"/>
-          </a:p>
-          <a:p>
-            <a:pPr marL="0" lvl="0" indent="0">
+            <a:endParaRPr b="1" sz="1400"/>
+          </a:p>
+          <a:p>
+            <a:pPr indent="0" lvl="0" marL="0">
               <a:lnSpc>
                 <a:spcPct val="100000"/>
               </a:lnSpc>
@@ -7411,7 +7353,7 @@
             <a:endParaRPr sz="1400"/>
           </a:p>
           <a:p>
-            <a:pPr marL="0" lvl="0" indent="0">
+            <a:pPr indent="0" lvl="0" marL="0">
               <a:lnSpc>
                 <a:spcPct val="100000"/>
               </a:lnSpc>
@@ -7430,7 +7372,7 @@
             <a:endParaRPr sz="1400"/>
           </a:p>
           <a:p>
-            <a:pPr marL="0" lvl="0" indent="0" rtl="0">
+            <a:pPr indent="0" lvl="0" marL="0" rtl="0">
               <a:lnSpc>
                 <a:spcPct val="100000"/>
               </a:lnSpc>
@@ -7442,10 +7384,13 @@
               </a:spcAft>
               <a:buNone/>
             </a:pPr>
+            <a:r>
+              <a:t/>
+            </a:r>
             <a:endParaRPr sz="1400"/>
           </a:p>
           <a:p>
-            <a:pPr marL="0" lvl="0" indent="0" rtl="0">
+            <a:pPr indent="0" lvl="0" marL="0" rtl="0">
               <a:lnSpc>
                 <a:spcPct val="100000"/>
               </a:lnSpc>
@@ -7458,13 +7403,13 @@
               <a:buNone/>
             </a:pPr>
             <a:r>
-              <a:rPr lang="en" sz="1400" b="1"/>
+              <a:rPr b="1" lang="en" sz="1400"/>
               <a:t>As the admin or apacheuser account:</a:t>
             </a:r>
-            <a:endParaRPr sz="1400" b="1"/>
-          </a:p>
-          <a:p>
-            <a:pPr marL="0" lvl="0" indent="0">
+            <a:endParaRPr b="1" sz="1400"/>
+          </a:p>
+          <a:p>
+            <a:pPr indent="0" lvl="0" marL="0">
               <a:lnSpc>
                 <a:spcPct val="100000"/>
               </a:lnSpc>
@@ -7488,7 +7433,7 @@
             <a:endParaRPr sz="1400"/>
           </a:p>
           <a:p>
-            <a:pPr marL="0" lvl="0" indent="0">
+            <a:pPr indent="0" lvl="0" marL="0">
               <a:lnSpc>
                 <a:spcPct val="100000"/>
               </a:lnSpc>
@@ -7512,7 +7457,7 @@
             <a:endParaRPr sz="1400"/>
           </a:p>
           <a:p>
-            <a:pPr marL="0" lvl="0" indent="0">
+            <a:pPr indent="0" lvl="0" marL="0">
               <a:lnSpc>
                 <a:spcPct val="100000"/>
               </a:lnSpc>
@@ -7524,6 +7469,9 @@
               </a:spcAft>
               <a:buNone/>
             </a:pPr>
+            <a:r>
+              <a:t/>
+            </a:r>
             <a:endParaRPr sz="1400"/>
           </a:p>
         </p:txBody>
@@ -7536,12 +7484,12 @@
 </p:sld>
 </file>
 
-<file path=ppt/slides/slide11.xml><?xml version="1.0" encoding="utf-8"?>
-<p:sld xmlns:a="http://schemas.openxmlformats.org/drawingml/2006/main" xmlns:r="http://schemas.openxmlformats.org/officeDocument/2006/relationships" xmlns:p="http://schemas.openxmlformats.org/presentationml/2006/main">
+<file path=ppt/slides/slide12.xml><?xml version="1.0" encoding="utf-8"?>
+<p:sld xmlns:a="http://schemas.openxmlformats.org/drawingml/2006/main" xmlns:r="http://schemas.openxmlformats.org/officeDocument/2006/relationships" xmlns:mc="http://schemas.openxmlformats.org/markup-compatibility/2006" xmlns:mv="urn:schemas-microsoft-com:mac:vml" xmlns:p="http://schemas.openxmlformats.org/presentationml/2006/main" xmlns:c="http://schemas.openxmlformats.org/drawingml/2006/chart" xmlns:dgm="http://schemas.openxmlformats.org/drawingml/2006/diagram" xmlns:o="urn:schemas-microsoft-com:office:office" xmlns:v="urn:schemas-microsoft-com:vml" xmlns:pvml="urn:schemas-microsoft-com:office:powerpoint" xmlns:com="http://schemas.openxmlformats.org/drawingml/2006/compatibility" xmlns:p14="http://schemas.microsoft.com/office/powerpoint/2010/main" xmlns:p15="http://schemas.microsoft.com/office/powerpoint/2012/main">
   <p:cSld>
     <p:spTree>
       <p:nvGrpSpPr>
-        <p:cNvPr id="1" name="Shape 111"/>
+        <p:cNvPr id="116" name="Shape 116"/>
         <p:cNvGrpSpPr/>
         <p:nvPr/>
       </p:nvGrpSpPr>
@@ -7555,10 +7503,8 @@
       </p:grpSpPr>
       <p:sp>
         <p:nvSpPr>
-          <p:cNvPr id="112" name="Shape 112"/>
-          <p:cNvSpPr txBox="1">
-            <a:spLocks noGrp="1"/>
-          </p:cNvSpPr>
+          <p:cNvPr id="117" name="Shape 117"/>
+          <p:cNvSpPr txBox="1"/>
           <p:nvPr>
             <p:ph type="title"/>
           </p:nvPr>
@@ -7573,12 +7519,12 @@
           </a:prstGeom>
         </p:spPr>
         <p:txBody>
-          <a:bodyPr spcFirstLastPara="1" wrap="square" lIns="91425" tIns="91425" rIns="91425" bIns="91425" anchor="t" anchorCtr="0">
+          <a:bodyPr anchorCtr="0" anchor="t" bIns="91425" lIns="91425" spcFirstLastPara="1" rIns="91425" wrap="square" tIns="91425">
             <a:noAutofit/>
           </a:bodyPr>
           <a:lstStyle/>
           <a:p>
-            <a:pPr marL="0" lvl="0" indent="0">
+            <a:pPr indent="0" lvl="0" marL="0">
               <a:spcBef>
                 <a:spcPts val="0"/>
               </a:spcBef>
@@ -7597,12 +7543,10 @@
       </p:sp>
       <p:sp>
         <p:nvSpPr>
-          <p:cNvPr id="113" name="Shape 113"/>
-          <p:cNvSpPr txBox="1">
-            <a:spLocks noGrp="1"/>
-          </p:cNvSpPr>
+          <p:cNvPr id="118" name="Shape 118"/>
+          <p:cNvSpPr txBox="1"/>
           <p:nvPr>
-            <p:ph type="body" idx="1"/>
+            <p:ph idx="1" type="body"/>
           </p:nvPr>
         </p:nvSpPr>
         <p:spPr>
@@ -7615,12 +7559,12 @@
           </a:prstGeom>
         </p:spPr>
         <p:txBody>
-          <a:bodyPr spcFirstLastPara="1" wrap="square" lIns="91425" tIns="91425" rIns="91425" bIns="91425" anchor="t" anchorCtr="0">
+          <a:bodyPr anchorCtr="0" anchor="t" bIns="91425" lIns="91425" spcFirstLastPara="1" rIns="91425" wrap="square" tIns="91425">
             <a:noAutofit/>
           </a:bodyPr>
           <a:lstStyle/>
           <a:p>
-            <a:pPr marL="0" lvl="0" indent="0">
+            <a:pPr indent="0" lvl="0" marL="0">
               <a:spcBef>
                 <a:spcPts val="0"/>
               </a:spcBef>
@@ -7636,7 +7580,7 @@
             <a:endParaRPr/>
           </a:p>
           <a:p>
-            <a:pPr marL="0" lvl="0" indent="0">
+            <a:pPr indent="0" lvl="0" marL="0">
               <a:spcBef>
                 <a:spcPts val="1600"/>
               </a:spcBef>
@@ -7661,12 +7605,12 @@
 </p:sld>
 </file>
 
-<file path=ppt/slides/slide12.xml><?xml version="1.0" encoding="utf-8"?>
-<p:sld xmlns:a="http://schemas.openxmlformats.org/drawingml/2006/main" xmlns:r="http://schemas.openxmlformats.org/officeDocument/2006/relationships" xmlns:p="http://schemas.openxmlformats.org/presentationml/2006/main">
+<file path=ppt/slides/slide13.xml><?xml version="1.0" encoding="utf-8"?>
+<p:sld xmlns:a="http://schemas.openxmlformats.org/drawingml/2006/main" xmlns:r="http://schemas.openxmlformats.org/officeDocument/2006/relationships" xmlns:mc="http://schemas.openxmlformats.org/markup-compatibility/2006" xmlns:mv="urn:schemas-microsoft-com:mac:vml" xmlns:p="http://schemas.openxmlformats.org/presentationml/2006/main" xmlns:c="http://schemas.openxmlformats.org/drawingml/2006/chart" xmlns:dgm="http://schemas.openxmlformats.org/drawingml/2006/diagram" xmlns:o="urn:schemas-microsoft-com:office:office" xmlns:v="urn:schemas-microsoft-com:vml" xmlns:pvml="urn:schemas-microsoft-com:office:powerpoint" xmlns:com="http://schemas.openxmlformats.org/drawingml/2006/compatibility" xmlns:p14="http://schemas.microsoft.com/office/powerpoint/2010/main" xmlns:p15="http://schemas.microsoft.com/office/powerpoint/2012/main">
   <p:cSld>
     <p:spTree>
       <p:nvGrpSpPr>
-        <p:cNvPr id="1" name="Shape 117"/>
+        <p:cNvPr id="122" name="Shape 122"/>
         <p:cNvGrpSpPr/>
         <p:nvPr/>
       </p:nvGrpSpPr>
@@ -7680,10 +7624,8 @@
       </p:grpSpPr>
       <p:sp>
         <p:nvSpPr>
-          <p:cNvPr id="118" name="Shape 118"/>
-          <p:cNvSpPr txBox="1">
-            <a:spLocks noGrp="1"/>
-          </p:cNvSpPr>
+          <p:cNvPr id="123" name="Shape 123"/>
+          <p:cNvSpPr txBox="1"/>
           <p:nvPr>
             <p:ph type="title"/>
           </p:nvPr>
@@ -7698,12 +7640,12 @@
           </a:prstGeom>
         </p:spPr>
         <p:txBody>
-          <a:bodyPr spcFirstLastPara="1" wrap="square" lIns="91425" tIns="91425" rIns="91425" bIns="91425" anchor="t" anchorCtr="0">
+          <a:bodyPr anchorCtr="0" anchor="t" bIns="91425" lIns="91425" spcFirstLastPara="1" rIns="91425" wrap="square" tIns="91425">
             <a:noAutofit/>
           </a:bodyPr>
           <a:lstStyle/>
           <a:p>
-            <a:pPr marL="0" lvl="0" indent="0">
+            <a:pPr indent="0" lvl="0" marL="0">
               <a:spcBef>
                 <a:spcPts val="0"/>
               </a:spcBef>
@@ -7722,12 +7664,10 @@
       </p:sp>
       <p:sp>
         <p:nvSpPr>
-          <p:cNvPr id="119" name="Shape 119"/>
-          <p:cNvSpPr txBox="1">
-            <a:spLocks noGrp="1"/>
-          </p:cNvSpPr>
+          <p:cNvPr id="124" name="Shape 124"/>
+          <p:cNvSpPr txBox="1"/>
           <p:nvPr>
-            <p:ph type="body" idx="1"/>
+            <p:ph idx="1" type="body"/>
           </p:nvPr>
         </p:nvSpPr>
         <p:spPr>
@@ -7740,12 +7680,12 @@
           </a:prstGeom>
         </p:spPr>
         <p:txBody>
-          <a:bodyPr spcFirstLastPara="1" wrap="square" lIns="91425" tIns="91425" rIns="91425" bIns="91425" anchor="t" anchorCtr="0">
+          <a:bodyPr anchorCtr="0" anchor="t" bIns="91425" lIns="91425" spcFirstLastPara="1" rIns="91425" wrap="square" tIns="91425">
             <a:noAutofit/>
           </a:bodyPr>
           <a:lstStyle/>
           <a:p>
-            <a:pPr marL="457200" lvl="0" indent="-342900" rtl="0">
+            <a:pPr indent="-342900" lvl="0" marL="457200" rtl="0">
               <a:spcBef>
                 <a:spcPts val="0"/>
               </a:spcBef>
@@ -7762,7 +7702,7 @@
             <a:endParaRPr/>
           </a:p>
           <a:p>
-            <a:pPr marL="457200" lvl="0" indent="-342900" rtl="0">
+            <a:pPr indent="-342900" lvl="0" marL="457200" rtl="0">
               <a:spcBef>
                 <a:spcPts val="0"/>
               </a:spcBef>
@@ -7779,7 +7719,7 @@
             <a:endParaRPr/>
           </a:p>
           <a:p>
-            <a:pPr marL="457200" lvl="0" indent="-342900">
+            <a:pPr indent="-342900" lvl="0" marL="457200">
               <a:spcBef>
                 <a:spcPts val="0"/>
               </a:spcBef>
@@ -7805,12 +7745,12 @@
 </p:sld>
 </file>
 
-<file path=ppt/slides/slide13.xml><?xml version="1.0" encoding="utf-8"?>
-<p:sld xmlns:a="http://schemas.openxmlformats.org/drawingml/2006/main" xmlns:r="http://schemas.openxmlformats.org/officeDocument/2006/relationships" xmlns:p="http://schemas.openxmlformats.org/presentationml/2006/main">
+<file path=ppt/slides/slide14.xml><?xml version="1.0" encoding="utf-8"?>
+<p:sld xmlns:a="http://schemas.openxmlformats.org/drawingml/2006/main" xmlns:r="http://schemas.openxmlformats.org/officeDocument/2006/relationships" xmlns:mc="http://schemas.openxmlformats.org/markup-compatibility/2006" xmlns:mv="urn:schemas-microsoft-com:mac:vml" xmlns:p="http://schemas.openxmlformats.org/presentationml/2006/main" xmlns:c="http://schemas.openxmlformats.org/drawingml/2006/chart" xmlns:dgm="http://schemas.openxmlformats.org/drawingml/2006/diagram" xmlns:o="urn:schemas-microsoft-com:office:office" xmlns:v="urn:schemas-microsoft-com:vml" xmlns:pvml="urn:schemas-microsoft-com:office:powerpoint" xmlns:com="http://schemas.openxmlformats.org/drawingml/2006/compatibility" xmlns:p14="http://schemas.microsoft.com/office/powerpoint/2010/main" xmlns:p15="http://schemas.microsoft.com/office/powerpoint/2012/main">
   <p:cSld>
     <p:spTree>
       <p:nvGrpSpPr>
-        <p:cNvPr id="1" name="Shape 123"/>
+        <p:cNvPr id="128" name="Shape 128"/>
         <p:cNvGrpSpPr/>
         <p:nvPr/>
       </p:nvGrpSpPr>
@@ -7824,10 +7764,8 @@
       </p:grpSpPr>
       <p:sp>
         <p:nvSpPr>
-          <p:cNvPr id="124" name="Shape 124"/>
-          <p:cNvSpPr txBox="1">
-            <a:spLocks noGrp="1"/>
-          </p:cNvSpPr>
+          <p:cNvPr id="129" name="Shape 129"/>
+          <p:cNvSpPr txBox="1"/>
           <p:nvPr>
             <p:ph type="title"/>
           </p:nvPr>
@@ -7842,12 +7780,12 @@
           </a:prstGeom>
         </p:spPr>
         <p:txBody>
-          <a:bodyPr spcFirstLastPara="1" wrap="square" lIns="91425" tIns="91425" rIns="91425" bIns="91425" anchor="t" anchorCtr="0">
+          <a:bodyPr anchorCtr="0" anchor="t" bIns="91425" lIns="91425" spcFirstLastPara="1" rIns="91425" wrap="square" tIns="91425">
             <a:noAutofit/>
           </a:bodyPr>
           <a:lstStyle/>
           <a:p>
-            <a:pPr marL="0" lvl="0" indent="0">
+            <a:pPr indent="0" lvl="0" marL="0">
               <a:spcBef>
                 <a:spcPts val="0"/>
               </a:spcBef>
@@ -7866,12 +7804,10 @@
       </p:sp>
       <p:sp>
         <p:nvSpPr>
-          <p:cNvPr id="125" name="Shape 125"/>
-          <p:cNvSpPr txBox="1">
-            <a:spLocks noGrp="1"/>
-          </p:cNvSpPr>
+          <p:cNvPr id="130" name="Shape 130"/>
+          <p:cNvSpPr txBox="1"/>
           <p:nvPr>
-            <p:ph type="body" idx="1"/>
+            <p:ph idx="1" type="body"/>
           </p:nvPr>
         </p:nvSpPr>
         <p:spPr>
@@ -7884,12 +7820,12 @@
           </a:prstGeom>
         </p:spPr>
         <p:txBody>
-          <a:bodyPr spcFirstLastPara="1" wrap="square" lIns="91425" tIns="91425" rIns="91425" bIns="91425" anchor="t" anchorCtr="0">
+          <a:bodyPr anchorCtr="0" anchor="t" bIns="91425" lIns="91425" spcFirstLastPara="1" rIns="91425" wrap="square" tIns="91425">
             <a:noAutofit/>
           </a:bodyPr>
           <a:lstStyle/>
           <a:p>
-            <a:pPr marL="457200" lvl="0" indent="-342900" rtl="0">
+            <a:pPr indent="-342900" lvl="0" marL="457200" rtl="0">
               <a:spcBef>
                 <a:spcPts val="0"/>
               </a:spcBef>
@@ -7900,7 +7836,7 @@
               <a:buChar char="●"/>
             </a:pPr>
             <a:r>
-              <a:rPr lang="en" b="1"/>
+              <a:rPr b="1" lang="en"/>
               <a:t>Install PHP xDebug</a:t>
             </a:r>
             <a:r>
@@ -7910,7 +7846,7 @@
             <a:endParaRPr/>
           </a:p>
           <a:p>
-            <a:pPr marL="457200" lvl="0" indent="-342900" rtl="0">
+            <a:pPr indent="-342900" lvl="0" marL="457200" rtl="0">
               <a:spcBef>
                 <a:spcPts val="0"/>
               </a:spcBef>
@@ -7927,7 +7863,7 @@
             <a:endParaRPr/>
           </a:p>
           <a:p>
-            <a:pPr marL="457200" lvl="0" indent="-342900" rtl="0">
+            <a:pPr indent="-342900" lvl="0" marL="457200" rtl="0">
               <a:spcBef>
                 <a:spcPts val="0"/>
               </a:spcBef>
@@ -7944,7 +7880,7 @@
             <a:endParaRPr/>
           </a:p>
           <a:p>
-            <a:pPr marL="457200" lvl="0" indent="-342900">
+            <a:pPr indent="-342900" lvl="0" marL="457200">
               <a:spcBef>
                 <a:spcPts val="0"/>
               </a:spcBef>
@@ -7970,12 +7906,12 @@
 </p:sld>
 </file>
 
-<file path=ppt/slides/slide14.xml><?xml version="1.0" encoding="utf-8"?>
-<p:sld xmlns:a="http://schemas.openxmlformats.org/drawingml/2006/main" xmlns:r="http://schemas.openxmlformats.org/officeDocument/2006/relationships" xmlns:p="http://schemas.openxmlformats.org/presentationml/2006/main">
+<file path=ppt/slides/slide15.xml><?xml version="1.0" encoding="utf-8"?>
+<p:sld xmlns:a="http://schemas.openxmlformats.org/drawingml/2006/main" xmlns:r="http://schemas.openxmlformats.org/officeDocument/2006/relationships" xmlns:mc="http://schemas.openxmlformats.org/markup-compatibility/2006" xmlns:mv="urn:schemas-microsoft-com:mac:vml" xmlns:p="http://schemas.openxmlformats.org/presentationml/2006/main" xmlns:c="http://schemas.openxmlformats.org/drawingml/2006/chart" xmlns:dgm="http://schemas.openxmlformats.org/drawingml/2006/diagram" xmlns:o="urn:schemas-microsoft-com:office:office" xmlns:v="urn:schemas-microsoft-com:vml" xmlns:pvml="urn:schemas-microsoft-com:office:powerpoint" xmlns:com="http://schemas.openxmlformats.org/drawingml/2006/compatibility" xmlns:p14="http://schemas.microsoft.com/office/powerpoint/2010/main" xmlns:p15="http://schemas.microsoft.com/office/powerpoint/2012/main">
   <p:cSld>
     <p:spTree>
       <p:nvGrpSpPr>
-        <p:cNvPr id="1" name="Shape 129"/>
+        <p:cNvPr id="134" name="Shape 134"/>
         <p:cNvGrpSpPr/>
         <p:nvPr/>
       </p:nvGrpSpPr>
@@ -7989,10 +7925,8 @@
       </p:grpSpPr>
       <p:sp>
         <p:nvSpPr>
-          <p:cNvPr id="130" name="Shape 130"/>
-          <p:cNvSpPr txBox="1">
-            <a:spLocks noGrp="1"/>
-          </p:cNvSpPr>
+          <p:cNvPr id="135" name="Shape 135"/>
+          <p:cNvSpPr txBox="1"/>
           <p:nvPr>
             <p:ph type="title"/>
           </p:nvPr>
@@ -8007,12 +7941,12 @@
           </a:prstGeom>
         </p:spPr>
         <p:txBody>
-          <a:bodyPr spcFirstLastPara="1" wrap="square" lIns="91425" tIns="91425" rIns="91425" bIns="91425" anchor="t" anchorCtr="0">
+          <a:bodyPr anchorCtr="0" anchor="t" bIns="91425" lIns="91425" spcFirstLastPara="1" rIns="91425" wrap="square" tIns="91425">
             <a:noAutofit/>
           </a:bodyPr>
           <a:lstStyle/>
           <a:p>
-            <a:pPr marL="0" lvl="0" indent="0">
+            <a:pPr indent="0" lvl="0" marL="0">
               <a:spcBef>
                 <a:spcPts val="0"/>
               </a:spcBef>
@@ -8031,12 +7965,10 @@
       </p:sp>
       <p:sp>
         <p:nvSpPr>
-          <p:cNvPr id="131" name="Shape 131"/>
-          <p:cNvSpPr txBox="1">
-            <a:spLocks noGrp="1"/>
-          </p:cNvSpPr>
+          <p:cNvPr id="136" name="Shape 136"/>
+          <p:cNvSpPr txBox="1"/>
           <p:nvPr>
-            <p:ph type="body" idx="1"/>
+            <p:ph idx="1" type="body"/>
           </p:nvPr>
         </p:nvSpPr>
         <p:spPr>
@@ -8049,12 +7981,12 @@
           </a:prstGeom>
         </p:spPr>
         <p:txBody>
-          <a:bodyPr spcFirstLastPara="1" wrap="square" lIns="91425" tIns="91425" rIns="91425" bIns="91425" anchor="t" anchorCtr="0">
+          <a:bodyPr anchorCtr="0" anchor="t" bIns="91425" lIns="91425" spcFirstLastPara="1" rIns="91425" wrap="square" tIns="91425">
             <a:noAutofit/>
           </a:bodyPr>
           <a:lstStyle/>
           <a:p>
-            <a:pPr marL="457200" lvl="0" indent="-342900" rtl="0">
+            <a:pPr indent="-342900" lvl="0" marL="457200" rtl="0">
               <a:spcBef>
                 <a:spcPts val="0"/>
               </a:spcBef>
@@ -8071,7 +8003,7 @@
             <a:endParaRPr/>
           </a:p>
           <a:p>
-            <a:pPr marL="457200" lvl="0" indent="-342900" rtl="0">
+            <a:pPr indent="-342900" lvl="0" marL="457200" rtl="0">
               <a:spcBef>
                 <a:spcPts val="0"/>
               </a:spcBef>
@@ -8088,7 +8020,7 @@
             <a:endParaRPr/>
           </a:p>
           <a:p>
-            <a:pPr marL="457200" lvl="0" indent="-342900">
+            <a:pPr indent="-342900" lvl="0" marL="457200">
               <a:spcBef>
                 <a:spcPts val="0"/>
               </a:spcBef>
@@ -8115,11 +8047,11 @@
 </file>
 
 <file path=ppt/slides/slide2.xml><?xml version="1.0" encoding="utf-8"?>
-<p:sld xmlns:a="http://schemas.openxmlformats.org/drawingml/2006/main" xmlns:r="http://schemas.openxmlformats.org/officeDocument/2006/relationships" xmlns:p="http://schemas.openxmlformats.org/presentationml/2006/main">
+<p:sld xmlns:a="http://schemas.openxmlformats.org/drawingml/2006/main" xmlns:r="http://schemas.openxmlformats.org/officeDocument/2006/relationships" xmlns:mc="http://schemas.openxmlformats.org/markup-compatibility/2006" xmlns:mv="urn:schemas-microsoft-com:mac:vml" xmlns:p="http://schemas.openxmlformats.org/presentationml/2006/main" xmlns:c="http://schemas.openxmlformats.org/drawingml/2006/chart" xmlns:dgm="http://schemas.openxmlformats.org/drawingml/2006/diagram" xmlns:o="urn:schemas-microsoft-com:office:office" xmlns:v="urn:schemas-microsoft-com:vml" xmlns:pvml="urn:schemas-microsoft-com:office:powerpoint" xmlns:com="http://schemas.openxmlformats.org/drawingml/2006/compatibility" xmlns:p14="http://schemas.microsoft.com/office/powerpoint/2010/main" xmlns:p15="http://schemas.microsoft.com/office/powerpoint/2012/main">
   <p:cSld>
     <p:spTree>
       <p:nvGrpSpPr>
-        <p:cNvPr id="1" name="Shape 59"/>
+        <p:cNvPr id="59" name="Shape 59"/>
         <p:cNvGrpSpPr/>
         <p:nvPr/>
       </p:nvGrpSpPr>
@@ -8134,9 +8066,7 @@
       <p:sp>
         <p:nvSpPr>
           <p:cNvPr id="60" name="Shape 60"/>
-          <p:cNvSpPr txBox="1">
-            <a:spLocks noGrp="1"/>
-          </p:cNvSpPr>
+          <p:cNvSpPr txBox="1"/>
           <p:nvPr>
             <p:ph type="title"/>
           </p:nvPr>
@@ -8151,12 +8081,12 @@
           </a:prstGeom>
         </p:spPr>
         <p:txBody>
-          <a:bodyPr spcFirstLastPara="1" wrap="square" lIns="91425" tIns="91425" rIns="91425" bIns="91425" anchor="t" anchorCtr="0">
+          <a:bodyPr anchorCtr="0" anchor="t" bIns="91425" lIns="91425" spcFirstLastPara="1" rIns="91425" wrap="square" tIns="91425">
             <a:noAutofit/>
           </a:bodyPr>
           <a:lstStyle/>
           <a:p>
-            <a:pPr marL="0" lvl="0" indent="0">
+            <a:pPr indent="0" lvl="0" marL="0">
               <a:spcBef>
                 <a:spcPts val="0"/>
               </a:spcBef>
@@ -8176,11 +8106,9 @@
       <p:sp>
         <p:nvSpPr>
           <p:cNvPr id="61" name="Shape 61"/>
-          <p:cNvSpPr txBox="1">
-            <a:spLocks noGrp="1"/>
-          </p:cNvSpPr>
+          <p:cNvSpPr txBox="1"/>
           <p:nvPr>
-            <p:ph type="body" idx="1"/>
+            <p:ph idx="1" type="body"/>
           </p:nvPr>
         </p:nvSpPr>
         <p:spPr>
@@ -8193,12 +8121,12 @@
           </a:prstGeom>
         </p:spPr>
         <p:txBody>
-          <a:bodyPr spcFirstLastPara="1" wrap="square" lIns="91425" tIns="91425" rIns="91425" bIns="91425" anchor="t" anchorCtr="0">
+          <a:bodyPr anchorCtr="0" anchor="t" bIns="91425" lIns="91425" spcFirstLastPara="1" rIns="91425" wrap="square" tIns="91425">
             <a:noAutofit/>
           </a:bodyPr>
           <a:lstStyle/>
           <a:p>
-            <a:pPr marL="457200" lvl="0" indent="-342900" rtl="0">
+            <a:pPr indent="-342900" lvl="0" marL="457200" rtl="0">
               <a:spcBef>
                 <a:spcPts val="0"/>
               </a:spcBef>
@@ -8215,7 +8143,7 @@
             <a:endParaRPr/>
           </a:p>
           <a:p>
-            <a:pPr marL="914400" lvl="1" indent="-317500" rtl="0">
+            <a:pPr indent="-317500" lvl="1" marL="914400" rtl="0">
               <a:spcBef>
                 <a:spcPts val="0"/>
               </a:spcBef>
@@ -8232,7 +8160,7 @@
             <a:endParaRPr/>
           </a:p>
           <a:p>
-            <a:pPr marL="914400" lvl="1" indent="-317500" rtl="0">
+            <a:pPr indent="-317500" lvl="1" marL="914400" rtl="0">
               <a:spcBef>
                 <a:spcPts val="0"/>
               </a:spcBef>
@@ -8249,7 +8177,7 @@
             <a:endParaRPr/>
           </a:p>
           <a:p>
-            <a:pPr marL="914400" lvl="1" indent="-317500" rtl="0">
+            <a:pPr indent="-317500" lvl="1" marL="914400" rtl="0">
               <a:spcBef>
                 <a:spcPts val="0"/>
               </a:spcBef>
@@ -8266,7 +8194,7 @@
             <a:endParaRPr/>
           </a:p>
           <a:p>
-            <a:pPr marL="914400" lvl="1" indent="-317500" rtl="0">
+            <a:pPr indent="-317500" lvl="1" marL="914400" rtl="0">
               <a:spcBef>
                 <a:spcPts val="0"/>
               </a:spcBef>
@@ -8283,7 +8211,7 @@
             <a:endParaRPr/>
           </a:p>
           <a:p>
-            <a:pPr marL="914400" lvl="1" indent="-317500" rtl="0">
+            <a:pPr indent="-317500" lvl="1" marL="914400" rtl="0">
               <a:spcBef>
                 <a:spcPts val="0"/>
               </a:spcBef>
@@ -8300,7 +8228,7 @@
             <a:endParaRPr/>
           </a:p>
           <a:p>
-            <a:pPr marL="457200" lvl="0" indent="-342900" rtl="0">
+            <a:pPr indent="-342900" lvl="0" marL="457200" rtl="0">
               <a:spcBef>
                 <a:spcPts val="0"/>
               </a:spcBef>
@@ -8317,7 +8245,7 @@
             <a:endParaRPr/>
           </a:p>
           <a:p>
-            <a:pPr marL="914400" lvl="1" indent="-317500" rtl="0">
+            <a:pPr indent="-317500" lvl="1" marL="914400" rtl="0">
               <a:spcBef>
                 <a:spcPts val="0"/>
               </a:spcBef>
@@ -8344,11 +8272,11 @@
 </file>
 
 <file path=ppt/slides/slide3.xml><?xml version="1.0" encoding="utf-8"?>
-<p:sld xmlns:a="http://schemas.openxmlformats.org/drawingml/2006/main" xmlns:r="http://schemas.openxmlformats.org/officeDocument/2006/relationships" xmlns:p="http://schemas.openxmlformats.org/presentationml/2006/main">
+<p:sld xmlns:a="http://schemas.openxmlformats.org/drawingml/2006/main" xmlns:r="http://schemas.openxmlformats.org/officeDocument/2006/relationships" xmlns:mc="http://schemas.openxmlformats.org/markup-compatibility/2006" xmlns:mv="urn:schemas-microsoft-com:mac:vml" xmlns:p="http://schemas.openxmlformats.org/presentationml/2006/main" xmlns:c="http://schemas.openxmlformats.org/drawingml/2006/chart" xmlns:dgm="http://schemas.openxmlformats.org/drawingml/2006/diagram" xmlns:o="urn:schemas-microsoft-com:office:office" xmlns:v="urn:schemas-microsoft-com:vml" xmlns:pvml="urn:schemas-microsoft-com:office:powerpoint" xmlns:com="http://schemas.openxmlformats.org/drawingml/2006/compatibility" xmlns:p14="http://schemas.microsoft.com/office/powerpoint/2010/main" xmlns:p15="http://schemas.microsoft.com/office/powerpoint/2012/main">
   <p:cSld>
     <p:spTree>
       <p:nvGrpSpPr>
-        <p:cNvPr id="1" name="Shape 65"/>
+        <p:cNvPr id="65" name="Shape 65"/>
         <p:cNvGrpSpPr/>
         <p:nvPr/>
       </p:nvGrpSpPr>
@@ -8363,9 +8291,7 @@
       <p:sp>
         <p:nvSpPr>
           <p:cNvPr id="66" name="Shape 66"/>
-          <p:cNvSpPr txBox="1">
-            <a:spLocks noGrp="1"/>
-          </p:cNvSpPr>
+          <p:cNvSpPr txBox="1"/>
           <p:nvPr>
             <p:ph type="title"/>
           </p:nvPr>
@@ -8380,12 +8306,12 @@
           </a:prstGeom>
         </p:spPr>
         <p:txBody>
-          <a:bodyPr spcFirstLastPara="1" wrap="square" lIns="91425" tIns="91425" rIns="91425" bIns="91425" anchor="t" anchorCtr="0">
+          <a:bodyPr anchorCtr="0" anchor="t" bIns="91425" lIns="91425" spcFirstLastPara="1" rIns="91425" wrap="square" tIns="91425">
             <a:noAutofit/>
           </a:bodyPr>
           <a:lstStyle/>
           <a:p>
-            <a:pPr marL="0" lvl="0" indent="0">
+            <a:pPr indent="0" lvl="0" marL="0">
               <a:spcBef>
                 <a:spcPts val="0"/>
               </a:spcBef>
@@ -8405,11 +8331,9 @@
       <p:sp>
         <p:nvSpPr>
           <p:cNvPr id="67" name="Shape 67"/>
-          <p:cNvSpPr txBox="1">
-            <a:spLocks noGrp="1"/>
-          </p:cNvSpPr>
+          <p:cNvSpPr txBox="1"/>
           <p:nvPr>
-            <p:ph type="body" idx="1"/>
+            <p:ph idx="1" type="body"/>
           </p:nvPr>
         </p:nvSpPr>
         <p:spPr>
@@ -8422,12 +8346,12 @@
           </a:prstGeom>
         </p:spPr>
         <p:txBody>
-          <a:bodyPr spcFirstLastPara="1" wrap="square" lIns="91425" tIns="91425" rIns="91425" bIns="91425" anchor="t" anchorCtr="0">
+          <a:bodyPr anchorCtr="0" anchor="t" bIns="91425" lIns="91425" spcFirstLastPara="1" rIns="91425" wrap="square" tIns="91425">
             <a:noAutofit/>
           </a:bodyPr>
           <a:lstStyle/>
           <a:p>
-            <a:pPr marL="457200" lvl="0" indent="-342900" rtl="0">
+            <a:pPr indent="-342900" lvl="0" marL="457200" rtl="0">
               <a:spcBef>
                 <a:spcPts val="0"/>
               </a:spcBef>
@@ -8444,7 +8368,7 @@
             <a:endParaRPr/>
           </a:p>
           <a:p>
-            <a:pPr marL="914400" lvl="1" indent="-317500" rtl="0">
+            <a:pPr indent="-317500" lvl="1" marL="914400" rtl="0">
               <a:spcBef>
                 <a:spcPts val="0"/>
               </a:spcBef>
@@ -8461,7 +8385,7 @@
             <a:endParaRPr/>
           </a:p>
           <a:p>
-            <a:pPr marL="914400" lvl="1" indent="-317500" rtl="0">
+            <a:pPr indent="-317500" lvl="1" marL="914400" rtl="0">
               <a:spcBef>
                 <a:spcPts val="0"/>
               </a:spcBef>
@@ -8478,7 +8402,7 @@
             <a:endParaRPr/>
           </a:p>
           <a:p>
-            <a:pPr marL="1371600" lvl="2" indent="-317500" rtl="0">
+            <a:pPr indent="-317500" lvl="2" marL="1371600" rtl="0">
               <a:spcBef>
                 <a:spcPts val="0"/>
               </a:spcBef>
@@ -8495,7 +8419,7 @@
             <a:endParaRPr/>
           </a:p>
           <a:p>
-            <a:pPr marL="1371600" lvl="2" indent="-317500" rtl="0">
+            <a:pPr indent="-317500" lvl="2" marL="1371600" rtl="0">
               <a:spcBef>
                 <a:spcPts val="0"/>
               </a:spcBef>
@@ -8512,7 +8436,7 @@
             <a:endParaRPr/>
           </a:p>
           <a:p>
-            <a:pPr marL="457200" lvl="0" indent="-342900" rtl="0">
+            <a:pPr indent="-342900" lvl="0" marL="457200" rtl="0">
               <a:spcBef>
                 <a:spcPts val="0"/>
               </a:spcBef>
@@ -8529,7 +8453,7 @@
             <a:endParaRPr/>
           </a:p>
           <a:p>
-            <a:pPr marL="914400" lvl="1" indent="-317500" rtl="0">
+            <a:pPr indent="-317500" lvl="1" marL="914400" rtl="0">
               <a:spcBef>
                 <a:spcPts val="0"/>
               </a:spcBef>
@@ -8546,7 +8470,7 @@
             <a:endParaRPr/>
           </a:p>
           <a:p>
-            <a:pPr marL="457200" lvl="0" indent="-342900" rtl="0">
+            <a:pPr indent="-342900" lvl="0" marL="457200" rtl="0">
               <a:spcBef>
                 <a:spcPts val="0"/>
               </a:spcBef>
@@ -8563,7 +8487,7 @@
             <a:endParaRPr/>
           </a:p>
           <a:p>
-            <a:pPr marL="457200" lvl="0" indent="-342900" rtl="0">
+            <a:pPr indent="-342900" lvl="0" marL="457200" rtl="0">
               <a:spcBef>
                 <a:spcPts val="0"/>
               </a:spcBef>
@@ -8580,7 +8504,7 @@
             <a:endParaRPr/>
           </a:p>
           <a:p>
-            <a:pPr marL="457200" lvl="0" indent="-342900" rtl="0">
+            <a:pPr indent="-342900" lvl="0" marL="457200" rtl="0">
               <a:spcBef>
                 <a:spcPts val="0"/>
               </a:spcBef>
@@ -8597,7 +8521,7 @@
             <a:endParaRPr/>
           </a:p>
           <a:p>
-            <a:pPr marL="914400" lvl="1" indent="-317500" rtl="0">
+            <a:pPr indent="-317500" lvl="1" marL="914400" rtl="0">
               <a:spcBef>
                 <a:spcPts val="0"/>
               </a:spcBef>
@@ -8614,7 +8538,7 @@
             <a:endParaRPr/>
           </a:p>
           <a:p>
-            <a:pPr marL="0" lvl="0" indent="0">
+            <a:pPr indent="0" lvl="0" marL="0">
               <a:spcBef>
                 <a:spcPts val="1600"/>
               </a:spcBef>
@@ -8623,6 +8547,9 @@
               </a:spcAft>
               <a:buNone/>
             </a:pPr>
+            <a:r>
+              <a:t/>
+            </a:r>
             <a:endParaRPr/>
           </a:p>
         </p:txBody>
@@ -8636,11 +8563,11 @@
 </file>
 
 <file path=ppt/slides/slide4.xml><?xml version="1.0" encoding="utf-8"?>
-<p:sld xmlns:a="http://schemas.openxmlformats.org/drawingml/2006/main" xmlns:r="http://schemas.openxmlformats.org/officeDocument/2006/relationships" xmlns:p="http://schemas.openxmlformats.org/presentationml/2006/main">
+<p:sld xmlns:a="http://schemas.openxmlformats.org/drawingml/2006/main" xmlns:r="http://schemas.openxmlformats.org/officeDocument/2006/relationships" xmlns:mc="http://schemas.openxmlformats.org/markup-compatibility/2006" xmlns:mv="urn:schemas-microsoft-com:mac:vml" xmlns:p="http://schemas.openxmlformats.org/presentationml/2006/main" xmlns:c="http://schemas.openxmlformats.org/drawingml/2006/chart" xmlns:dgm="http://schemas.openxmlformats.org/drawingml/2006/diagram" xmlns:o="urn:schemas-microsoft-com:office:office" xmlns:v="urn:schemas-microsoft-com:vml" xmlns:pvml="urn:schemas-microsoft-com:office:powerpoint" xmlns:com="http://schemas.openxmlformats.org/drawingml/2006/compatibility" xmlns:p14="http://schemas.microsoft.com/office/powerpoint/2010/main" xmlns:p15="http://schemas.microsoft.com/office/powerpoint/2012/main">
   <p:cSld>
     <p:spTree>
       <p:nvGrpSpPr>
-        <p:cNvPr id="1" name="Shape 71"/>
+        <p:cNvPr id="71" name="Shape 71"/>
         <p:cNvGrpSpPr/>
         <p:nvPr/>
       </p:nvGrpSpPr>
@@ -8672,12 +8599,12 @@
           </a:ln>
         </p:spPr>
         <p:txBody>
-          <a:bodyPr spcFirstLastPara="1" wrap="square" lIns="91425" tIns="91425" rIns="91425" bIns="91425" anchor="t" anchorCtr="0">
+          <a:bodyPr anchorCtr="0" anchor="t" bIns="91425" lIns="91425" spcFirstLastPara="1" rIns="91425" wrap="square" tIns="91425">
             <a:noAutofit/>
           </a:bodyPr>
           <a:lstStyle/>
           <a:p>
-            <a:pPr marL="0" lvl="0" indent="0" rtl="0">
+            <a:pPr indent="0" lvl="0" marL="0" rtl="0">
               <a:spcBef>
                 <a:spcPts val="0"/>
               </a:spcBef>
@@ -8693,7 +8620,7 @@
             <a:endParaRPr/>
           </a:p>
           <a:p>
-            <a:pPr marL="0" lvl="0" indent="0" rtl="0">
+            <a:pPr indent="0" lvl="0" marL="0" rtl="0">
               <a:spcBef>
                 <a:spcPts val="0"/>
               </a:spcBef>
@@ -8709,7 +8636,7 @@
             <a:endParaRPr/>
           </a:p>
           <a:p>
-            <a:pPr marL="0" lvl="0" indent="0" rtl="0">
+            <a:pPr indent="0" lvl="0" marL="0" rtl="0">
               <a:spcBef>
                 <a:spcPts val="0"/>
               </a:spcBef>
@@ -8737,7 +8664,7 @@
             <a:endParaRPr/>
           </a:p>
           <a:p>
-            <a:pPr marL="0" lvl="0" indent="0">
+            <a:pPr indent="0" lvl="0" marL="0">
               <a:spcBef>
                 <a:spcPts val="0"/>
               </a:spcBef>
@@ -8753,19 +8680,22 @@
             <a:endParaRPr/>
           </a:p>
           <a:p>
-            <a:pPr marL="0" lvl="0" indent="0">
-              <a:spcBef>
-                <a:spcPts val="0"/>
-              </a:spcBef>
-              <a:spcAft>
-                <a:spcPts val="0"/>
-              </a:spcAft>
-              <a:buNone/>
-            </a:pPr>
-            <a:endParaRPr/>
-          </a:p>
-          <a:p>
-            <a:pPr marL="0" lvl="0" indent="0">
+            <a:pPr indent="0" lvl="0" marL="0">
+              <a:spcBef>
+                <a:spcPts val="0"/>
+              </a:spcBef>
+              <a:spcAft>
+                <a:spcPts val="0"/>
+              </a:spcAft>
+              <a:buNone/>
+            </a:pPr>
+            <a:r>
+              <a:t/>
+            </a:r>
+            <a:endParaRPr/>
+          </a:p>
+          <a:p>
+            <a:pPr indent="0" lvl="0" marL="0">
               <a:spcBef>
                 <a:spcPts val="0"/>
               </a:spcBef>
@@ -8797,19 +8727,22 @@
             <a:endParaRPr/>
           </a:p>
           <a:p>
-            <a:pPr marL="0" lvl="0" indent="0" rtl="0">
-              <a:spcBef>
-                <a:spcPts val="0"/>
-              </a:spcBef>
-              <a:spcAft>
-                <a:spcPts val="0"/>
-              </a:spcAft>
-              <a:buNone/>
-            </a:pPr>
-            <a:endParaRPr/>
-          </a:p>
-          <a:p>
-            <a:pPr marL="457200" lvl="0" indent="-317500" rtl="0">
+            <a:pPr indent="0" lvl="0" marL="0" rtl="0">
+              <a:spcBef>
+                <a:spcPts val="0"/>
+              </a:spcBef>
+              <a:spcAft>
+                <a:spcPts val="0"/>
+              </a:spcAft>
+              <a:buNone/>
+            </a:pPr>
+            <a:r>
+              <a:t/>
+            </a:r>
+            <a:endParaRPr/>
+          </a:p>
+          <a:p>
+            <a:pPr indent="-317500" lvl="0" marL="457200" rtl="0">
               <a:spcBef>
                 <a:spcPts val="0"/>
               </a:spcBef>
@@ -8846,7 +8779,7 @@
             </a:endParaRPr>
           </a:p>
           <a:p>
-            <a:pPr marL="457200" lvl="0" indent="-317500" rtl="0">
+            <a:pPr indent="-317500" lvl="0" marL="457200" rtl="0">
               <a:spcBef>
                 <a:spcPts val="0"/>
               </a:spcBef>
@@ -8870,12 +8803,16 @@
             </a:r>
             <a:r>
               <a:rPr lang="en"/>
-              <a:t>It copies all the files in the Moodle instance to a temporary folder on the MBackup server. It also creates a new folder with the version of the Moodle PHP code that was running that day.</a:t>
-            </a:r>
-            <a:endParaRPr/>
-          </a:p>
-          <a:p>
-            <a:pPr marL="457200" lvl="0" indent="-317500" rtl="0">
+              <a:t>It</a:t>
+            </a:r>
+            <a:r>
+              <a:rPr lang="en"/>
+              <a:t> copies all the files in the Moodle instance to a temporary folder on the MBackup server. It also creates a new folder with the version of the Moodle PHP code that was running that day.</a:t>
+            </a:r>
+            <a:endParaRPr/>
+          </a:p>
+          <a:p>
+            <a:pPr indent="-317500" lvl="0" marL="457200" rtl="0">
               <a:spcBef>
                 <a:spcPts val="0"/>
               </a:spcBef>
@@ -8902,11 +8839,11 @@
 </file>
 
 <file path=ppt/slides/slide5.xml><?xml version="1.0" encoding="utf-8"?>
-<p:sld xmlns:a="http://schemas.openxmlformats.org/drawingml/2006/main" xmlns:r="http://schemas.openxmlformats.org/officeDocument/2006/relationships" xmlns:p="http://schemas.openxmlformats.org/presentationml/2006/main">
+<p:sld xmlns:a="http://schemas.openxmlformats.org/drawingml/2006/main" xmlns:r="http://schemas.openxmlformats.org/officeDocument/2006/relationships" xmlns:mc="http://schemas.openxmlformats.org/markup-compatibility/2006" xmlns:mv="urn:schemas-microsoft-com:mac:vml" xmlns:p="http://schemas.openxmlformats.org/presentationml/2006/main" xmlns:c="http://schemas.openxmlformats.org/drawingml/2006/chart" xmlns:dgm="http://schemas.openxmlformats.org/drawingml/2006/diagram" xmlns:o="urn:schemas-microsoft-com:office:office" xmlns:v="urn:schemas-microsoft-com:vml" xmlns:pvml="urn:schemas-microsoft-com:office:powerpoint" xmlns:com="http://schemas.openxmlformats.org/drawingml/2006/compatibility" xmlns:p14="http://schemas.microsoft.com/office/powerpoint/2010/main" xmlns:p15="http://schemas.microsoft.com/office/powerpoint/2012/main">
   <p:cSld>
     <p:spTree>
       <p:nvGrpSpPr>
-        <p:cNvPr id="1" name="Shape 76"/>
+        <p:cNvPr id="76" name="Shape 76"/>
         <p:cNvGrpSpPr/>
         <p:nvPr/>
       </p:nvGrpSpPr>
@@ -8938,12 +8875,12 @@
           </a:ln>
         </p:spPr>
         <p:txBody>
-          <a:bodyPr spcFirstLastPara="1" wrap="square" lIns="91425" tIns="91425" rIns="91425" bIns="91425" anchor="t" anchorCtr="0">
+          <a:bodyPr anchorCtr="0" anchor="t" bIns="91425" lIns="91425" spcFirstLastPara="1" rIns="91425" wrap="square" tIns="91425">
             <a:noAutofit/>
           </a:bodyPr>
           <a:lstStyle/>
           <a:p>
-            <a:pPr marL="0" lvl="0" indent="0">
+            <a:pPr indent="0" lvl="0" marL="0">
               <a:spcBef>
                 <a:spcPts val="0"/>
               </a:spcBef>
@@ -8959,7 +8896,7 @@
             <a:endParaRPr/>
           </a:p>
           <a:p>
-            <a:pPr marL="457200" lvl="0" indent="-317500" rtl="0">
+            <a:pPr indent="-317500" lvl="0" marL="457200" rtl="0">
               <a:spcBef>
                 <a:spcPts val="0"/>
               </a:spcBef>
@@ -8971,7 +8908,11 @@
             </a:pPr>
             <a:r>
               <a:rPr lang="en"/>
-              <a:t>Rsync the production (replicant) file repository to a temporary local folder (</a:t>
+              <a:t>R</a:t>
+            </a:r>
+            <a:r>
+              <a:rPr lang="en"/>
+              <a:t>sync the production (replicant) file repository to a temporary local folder (</a:t>
             </a:r>
             <a:r>
               <a:rPr lang="en">
@@ -8988,7 +8929,7 @@
             <a:endParaRPr/>
           </a:p>
           <a:p>
-            <a:pPr marL="457200" lvl="0" indent="-317500" rtl="0">
+            <a:pPr indent="-317500" lvl="0" marL="457200" rtl="0">
               <a:spcBef>
                 <a:spcPts val="0"/>
               </a:spcBef>
@@ -9005,7 +8946,7 @@
             <a:endParaRPr/>
           </a:p>
           <a:p>
-            <a:pPr marL="457200" lvl="0" indent="-317500" rtl="0">
+            <a:pPr indent="-317500" lvl="0" marL="457200" rtl="0">
               <a:spcBef>
                 <a:spcPts val="0"/>
               </a:spcBef>
@@ -9022,7 +8963,7 @@
             <a:endParaRPr/>
           </a:p>
           <a:p>
-            <a:pPr marL="457200" lvl="0" indent="-317500" rtl="0">
+            <a:pPr indent="-317500" lvl="0" marL="457200" rtl="0">
               <a:spcBef>
                 <a:spcPts val="0"/>
               </a:spcBef>
@@ -9051,7 +8992,7 @@
             <a:endParaRPr/>
           </a:p>
           <a:p>
-            <a:pPr marL="457200" lvl="0" indent="-317500" rtl="0">
+            <a:pPr indent="-317500" lvl="0" marL="457200" rtl="0">
               <a:spcBef>
                 <a:spcPts val="0"/>
               </a:spcBef>
@@ -9080,7 +9021,7 @@
             </a:endParaRPr>
           </a:p>
           <a:p>
-            <a:pPr marL="457200" lvl="0" indent="-317500" rtl="0">
+            <a:pPr indent="-317500" lvl="0" marL="457200" rtl="0">
               <a:spcBef>
                 <a:spcPts val="0"/>
               </a:spcBef>
@@ -9108,7 +9049,7 @@
             </a:endParaRPr>
           </a:p>
           <a:p>
-            <a:pPr marL="457200" lvl="0" indent="-317500" rtl="0">
+            <a:pPr indent="-317500" lvl="0" marL="457200" rtl="0">
               <a:spcBef>
                 <a:spcPts val="0"/>
               </a:spcBef>
@@ -9136,7 +9077,7 @@
             </a:endParaRPr>
           </a:p>
           <a:p>
-            <a:pPr marL="457200" lvl="0" indent="-317500" rtl="0">
+            <a:pPr indent="-317500" lvl="0" marL="457200" rtl="0">
               <a:spcBef>
                 <a:spcPts val="0"/>
               </a:spcBef>
@@ -9164,15 +9105,18 @@
             </a:endParaRPr>
           </a:p>
           <a:p>
-            <a:pPr marL="0" lvl="0" indent="0" rtl="0">
-              <a:spcBef>
-                <a:spcPts val="0"/>
-              </a:spcBef>
-              <a:spcAft>
-                <a:spcPts val="0"/>
-              </a:spcAft>
-              <a:buNone/>
-            </a:pPr>
+            <a:pPr indent="0" lvl="0" marL="0" rtl="0">
+              <a:spcBef>
+                <a:spcPts val="0"/>
+              </a:spcBef>
+              <a:spcAft>
+                <a:spcPts val="0"/>
+              </a:spcAft>
+              <a:buNone/>
+            </a:pPr>
+            <a:r>
+              <a:t/>
+            </a:r>
             <a:endParaRPr>
               <a:solidFill>
                 <a:schemeClr val="dk1"/>
@@ -9180,7 +9124,7 @@
             </a:endParaRPr>
           </a:p>
           <a:p>
-            <a:pPr marL="0" lvl="0" indent="0">
+            <a:pPr indent="0" lvl="0" marL="0">
               <a:spcBef>
                 <a:spcPts val="0"/>
               </a:spcBef>
@@ -9196,7 +9140,7 @@
             <a:endParaRPr/>
           </a:p>
           <a:p>
-            <a:pPr marL="457200" lvl="0" indent="-317500" rtl="0">
+            <a:pPr indent="-317500" lvl="0" marL="457200" rtl="0">
               <a:spcBef>
                 <a:spcPts val="0"/>
               </a:spcBef>
@@ -9213,7 +9157,7 @@
             <a:endParaRPr/>
           </a:p>
           <a:p>
-            <a:pPr marL="457200" lvl="0" indent="-317500" rtl="0">
+            <a:pPr indent="-317500" lvl="0" marL="457200" rtl="0">
               <a:spcBef>
                 <a:spcPts val="0"/>
               </a:spcBef>
@@ -9230,7 +9174,7 @@
             <a:endParaRPr/>
           </a:p>
           <a:p>
-            <a:pPr marL="457200" lvl="0" indent="-317500" rtl="0">
+            <a:pPr indent="-317500" lvl="0" marL="457200" rtl="0">
               <a:spcBef>
                 <a:spcPts val="0"/>
               </a:spcBef>
@@ -9247,7 +9191,7 @@
             <a:endParaRPr/>
           </a:p>
           <a:p>
-            <a:pPr marL="457200" lvl="0" indent="-317500" rtl="0">
+            <a:pPr indent="-317500" lvl="0" marL="457200" rtl="0">
               <a:spcBef>
                 <a:spcPts val="0"/>
               </a:spcBef>
@@ -9264,7 +9208,7 @@
             <a:endParaRPr/>
           </a:p>
           <a:p>
-            <a:pPr marL="457200" lvl="0" indent="-317500" rtl="0">
+            <a:pPr indent="-317500" lvl="0" marL="457200" rtl="0">
               <a:spcBef>
                 <a:spcPts val="0"/>
               </a:spcBef>
@@ -9281,7 +9225,7 @@
             <a:endParaRPr/>
           </a:p>
           <a:p>
-            <a:pPr marL="457200" lvl="0" indent="-317500">
+            <a:pPr indent="-317500" lvl="0" marL="457200">
               <a:spcBef>
                 <a:spcPts val="0"/>
               </a:spcBef>
@@ -9308,11 +9252,11 @@
 </file>
 
 <file path=ppt/slides/slide6.xml><?xml version="1.0" encoding="utf-8"?>
-<p:sld xmlns:a="http://schemas.openxmlformats.org/drawingml/2006/main" xmlns:r="http://schemas.openxmlformats.org/officeDocument/2006/relationships" xmlns:p="http://schemas.openxmlformats.org/presentationml/2006/main">
+<p:sld xmlns:a="http://schemas.openxmlformats.org/drawingml/2006/main" xmlns:r="http://schemas.openxmlformats.org/officeDocument/2006/relationships" xmlns:mc="http://schemas.openxmlformats.org/markup-compatibility/2006" xmlns:mv="urn:schemas-microsoft-com:mac:vml" xmlns:p="http://schemas.openxmlformats.org/presentationml/2006/main" xmlns:c="http://schemas.openxmlformats.org/drawingml/2006/chart" xmlns:dgm="http://schemas.openxmlformats.org/drawingml/2006/diagram" xmlns:o="urn:schemas-microsoft-com:office:office" xmlns:v="urn:schemas-microsoft-com:vml" xmlns:pvml="urn:schemas-microsoft-com:office:powerpoint" xmlns:com="http://schemas.openxmlformats.org/drawingml/2006/compatibility" xmlns:p14="http://schemas.microsoft.com/office/powerpoint/2010/main" xmlns:p15="http://schemas.microsoft.com/office/powerpoint/2012/main">
   <p:cSld>
     <p:spTree>
       <p:nvGrpSpPr>
-        <p:cNvPr id="1" name="Shape 81"/>
+        <p:cNvPr id="81" name="Shape 81"/>
         <p:cNvGrpSpPr/>
         <p:nvPr/>
       </p:nvGrpSpPr>
@@ -9327,9 +9271,7 @@
       <p:sp>
         <p:nvSpPr>
           <p:cNvPr id="82" name="Shape 82"/>
-          <p:cNvSpPr txBox="1">
-            <a:spLocks noGrp="1"/>
-          </p:cNvSpPr>
+          <p:cNvSpPr txBox="1"/>
           <p:nvPr>
             <p:ph type="title"/>
           </p:nvPr>
@@ -9344,12 +9286,12 @@
           </a:prstGeom>
         </p:spPr>
         <p:txBody>
-          <a:bodyPr spcFirstLastPara="1" wrap="square" lIns="91425" tIns="91425" rIns="91425" bIns="91425" anchor="t" anchorCtr="0">
+          <a:bodyPr anchorCtr="0" anchor="t" bIns="91425" lIns="91425" spcFirstLastPara="1" rIns="91425" wrap="square" tIns="91425">
             <a:noAutofit/>
           </a:bodyPr>
           <a:lstStyle/>
           <a:p>
-            <a:pPr marL="0" lvl="0" indent="0">
+            <a:pPr indent="0" lvl="0" marL="0">
               <a:spcBef>
                 <a:spcPts val="0"/>
               </a:spcBef>
@@ -9369,11 +9311,9 @@
       <p:sp>
         <p:nvSpPr>
           <p:cNvPr id="83" name="Shape 83"/>
-          <p:cNvSpPr txBox="1">
-            <a:spLocks noGrp="1"/>
-          </p:cNvSpPr>
+          <p:cNvSpPr txBox="1"/>
           <p:nvPr>
-            <p:ph type="body" idx="1"/>
+            <p:ph idx="1" type="body"/>
           </p:nvPr>
         </p:nvSpPr>
         <p:spPr>
@@ -9386,12 +9326,12 @@
           </a:prstGeom>
         </p:spPr>
         <p:txBody>
-          <a:bodyPr spcFirstLastPara="1" wrap="square" lIns="91425" tIns="91425" rIns="91425" bIns="91425" anchor="t" anchorCtr="0">
+          <a:bodyPr anchorCtr="0" anchor="t" bIns="91425" lIns="91425" spcFirstLastPara="1" rIns="91425" wrap="square" tIns="91425">
             <a:noAutofit/>
           </a:bodyPr>
           <a:lstStyle/>
           <a:p>
-            <a:pPr marL="0" lvl="0" indent="0">
+            <a:pPr indent="0" lvl="0" marL="0">
               <a:spcBef>
                 <a:spcPts val="0"/>
               </a:spcBef>
@@ -9407,7 +9347,7 @@
             <a:endParaRPr/>
           </a:p>
           <a:p>
-            <a:pPr marL="0" lvl="0" indent="0">
+            <a:pPr indent="0" lvl="0" marL="0">
               <a:spcBef>
                 <a:spcPts val="1600"/>
               </a:spcBef>
@@ -9423,7 +9363,7 @@
             <a:endParaRPr/>
           </a:p>
           <a:p>
-            <a:pPr marL="0" lvl="0" indent="0">
+            <a:pPr indent="0" lvl="0" marL="0">
               <a:spcBef>
                 <a:spcPts val="1600"/>
               </a:spcBef>
@@ -9444,7 +9384,7 @@
             <a:endParaRPr/>
           </a:p>
           <a:p>
-            <a:pPr marL="0" lvl="0" indent="0">
+            <a:pPr indent="0" lvl="0" marL="0">
               <a:spcBef>
                 <a:spcPts val="1600"/>
               </a:spcBef>
@@ -9460,7 +9400,7 @@
             <a:endParaRPr/>
           </a:p>
           <a:p>
-            <a:pPr marL="0" lvl="0" indent="0">
+            <a:pPr indent="0" lvl="0" marL="0">
               <a:spcBef>
                 <a:spcPts val="1600"/>
               </a:spcBef>
@@ -9476,7 +9416,7 @@
             <a:endParaRPr/>
           </a:p>
           <a:p>
-            <a:pPr marL="0" lvl="0" indent="0">
+            <a:pPr indent="0" lvl="0" marL="0">
               <a:spcBef>
                 <a:spcPts val="1600"/>
               </a:spcBef>
@@ -9491,7 +9431,7 @@
               <a:buNone/>
             </a:pPr>
             <a:r>
-              <a:rPr lang="en" b="1"/>
+              <a:rPr b="1" lang="en"/>
               <a:t>config.template.php </a:t>
             </a:r>
             <a:r>
@@ -9511,11 +9451,11 @@
 </file>
 
 <file path=ppt/slides/slide7.xml><?xml version="1.0" encoding="utf-8"?>
-<p:sld xmlns:a="http://schemas.openxmlformats.org/drawingml/2006/main" xmlns:r="http://schemas.openxmlformats.org/officeDocument/2006/relationships" xmlns:p="http://schemas.openxmlformats.org/presentationml/2006/main">
+<p:sld xmlns:a="http://schemas.openxmlformats.org/drawingml/2006/main" xmlns:r="http://schemas.openxmlformats.org/officeDocument/2006/relationships" xmlns:mc="http://schemas.openxmlformats.org/markup-compatibility/2006" xmlns:mv="urn:schemas-microsoft-com:mac:vml" xmlns:p="http://schemas.openxmlformats.org/presentationml/2006/main" xmlns:c="http://schemas.openxmlformats.org/drawingml/2006/chart" xmlns:dgm="http://schemas.openxmlformats.org/drawingml/2006/diagram" xmlns:o="urn:schemas-microsoft-com:office:office" xmlns:v="urn:schemas-microsoft-com:vml" xmlns:pvml="urn:schemas-microsoft-com:office:powerpoint" xmlns:com="http://schemas.openxmlformats.org/drawingml/2006/compatibility" xmlns:p14="http://schemas.microsoft.com/office/powerpoint/2010/main" xmlns:p15="http://schemas.microsoft.com/office/powerpoint/2012/main">
   <p:cSld>
     <p:spTree>
       <p:nvGrpSpPr>
-        <p:cNvPr id="1" name="Shape 87"/>
+        <p:cNvPr id="87" name="Shape 87"/>
         <p:cNvGrpSpPr/>
         <p:nvPr/>
       </p:nvGrpSpPr>
@@ -9530,9 +9470,7 @@
       <p:sp>
         <p:nvSpPr>
           <p:cNvPr id="88" name="Shape 88"/>
-          <p:cNvSpPr txBox="1">
-            <a:spLocks noGrp="1"/>
-          </p:cNvSpPr>
+          <p:cNvSpPr txBox="1"/>
           <p:nvPr>
             <p:ph type="title"/>
           </p:nvPr>
@@ -9547,12 +9485,12 @@
           </a:prstGeom>
         </p:spPr>
         <p:txBody>
-          <a:bodyPr spcFirstLastPara="1" wrap="square" lIns="91425" tIns="91425" rIns="91425" bIns="91425" anchor="t" anchorCtr="0">
+          <a:bodyPr anchorCtr="0" anchor="t" bIns="91425" lIns="91425" spcFirstLastPara="1" rIns="91425" wrap="square" tIns="91425">
             <a:noAutofit/>
           </a:bodyPr>
           <a:lstStyle/>
           <a:p>
-            <a:pPr marL="0" lvl="0" indent="0">
+            <a:pPr indent="0" lvl="0" marL="0">
               <a:spcBef>
                 <a:spcPts val="0"/>
               </a:spcBef>
@@ -9572,11 +9510,9 @@
       <p:sp>
         <p:nvSpPr>
           <p:cNvPr id="89" name="Shape 89"/>
-          <p:cNvSpPr txBox="1">
-            <a:spLocks noGrp="1"/>
-          </p:cNvSpPr>
+          <p:cNvSpPr txBox="1"/>
           <p:nvPr>
-            <p:ph type="body" idx="1"/>
+            <p:ph idx="1" type="body"/>
           </p:nvPr>
         </p:nvSpPr>
         <p:spPr>
@@ -9589,12 +9525,12 @@
           </a:prstGeom>
         </p:spPr>
         <p:txBody>
-          <a:bodyPr spcFirstLastPara="1" wrap="square" lIns="91425" tIns="91425" rIns="91425" bIns="91425" anchor="t" anchorCtr="0">
+          <a:bodyPr anchorCtr="0" anchor="t" bIns="91425" lIns="91425" spcFirstLastPara="1" rIns="91425" wrap="square" tIns="91425">
             <a:noAutofit/>
           </a:bodyPr>
           <a:lstStyle/>
           <a:p>
-            <a:pPr marL="457200" lvl="0" indent="-342900" rtl="0">
+            <a:pPr indent="-342900" lvl="0" marL="457200" rtl="0">
               <a:spcBef>
                 <a:spcPts val="0"/>
               </a:spcBef>
@@ -9611,7 +9547,7 @@
             <a:endParaRPr/>
           </a:p>
           <a:p>
-            <a:pPr marL="914400" lvl="1" indent="-317500" rtl="0">
+            <a:pPr indent="-317500" lvl="1" marL="914400" rtl="0">
               <a:spcBef>
                 <a:spcPts val="0"/>
               </a:spcBef>
@@ -9628,7 +9564,7 @@
             <a:endParaRPr/>
           </a:p>
           <a:p>
-            <a:pPr marL="914400" lvl="1" indent="-317500" rtl="0">
+            <a:pPr indent="-317500" lvl="1" marL="914400" rtl="0">
               <a:spcBef>
                 <a:spcPts val="0"/>
               </a:spcBef>
@@ -9645,7 +9581,7 @@
             <a:endParaRPr/>
           </a:p>
           <a:p>
-            <a:pPr marL="914400" lvl="1" indent="-317500" rtl="0">
+            <a:pPr indent="-317500" lvl="1" marL="914400" rtl="0">
               <a:spcBef>
                 <a:spcPts val="0"/>
               </a:spcBef>
@@ -9662,7 +9598,7 @@
             <a:endParaRPr/>
           </a:p>
           <a:p>
-            <a:pPr marL="914400" lvl="1" indent="-317500" rtl="0">
+            <a:pPr indent="-317500" lvl="1" marL="914400" rtl="0">
               <a:spcBef>
                 <a:spcPts val="0"/>
               </a:spcBef>
@@ -9679,7 +9615,7 @@
             <a:endParaRPr/>
           </a:p>
           <a:p>
-            <a:pPr marL="914400" lvl="1" indent="-317500" rtl="0">
+            <a:pPr indent="-317500" lvl="1" marL="914400" rtl="0">
               <a:spcBef>
                 <a:spcPts val="0"/>
               </a:spcBef>
@@ -9696,7 +9632,7 @@
             <a:endParaRPr/>
           </a:p>
           <a:p>
-            <a:pPr marL="0" marR="0" lvl="0" indent="0" algn="l" rtl="0">
+            <a:pPr indent="0" lvl="0" marL="0" marR="0" rtl="0" algn="l">
               <a:lnSpc>
                 <a:spcPct val="115000"/>
               </a:lnSpc>
@@ -9708,6 +9644,9 @@
               </a:spcAft>
               <a:buNone/>
             </a:pPr>
+            <a:r>
+              <a:t/>
+            </a:r>
             <a:endParaRPr/>
           </a:p>
         </p:txBody>
@@ -9721,11 +9660,11 @@
 </file>
 
 <file path=ppt/slides/slide8.xml><?xml version="1.0" encoding="utf-8"?>
-<p:sld xmlns:a="http://schemas.openxmlformats.org/drawingml/2006/main" xmlns:r="http://schemas.openxmlformats.org/officeDocument/2006/relationships" xmlns:p="http://schemas.openxmlformats.org/presentationml/2006/main">
+<p:sld xmlns:a="http://schemas.openxmlformats.org/drawingml/2006/main" xmlns:r="http://schemas.openxmlformats.org/officeDocument/2006/relationships" xmlns:mc="http://schemas.openxmlformats.org/markup-compatibility/2006" xmlns:mv="urn:schemas-microsoft-com:mac:vml" xmlns:p="http://schemas.openxmlformats.org/presentationml/2006/main" xmlns:c="http://schemas.openxmlformats.org/drawingml/2006/chart" xmlns:dgm="http://schemas.openxmlformats.org/drawingml/2006/diagram" xmlns:o="urn:schemas-microsoft-com:office:office" xmlns:v="urn:schemas-microsoft-com:vml" xmlns:pvml="urn:schemas-microsoft-com:office:powerpoint" xmlns:com="http://schemas.openxmlformats.org/drawingml/2006/compatibility" xmlns:p14="http://schemas.microsoft.com/office/powerpoint/2010/main" xmlns:p15="http://schemas.microsoft.com/office/powerpoint/2012/main">
   <p:cSld>
     <p:spTree>
       <p:nvGrpSpPr>
-        <p:cNvPr id="1" name="Shape 93"/>
+        <p:cNvPr id="93" name="Shape 93"/>
         <p:cNvGrpSpPr/>
         <p:nvPr/>
       </p:nvGrpSpPr>
@@ -9740,9 +9679,7 @@
       <p:sp>
         <p:nvSpPr>
           <p:cNvPr id="94" name="Shape 94"/>
-          <p:cNvSpPr txBox="1">
-            <a:spLocks noGrp="1"/>
-          </p:cNvSpPr>
+          <p:cNvSpPr txBox="1"/>
           <p:nvPr>
             <p:ph type="title"/>
           </p:nvPr>
@@ -9757,23 +9694,31 @@
           </a:prstGeom>
         </p:spPr>
         <p:txBody>
-          <a:bodyPr spcFirstLastPara="1" wrap="square" lIns="91425" tIns="91425" rIns="91425" bIns="91425" anchor="t" anchorCtr="0">
+          <a:bodyPr anchorCtr="0" anchor="t" bIns="91425" lIns="91425" spcFirstLastPara="1" rIns="91425" wrap="square" tIns="91425">
             <a:noAutofit/>
           </a:bodyPr>
           <a:lstStyle/>
           <a:p>
-            <a:pPr marL="0" lvl="0" indent="0" rtl="0">
-              <a:spcBef>
-                <a:spcPts val="0"/>
-              </a:spcBef>
-              <a:spcAft>
-                <a:spcPts val="0"/>
-              </a:spcAft>
-              <a:buNone/>
-            </a:pPr>
-            <a:r>
-              <a:rPr lang="en"/>
-              <a:t>MBackup [SERVICE] config file</a:t>
+            <a:pPr indent="0" lvl="0" marL="0" rtl="0">
+              <a:spcBef>
+                <a:spcPts val="0"/>
+              </a:spcBef>
+              <a:spcAft>
+                <a:spcPts val="0"/>
+              </a:spcAft>
+              <a:buNone/>
+            </a:pPr>
+            <a:r>
+              <a:rPr lang="en"/>
+              <a:t>MBackup </a:t>
+            </a:r>
+            <a:r>
+              <a:rPr lang="en"/>
+              <a:t>[SERVICE] </a:t>
+            </a:r>
+            <a:r>
+              <a:rPr lang="en"/>
+              <a:t>config file</a:t>
             </a:r>
             <a:endParaRPr/>
           </a:p>
@@ -9782,11 +9727,9 @@
       <p:sp>
         <p:nvSpPr>
           <p:cNvPr id="95" name="Shape 95"/>
-          <p:cNvSpPr txBox="1">
-            <a:spLocks noGrp="1"/>
-          </p:cNvSpPr>
+          <p:cNvSpPr txBox="1"/>
           <p:nvPr>
-            <p:ph type="body" idx="1"/>
+            <p:ph idx="1" type="body"/>
           </p:nvPr>
         </p:nvSpPr>
         <p:spPr>
@@ -9799,12 +9742,12 @@
           </a:prstGeom>
         </p:spPr>
         <p:txBody>
-          <a:bodyPr spcFirstLastPara="1" wrap="square" lIns="91425" tIns="91425" rIns="91425" bIns="91425" anchor="t" anchorCtr="0">
+          <a:bodyPr anchorCtr="0" anchor="t" bIns="91425" lIns="91425" spcFirstLastPara="1" rIns="91425" wrap="square" tIns="91425">
             <a:noAutofit/>
           </a:bodyPr>
           <a:lstStyle/>
           <a:p>
-            <a:pPr marL="457200" lvl="0" indent="-342900" rtl="0">
+            <a:pPr indent="-342900" lvl="0" marL="457200" rtl="0">
               <a:spcBef>
                 <a:spcPts val="0"/>
               </a:spcBef>
@@ -9821,7 +9764,7 @@
             <a:endParaRPr/>
           </a:p>
           <a:p>
-            <a:pPr marL="914400" lvl="1" indent="-317500" rtl="0">
+            <a:pPr indent="-317500" lvl="1" marL="914400" rtl="0">
               <a:spcBef>
                 <a:spcPts val="0"/>
               </a:spcBef>
@@ -9832,7 +9775,7 @@
               <a:buChar char="○"/>
             </a:pPr>
             <a:r>
-              <a:rPr lang="en" b="1"/>
+              <a:rPr b="1" lang="en"/>
               <a:t>SERVICE</a:t>
             </a:r>
             <a:r>
@@ -9842,7 +9785,7 @@
             <a:endParaRPr/>
           </a:p>
           <a:p>
-            <a:pPr marL="914400" lvl="1" indent="-317500" rtl="0">
+            <a:pPr indent="-317500" lvl="1" marL="914400" rtl="0">
               <a:spcBef>
                 <a:spcPts val="0"/>
               </a:spcBef>
@@ -9853,7 +9796,7 @@
               <a:buChar char="○"/>
             </a:pPr>
             <a:r>
-              <a:rPr lang="en" b="1"/>
+              <a:rPr b="1" lang="en"/>
               <a:t>DATE_RANGE</a:t>
             </a:r>
             <a:r>
@@ -9863,7 +9806,7 @@
             <a:endParaRPr/>
           </a:p>
           <a:p>
-            <a:pPr marL="914400" lvl="1" indent="-317500" rtl="0">
+            <a:pPr indent="-317500" lvl="1" marL="914400" rtl="0">
               <a:spcBef>
                 <a:spcPts val="0"/>
               </a:spcBef>
@@ -9874,17 +9817,33 @@
               <a:buChar char="○"/>
             </a:pPr>
             <a:r>
-              <a:rPr lang="en" b="1"/>
+              <a:rPr b="1" lang="en"/>
               <a:t>FILEDATA_TEMP</a:t>
             </a:r>
             <a:r>
               <a:rPr lang="en"/>
-              <a:t> location to temporarily store file data while synchronizing between the MBackup and production servers.</a:t>
-            </a:r>
-            <a:endParaRPr/>
-          </a:p>
-          <a:p>
-            <a:pPr marL="914400" lvl="1" indent="-317500" rtl="0">
+              <a:t> location to </a:t>
+            </a:r>
+            <a:r>
+              <a:rPr lang="en"/>
+              <a:t>temporarily</a:t>
+            </a:r>
+            <a:r>
+              <a:rPr lang="en"/>
+              <a:t> store file data while </a:t>
+            </a:r>
+            <a:r>
+              <a:rPr lang="en"/>
+              <a:t>synchronizing </a:t>
+            </a:r>
+            <a:r>
+              <a:rPr lang="en"/>
+              <a:t>between the MBackup and production servers.</a:t>
+            </a:r>
+            <a:endParaRPr/>
+          </a:p>
+          <a:p>
+            <a:pPr indent="-317500" lvl="1" marL="914400" rtl="0">
               <a:spcBef>
                 <a:spcPts val="0"/>
               </a:spcBef>
@@ -9895,7 +9854,7 @@
               <a:buChar char="○"/>
             </a:pPr>
             <a:r>
-              <a:rPr lang="en" b="1"/>
+              <a:rPr b="1" lang="en"/>
               <a:t>FILEDATA_ROOT</a:t>
             </a:r>
             <a:r>
@@ -9905,7 +9864,7 @@
             <a:endParaRPr/>
           </a:p>
           <a:p>
-            <a:pPr marL="914400" lvl="1" indent="-317500" rtl="0">
+            <a:pPr indent="-317500" lvl="1" marL="914400" rtl="0">
               <a:spcBef>
                 <a:spcPts val="0"/>
               </a:spcBef>
@@ -9916,7 +9875,7 @@
               <a:buChar char="○"/>
             </a:pPr>
             <a:r>
-              <a:rPr lang="en" b="1"/>
+              <a:rPr b="1" lang="en"/>
               <a:t>DB_ARCHIVE</a:t>
             </a:r>
             <a:r>
@@ -9926,7 +9885,7 @@
             <a:endParaRPr/>
           </a:p>
           <a:p>
-            <a:pPr marL="914400" lvl="1" indent="-317500" rtl="0">
+            <a:pPr indent="-317500" lvl="1" marL="914400" rtl="0">
               <a:spcBef>
                 <a:spcPts val="0"/>
               </a:spcBef>
@@ -9937,7 +9896,7 @@
               <a:buChar char="○"/>
             </a:pPr>
             <a:r>
-              <a:rPr lang="en" b="1"/>
+              <a:rPr b="1" lang="en"/>
               <a:t>GIT_REPO</a:t>
             </a:r>
             <a:r>
@@ -9947,7 +9906,7 @@
             <a:endParaRPr/>
           </a:p>
           <a:p>
-            <a:pPr marL="914400" lvl="1" indent="-317500" rtl="0">
+            <a:pPr indent="-317500" lvl="1" marL="914400" rtl="0">
               <a:spcBef>
                 <a:spcPts val="0"/>
               </a:spcBef>
@@ -9958,7 +9917,7 @@
               <a:buChar char="○"/>
             </a:pPr>
             <a:r>
-              <a:rPr lang="en" b="1"/>
+              <a:rPr b="1" lang="en"/>
               <a:t>PROD_SERVER</a:t>
             </a:r>
             <a:r>
@@ -9968,7 +9927,7 @@
             <a:endParaRPr/>
           </a:p>
           <a:p>
-            <a:pPr marL="914400" lvl="1" indent="-317500" rtl="0">
+            <a:pPr indent="-317500" lvl="1" marL="914400" rtl="0">
               <a:spcBef>
                 <a:spcPts val="0"/>
               </a:spcBef>
@@ -9979,7 +9938,7 @@
               <a:buChar char="○"/>
             </a:pPr>
             <a:r>
-              <a:rPr lang="en" b="1"/>
+              <a:rPr b="1" lang="en"/>
               <a:t>PROD_DB_ARCHIVE</a:t>
             </a:r>
             <a:r>
@@ -9989,7 +9948,7 @@
             <a:endParaRPr/>
           </a:p>
           <a:p>
-            <a:pPr marL="914400" lvl="1" indent="-317500" rtl="0">
+            <a:pPr indent="-317500" lvl="1" marL="914400" rtl="0">
               <a:spcBef>
                 <a:spcPts val="0"/>
               </a:spcBef>
@@ -10000,7 +9959,7 @@
               <a:buChar char="○"/>
             </a:pPr>
             <a:r>
-              <a:rPr lang="en" b="1"/>
+              <a:rPr b="1" lang="en"/>
               <a:t>PROD_FILEDATA</a:t>
             </a:r>
             <a:r>
@@ -10010,7 +9969,7 @@
             <a:endParaRPr/>
           </a:p>
           <a:p>
-            <a:pPr marL="914400" lvl="1" indent="-317500" rtl="0">
+            <a:pPr indent="-317500" lvl="1" marL="914400" rtl="0">
               <a:spcBef>
                 <a:spcPts val="0"/>
               </a:spcBef>
@@ -10021,7 +9980,7 @@
               <a:buChar char="○"/>
             </a:pPr>
             <a:r>
-              <a:rPr lang="en" b="1"/>
+              <a:rPr b="1" lang="en"/>
               <a:t>PROD_FRONTEND</a:t>
             </a:r>
             <a:r>
@@ -10031,7 +9990,7 @@
             <a:endParaRPr/>
           </a:p>
           <a:p>
-            <a:pPr marL="914400" lvl="1" indent="-317500" rtl="0">
+            <a:pPr indent="-317500" lvl="1" marL="914400" rtl="0">
               <a:spcBef>
                 <a:spcPts val="0"/>
               </a:spcBef>
@@ -10042,7 +10001,7 @@
               <a:buChar char="○"/>
             </a:pPr>
             <a:r>
-              <a:rPr lang="en" b="1"/>
+              <a:rPr b="1" lang="en"/>
               <a:t>DEBUG_USERS</a:t>
             </a:r>
             <a:r>
@@ -10062,11 +10021,11 @@
 </file>
 
 <file path=ppt/slides/slide9.xml><?xml version="1.0" encoding="utf-8"?>
-<p:sld xmlns:a="http://schemas.openxmlformats.org/drawingml/2006/main" xmlns:r="http://schemas.openxmlformats.org/officeDocument/2006/relationships" xmlns:p="http://schemas.openxmlformats.org/presentationml/2006/main">
+<p:sld xmlns:a="http://schemas.openxmlformats.org/drawingml/2006/main" xmlns:r="http://schemas.openxmlformats.org/officeDocument/2006/relationships" xmlns:mc="http://schemas.openxmlformats.org/markup-compatibility/2006" xmlns:mv="urn:schemas-microsoft-com:mac:vml" xmlns:p="http://schemas.openxmlformats.org/presentationml/2006/main" xmlns:c="http://schemas.openxmlformats.org/drawingml/2006/chart" xmlns:dgm="http://schemas.openxmlformats.org/drawingml/2006/diagram" xmlns:o="urn:schemas-microsoft-com:office:office" xmlns:v="urn:schemas-microsoft-com:vml" xmlns:pvml="urn:schemas-microsoft-com:office:powerpoint" xmlns:com="http://schemas.openxmlformats.org/drawingml/2006/compatibility" xmlns:p14="http://schemas.microsoft.com/office/powerpoint/2010/main" xmlns:p15="http://schemas.microsoft.com/office/powerpoint/2012/main">
   <p:cSld>
     <p:spTree>
       <p:nvGrpSpPr>
-        <p:cNvPr id="1" name="Shape 99"/>
+        <p:cNvPr id="99" name="Shape 99"/>
         <p:cNvGrpSpPr/>
         <p:nvPr/>
       </p:nvGrpSpPr>
@@ -10081,9 +10040,7 @@
       <p:sp>
         <p:nvSpPr>
           <p:cNvPr id="100" name="Shape 100"/>
-          <p:cNvSpPr txBox="1">
-            <a:spLocks noGrp="1"/>
-          </p:cNvSpPr>
+          <p:cNvSpPr txBox="1"/>
           <p:nvPr>
             <p:ph type="title"/>
           </p:nvPr>
@@ -10098,12 +10055,12 @@
           </a:prstGeom>
         </p:spPr>
         <p:txBody>
-          <a:bodyPr spcFirstLastPara="1" wrap="square" lIns="91425" tIns="91425" rIns="91425" bIns="91425" anchor="t" anchorCtr="0">
+          <a:bodyPr anchorCtr="0" anchor="t" bIns="91425" lIns="91425" spcFirstLastPara="1" rIns="91425" wrap="square" tIns="91425">
             <a:noAutofit/>
           </a:bodyPr>
           <a:lstStyle/>
           <a:p>
-            <a:pPr marL="0" lvl="0" indent="0">
+            <a:pPr indent="0" lvl="0" marL="0">
               <a:spcBef>
                 <a:spcPts val="0"/>
               </a:spcBef>
@@ -10123,11 +10080,9 @@
       <p:sp>
         <p:nvSpPr>
           <p:cNvPr id="101" name="Shape 101"/>
-          <p:cNvSpPr txBox="1">
-            <a:spLocks noGrp="1"/>
-          </p:cNvSpPr>
+          <p:cNvSpPr txBox="1"/>
           <p:nvPr>
-            <p:ph type="body" idx="1"/>
+            <p:ph idx="1" type="body"/>
           </p:nvPr>
         </p:nvSpPr>
         <p:spPr>
@@ -10140,23 +10095,27 @@
           </a:prstGeom>
         </p:spPr>
         <p:txBody>
-          <a:bodyPr spcFirstLastPara="1" wrap="square" lIns="91425" tIns="91425" rIns="91425" bIns="91425" anchor="t" anchorCtr="0">
+          <a:bodyPr anchorCtr="0" anchor="t" bIns="91425" lIns="91425" spcFirstLastPara="1" rIns="91425" wrap="square" tIns="91425">
             <a:noAutofit/>
           </a:bodyPr>
           <a:lstStyle/>
           <a:p>
-            <a:pPr marL="0" lvl="0" indent="0" rtl="0">
-              <a:spcBef>
-                <a:spcPts val="0"/>
-              </a:spcBef>
-              <a:spcAft>
-                <a:spcPts val="0"/>
-              </a:spcAft>
-              <a:buNone/>
-            </a:pPr>
-            <a:r>
-              <a:rPr lang="en" b="1"/>
-              <a:t>check_raid.sh</a:t>
+            <a:pPr indent="0" lvl="0" marL="0" rtl="0">
+              <a:spcBef>
+                <a:spcPts val="0"/>
+              </a:spcBef>
+              <a:spcAft>
+                <a:spcPts val="0"/>
+              </a:spcAft>
+              <a:buNone/>
+            </a:pPr>
+            <a:r>
+              <a:rPr b="1" lang="en"/>
+              <a:t>c</a:t>
+            </a:r>
+            <a:r>
+              <a:rPr b="1" lang="en"/>
+              <a:t>heck_raid.sh</a:t>
             </a:r>
             <a:r>
               <a:rPr lang="en"/>
@@ -10165,7 +10124,7 @@
             <a:endParaRPr/>
           </a:p>
           <a:p>
-            <a:pPr marL="0" lvl="0" indent="0">
+            <a:pPr indent="0" lvl="0" marL="0">
               <a:spcBef>
                 <a:spcPts val="1600"/>
               </a:spcBef>
@@ -10175,7 +10134,7 @@
               <a:buNone/>
             </a:pPr>
             <a:r>
-              <a:rPr lang="en" b="1"/>
+              <a:rPr b="1" lang="en"/>
               <a:t>regenerateConfig.php </a:t>
             </a:r>
             <a:r>
@@ -10185,7 +10144,7 @@
             <a:endParaRPr/>
           </a:p>
           <a:p>
-            <a:pPr marL="0" lvl="0" indent="0">
+            <a:pPr indent="0" lvl="0" marL="0">
               <a:spcBef>
                 <a:spcPts val="1600"/>
               </a:spcBef>
@@ -10195,7 +10154,7 @@
               <a:buNone/>
             </a:pPr>
             <a:r>
-              <a:rPr lang="en" b="1"/>
+              <a:rPr b="1" lang="en"/>
               <a:t>purgecaches.sh</a:t>
             </a:r>
             <a:r>
@@ -10205,7 +10164,7 @@
             <a:endParaRPr/>
           </a:p>
           <a:p>
-            <a:pPr marL="0" lvl="0" indent="0">
+            <a:pPr indent="0" lvl="0" marL="0">
               <a:spcBef>
                 <a:spcPts val="1600"/>
               </a:spcBef>
@@ -10215,7 +10174,7 @@
               <a:buNone/>
             </a:pPr>
             <a:r>
-              <a:rPr lang="en" b="1"/>
+              <a:rPr b="1" lang="en"/>
               <a:t>index.php</a:t>
             </a:r>
             <a:r>
@@ -10225,7 +10184,7 @@
             <a:endParaRPr/>
           </a:p>
           <a:p>
-            <a:pPr marL="0" lvl="0" indent="0">
+            <a:pPr indent="0" lvl="0" marL="0">
               <a:spcBef>
                 <a:spcPts val="1600"/>
               </a:spcBef>
@@ -10235,7 +10194,7 @@
               <a:buNone/>
             </a:pPr>
             <a:r>
-              <a:rPr lang="en" b="1"/>
+              <a:rPr b="1" lang="en"/>
               <a:t>moodlebackup.sql</a:t>
             </a:r>
             <a:r>
@@ -10245,7 +10204,7 @@
             <a:endParaRPr/>
           </a:p>
           <a:p>
-            <a:pPr marL="0" lvl="0" indent="0">
+            <a:pPr indent="0" lvl="0" marL="0">
               <a:spcBef>
                 <a:spcPts val="1600"/>
               </a:spcBef>
@@ -10255,7 +10214,7 @@
               <a:buNone/>
             </a:pPr>
             <a:r>
-              <a:rPr lang="en" b="1"/>
+              <a:rPr b="1" lang="en"/>
               <a:t>nightlydump.pl</a:t>
             </a:r>
             <a:r>
@@ -10265,7 +10224,7 @@
             <a:endParaRPr/>
           </a:p>
           <a:p>
-            <a:pPr marL="0" lvl="0" indent="0">
+            <a:pPr indent="0" lvl="0" marL="0">
               <a:spcBef>
                 <a:spcPts val="1600"/>
               </a:spcBef>
@@ -10274,6 +10233,9 @@
               </a:spcAft>
               <a:buNone/>
             </a:pPr>
+            <a:r>
+              <a:t/>
+            </a:r>
             <a:endParaRPr/>
           </a:p>
         </p:txBody>
@@ -10287,7 +10249,286 @@
 </file>
 
 <file path=ppt/theme/theme1.xml><?xml version="1.0" encoding="utf-8"?>
-<a:theme xmlns:a="http://schemas.openxmlformats.org/drawingml/2006/main" name="Simple Light">
+<a:theme xmlns:a="http://schemas.openxmlformats.org/drawingml/2006/main" xmlns:r="http://schemas.openxmlformats.org/officeDocument/2006/relationships">
+  <a:themeElements>
+    <a:clrScheme name="Default">
+      <a:dk1>
+        <a:srgbClr val="000000"/>
+      </a:dk1>
+      <a:lt1>
+        <a:srgbClr val="FFFFFF"/>
+      </a:lt1>
+      <a:dk2>
+        <a:srgbClr val="158158"/>
+      </a:dk2>
+      <a:lt2>
+        <a:srgbClr val="F3F3F3"/>
+      </a:lt2>
+      <a:accent1>
+        <a:srgbClr val="058DC7"/>
+      </a:accent1>
+      <a:accent2>
+        <a:srgbClr val="50B432"/>
+      </a:accent2>
+      <a:accent3>
+        <a:srgbClr val="ED561B"/>
+      </a:accent3>
+      <a:accent4>
+        <a:srgbClr val="EDEF00"/>
+      </a:accent4>
+      <a:accent5>
+        <a:srgbClr val="24CBE5"/>
+      </a:accent5>
+      <a:accent6>
+        <a:srgbClr val="64E572"/>
+      </a:accent6>
+      <a:hlink>
+        <a:srgbClr val="2200CC"/>
+      </a:hlink>
+      <a:folHlink>
+        <a:srgbClr val="551A8B"/>
+      </a:folHlink>
+    </a:clrScheme>
+    <a:fontScheme name="Office">
+      <a:majorFont>
+        <a:latin typeface="Arial"/>
+        <a:ea typeface=""/>
+        <a:cs typeface=""/>
+        <a:font script="Jpan" typeface="ＭＳ Ｐゴシック"/>
+        <a:font script="Hang" typeface="맑은 고딕"/>
+        <a:font script="Hans" typeface="宋体"/>
+        <a:font script="Hant" typeface="新細明體"/>
+        <a:font script="Arab" typeface="Times New Roman"/>
+        <a:font script="Hebr" typeface="Times New Roman"/>
+        <a:font script="Thai" typeface="Angsana New"/>
+        <a:font script="Ethi" typeface="Nyala"/>
+        <a:font script="Beng" typeface="Vrinda"/>
+        <a:font script="Gujr" typeface="Shruti"/>
+        <a:font script="Khmr" typeface="MoolBoran"/>
+        <a:font script="Knda" typeface="Tunga"/>
+        <a:font script="Guru" typeface="Raavi"/>
+        <a:font script="Cans" typeface="Euphemia"/>
+        <a:font script="Cher" typeface="Plantagenet Cherokee"/>
+        <a:font script="Yiii" typeface="Microsoft Yi Baiti"/>
+        <a:font script="Tibt" typeface="Microsoft Himalaya"/>
+        <a:font script="Thaa" typeface="MV Boli"/>
+        <a:font script="Deva" typeface="Mangal"/>
+        <a:font script="Telu" typeface="Gautami"/>
+        <a:font script="Taml" typeface="Latha"/>
+        <a:font script="Syrc" typeface="Estrangelo Edessa"/>
+        <a:font script="Orya" typeface="Kalinga"/>
+        <a:font script="Mlym" typeface="Kartika"/>
+        <a:font script="Laoo" typeface="DokChampa"/>
+        <a:font script="Sinh" typeface="Iskoola Pota"/>
+        <a:font script="Mong" typeface="Mongolian Baiti"/>
+        <a:font script="Viet" typeface="Times New Roman"/>
+        <a:font script="Uigh" typeface="Microsoft Uighur"/>
+        <a:font script="Geor" typeface="Sylfaen"/>
+      </a:majorFont>
+      <a:minorFont>
+        <a:latin typeface="Arial"/>
+        <a:ea typeface=""/>
+        <a:cs typeface=""/>
+        <a:font script="Jpan" typeface="ＭＳ Ｐゴシック"/>
+        <a:font script="Hang" typeface="맑은 고딕"/>
+        <a:font script="Hans" typeface="宋体"/>
+        <a:font script="Hant" typeface="新細明體"/>
+        <a:font script="Arab" typeface="Arial"/>
+        <a:font script="Hebr" typeface="Arial"/>
+        <a:font script="Thai" typeface="Cordia New"/>
+        <a:font script="Ethi" typeface="Nyala"/>
+        <a:font script="Beng" typeface="Vrinda"/>
+        <a:font script="Gujr" typeface="Shruti"/>
+        <a:font script="Khmr" typeface="DaunPenh"/>
+        <a:font script="Knda" typeface="Tunga"/>
+        <a:font script="Guru" typeface="Raavi"/>
+        <a:font script="Cans" typeface="Euphemia"/>
+        <a:font script="Cher" typeface="Plantagenet Cherokee"/>
+        <a:font script="Yiii" typeface="Microsoft Yi Baiti"/>
+        <a:font script="Tibt" typeface="Microsoft Himalaya"/>
+        <a:font script="Thaa" typeface="MV Boli"/>
+        <a:font script="Deva" typeface="Mangal"/>
+        <a:font script="Telu" typeface="Gautami"/>
+        <a:font script="Taml" typeface="Latha"/>
+        <a:font script="Syrc" typeface="Estrangelo Edessa"/>
+        <a:font script="Orya" typeface="Kalinga"/>
+        <a:font script="Mlym" typeface="Kartika"/>
+        <a:font script="Laoo" typeface="DokChampa"/>
+        <a:font script="Sinh" typeface="Iskoola Pota"/>
+        <a:font script="Mong" typeface="Mongolian Baiti"/>
+        <a:font script="Viet" typeface="Arial"/>
+        <a:font script="Uigh" typeface="Microsoft Uighur"/>
+        <a:font script="Geor" typeface="Sylfaen"/>
+      </a:minorFont>
+    </a:fontScheme>
+    <a:fmtScheme name="Office">
+      <a:fillStyleLst>
+        <a:solidFill>
+          <a:schemeClr val="phClr"/>
+        </a:solidFill>
+        <a:gradFill rotWithShape="1">
+          <a:gsLst>
+            <a:gs pos="0">
+              <a:schemeClr val="phClr">
+                <a:tint val="50000"/>
+                <a:satMod val="300000"/>
+              </a:schemeClr>
+            </a:gs>
+            <a:gs pos="35000">
+              <a:schemeClr val="phClr">
+                <a:tint val="37000"/>
+                <a:satMod val="300000"/>
+              </a:schemeClr>
+            </a:gs>
+            <a:gs pos="100000">
+              <a:schemeClr val="phClr">
+                <a:tint val="15000"/>
+                <a:satMod val="350000"/>
+              </a:schemeClr>
+            </a:gs>
+          </a:gsLst>
+          <a:lin ang="16200000" scaled="1"/>
+        </a:gradFill>
+        <a:gradFill rotWithShape="1">
+          <a:gsLst>
+            <a:gs pos="0">
+              <a:schemeClr val="phClr">
+                <a:tint val="100000"/>
+                <a:shade val="100000"/>
+                <a:satMod val="130000"/>
+              </a:schemeClr>
+            </a:gs>
+            <a:gs pos="100000">
+              <a:schemeClr val="phClr">
+                <a:tint val="50000"/>
+                <a:shade val="100000"/>
+                <a:satMod val="350000"/>
+              </a:schemeClr>
+            </a:gs>
+          </a:gsLst>
+          <a:lin ang="16200000" scaled="0"/>
+        </a:gradFill>
+      </a:fillStyleLst>
+      <a:lnStyleLst>
+        <a:ln w="9525" cap="flat" cmpd="sng" algn="ctr">
+          <a:solidFill>
+            <a:schemeClr val="phClr">
+              <a:shade val="95000"/>
+              <a:satMod val="105000"/>
+            </a:schemeClr>
+          </a:solidFill>
+          <a:prstDash val="solid"/>
+        </a:ln>
+        <a:ln w="25400" cap="flat" cmpd="sng" algn="ctr">
+          <a:solidFill>
+            <a:schemeClr val="phClr"/>
+          </a:solidFill>
+          <a:prstDash val="solid"/>
+        </a:ln>
+        <a:ln w="38100" cap="flat" cmpd="sng" algn="ctr">
+          <a:solidFill>
+            <a:schemeClr val="phClr"/>
+          </a:solidFill>
+          <a:prstDash val="solid"/>
+        </a:ln>
+      </a:lnStyleLst>
+      <a:effectStyleLst>
+        <a:effectStyle>
+          <a:effectLst>
+            <a:outerShdw blurRad="40000" dist="20000" dir="5400000" rotWithShape="0">
+              <a:srgbClr val="000000">
+                <a:alpha val="38000"/>
+              </a:srgbClr>
+            </a:outerShdw>
+          </a:effectLst>
+        </a:effectStyle>
+        <a:effectStyle>
+          <a:effectLst>
+            <a:outerShdw blurRad="40000" dist="23000" dir="5400000" rotWithShape="0">
+              <a:srgbClr val="000000">
+                <a:alpha val="35000"/>
+              </a:srgbClr>
+            </a:outerShdw>
+          </a:effectLst>
+        </a:effectStyle>
+        <a:effectStyle>
+          <a:effectLst>
+            <a:outerShdw blurRad="40000" dist="23000" dir="5400000" rotWithShape="0">
+              <a:srgbClr val="000000">
+                <a:alpha val="35000"/>
+              </a:srgbClr>
+            </a:outerShdw>
+          </a:effectLst>
+          <a:scene3d>
+            <a:camera prst="orthographicFront">
+              <a:rot lat="0" lon="0" rev="0"/>
+            </a:camera>
+            <a:lightRig rig="threePt" dir="t">
+              <a:rot lat="0" lon="0" rev="1200000"/>
+            </a:lightRig>
+          </a:scene3d>
+          <a:sp3d>
+            <a:bevelT w="63500" h="25400"/>
+          </a:sp3d>
+        </a:effectStyle>
+      </a:effectStyleLst>
+      <a:bgFillStyleLst>
+        <a:solidFill>
+          <a:schemeClr val="phClr"/>
+        </a:solidFill>
+        <a:gradFill rotWithShape="1">
+          <a:gsLst>
+            <a:gs pos="0">
+              <a:schemeClr val="phClr">
+                <a:tint val="40000"/>
+                <a:satMod val="350000"/>
+              </a:schemeClr>
+            </a:gs>
+            <a:gs pos="40000">
+              <a:schemeClr val="phClr">
+                <a:tint val="45000"/>
+                <a:shade val="99000"/>
+                <a:satMod val="350000"/>
+              </a:schemeClr>
+            </a:gs>
+            <a:gs pos="100000">
+              <a:schemeClr val="phClr">
+                <a:shade val="20000"/>
+                <a:satMod val="255000"/>
+              </a:schemeClr>
+            </a:gs>
+          </a:gsLst>
+          <a:path path="circle">
+            <a:fillToRect l="50000" t="-80000" r="50000" b="180000"/>
+          </a:path>
+        </a:gradFill>
+        <a:gradFill rotWithShape="1">
+          <a:gsLst>
+            <a:gs pos="0">
+              <a:schemeClr val="phClr">
+                <a:tint val="80000"/>
+                <a:satMod val="300000"/>
+              </a:schemeClr>
+            </a:gs>
+            <a:gs pos="100000">
+              <a:schemeClr val="phClr">
+                <a:shade val="30000"/>
+                <a:satMod val="200000"/>
+              </a:schemeClr>
+            </a:gs>
+          </a:gsLst>
+          <a:path path="circle">
+            <a:fillToRect l="50000" t="50000" r="50000" b="50000"/>
+          </a:path>
+        </a:gradFill>
+      </a:bgFillStyleLst>
+    </a:fmtScheme>
+  </a:themeElements>
+</a:theme>
+</file>
+
+<file path=ppt/theme/theme2.xml><?xml version="1.0" encoding="utf-8"?>
+<a:theme xmlns:a="http://schemas.openxmlformats.org/drawingml/2006/main" xmlns:r="http://schemas.openxmlformats.org/officeDocument/2006/relationships" name="Simple Light">
   <a:themeElements>
     <a:clrScheme name="Simple Light">
       <a:dk1>
@@ -10562,288 +10803,5 @@
       </a:bgFillStyleLst>
     </a:fmtScheme>
   </a:themeElements>
-  <a:objectDefaults/>
-  <a:extraClrSchemeLst/>
-</a:theme>
-</file>
-
-<file path=ppt/theme/theme2.xml><?xml version="1.0" encoding="utf-8"?>
-<a:theme xmlns:a="http://schemas.openxmlformats.org/drawingml/2006/main">
-  <a:themeElements>
-    <a:clrScheme name="Default">
-      <a:dk1>
-        <a:srgbClr val="000000"/>
-      </a:dk1>
-      <a:lt1>
-        <a:srgbClr val="FFFFFF"/>
-      </a:lt1>
-      <a:dk2>
-        <a:srgbClr val="158158"/>
-      </a:dk2>
-      <a:lt2>
-        <a:srgbClr val="F3F3F3"/>
-      </a:lt2>
-      <a:accent1>
-        <a:srgbClr val="058DC7"/>
-      </a:accent1>
-      <a:accent2>
-        <a:srgbClr val="50B432"/>
-      </a:accent2>
-      <a:accent3>
-        <a:srgbClr val="ED561B"/>
-      </a:accent3>
-      <a:accent4>
-        <a:srgbClr val="EDEF00"/>
-      </a:accent4>
-      <a:accent5>
-        <a:srgbClr val="24CBE5"/>
-      </a:accent5>
-      <a:accent6>
-        <a:srgbClr val="64E572"/>
-      </a:accent6>
-      <a:hlink>
-        <a:srgbClr val="2200CC"/>
-      </a:hlink>
-      <a:folHlink>
-        <a:srgbClr val="551A8B"/>
-      </a:folHlink>
-    </a:clrScheme>
-    <a:fontScheme name="Office">
-      <a:majorFont>
-        <a:latin typeface="Arial"/>
-        <a:ea typeface=""/>
-        <a:cs typeface=""/>
-        <a:font script="Jpan" typeface="ＭＳ Ｐゴシック"/>
-        <a:font script="Hang" typeface="맑은 고딕"/>
-        <a:font script="Hans" typeface="宋体"/>
-        <a:font script="Hant" typeface="新細明體"/>
-        <a:font script="Arab" typeface="Times New Roman"/>
-        <a:font script="Hebr" typeface="Times New Roman"/>
-        <a:font script="Thai" typeface="Angsana New"/>
-        <a:font script="Ethi" typeface="Nyala"/>
-        <a:font script="Beng" typeface="Vrinda"/>
-        <a:font script="Gujr" typeface="Shruti"/>
-        <a:font script="Khmr" typeface="MoolBoran"/>
-        <a:font script="Knda" typeface="Tunga"/>
-        <a:font script="Guru" typeface="Raavi"/>
-        <a:font script="Cans" typeface="Euphemia"/>
-        <a:font script="Cher" typeface="Plantagenet Cherokee"/>
-        <a:font script="Yiii" typeface="Microsoft Yi Baiti"/>
-        <a:font script="Tibt" typeface="Microsoft Himalaya"/>
-        <a:font script="Thaa" typeface="MV Boli"/>
-        <a:font script="Deva" typeface="Mangal"/>
-        <a:font script="Telu" typeface="Gautami"/>
-        <a:font script="Taml" typeface="Latha"/>
-        <a:font script="Syrc" typeface="Estrangelo Edessa"/>
-        <a:font script="Orya" typeface="Kalinga"/>
-        <a:font script="Mlym" typeface="Kartika"/>
-        <a:font script="Laoo" typeface="DokChampa"/>
-        <a:font script="Sinh" typeface="Iskoola Pota"/>
-        <a:font script="Mong" typeface="Mongolian Baiti"/>
-        <a:font script="Viet" typeface="Times New Roman"/>
-        <a:font script="Uigh" typeface="Microsoft Uighur"/>
-        <a:font script="Geor" typeface="Sylfaen"/>
-      </a:majorFont>
-      <a:minorFont>
-        <a:latin typeface="Arial"/>
-        <a:ea typeface=""/>
-        <a:cs typeface=""/>
-        <a:font script="Jpan" typeface="ＭＳ Ｐゴシック"/>
-        <a:font script="Hang" typeface="맑은 고딕"/>
-        <a:font script="Hans" typeface="宋体"/>
-        <a:font script="Hant" typeface="新細明體"/>
-        <a:font script="Arab" typeface="Arial"/>
-        <a:font script="Hebr" typeface="Arial"/>
-        <a:font script="Thai" typeface="Cordia New"/>
-        <a:font script="Ethi" typeface="Nyala"/>
-        <a:font script="Beng" typeface="Vrinda"/>
-        <a:font script="Gujr" typeface="Shruti"/>
-        <a:font script="Khmr" typeface="DaunPenh"/>
-        <a:font script="Knda" typeface="Tunga"/>
-        <a:font script="Guru" typeface="Raavi"/>
-        <a:font script="Cans" typeface="Euphemia"/>
-        <a:font script="Cher" typeface="Plantagenet Cherokee"/>
-        <a:font script="Yiii" typeface="Microsoft Yi Baiti"/>
-        <a:font script="Tibt" typeface="Microsoft Himalaya"/>
-        <a:font script="Thaa" typeface="MV Boli"/>
-        <a:font script="Deva" typeface="Mangal"/>
-        <a:font script="Telu" typeface="Gautami"/>
-        <a:font script="Taml" typeface="Latha"/>
-        <a:font script="Syrc" typeface="Estrangelo Edessa"/>
-        <a:font script="Orya" typeface="Kalinga"/>
-        <a:font script="Mlym" typeface="Kartika"/>
-        <a:font script="Laoo" typeface="DokChampa"/>
-        <a:font script="Sinh" typeface="Iskoola Pota"/>
-        <a:font script="Mong" typeface="Mongolian Baiti"/>
-        <a:font script="Viet" typeface="Arial"/>
-        <a:font script="Uigh" typeface="Microsoft Uighur"/>
-        <a:font script="Geor" typeface="Sylfaen"/>
-      </a:minorFont>
-    </a:fontScheme>
-    <a:fmtScheme name="Office">
-      <a:fillStyleLst>
-        <a:solidFill>
-          <a:schemeClr val="phClr"/>
-        </a:solidFill>
-        <a:gradFill rotWithShape="1">
-          <a:gsLst>
-            <a:gs pos="0">
-              <a:schemeClr val="phClr">
-                <a:tint val="50000"/>
-                <a:satMod val="300000"/>
-              </a:schemeClr>
-            </a:gs>
-            <a:gs pos="35000">
-              <a:schemeClr val="phClr">
-                <a:tint val="37000"/>
-                <a:satMod val="300000"/>
-              </a:schemeClr>
-            </a:gs>
-            <a:gs pos="100000">
-              <a:schemeClr val="phClr">
-                <a:tint val="15000"/>
-                <a:satMod val="350000"/>
-              </a:schemeClr>
-            </a:gs>
-          </a:gsLst>
-          <a:lin ang="16200000" scaled="1"/>
-        </a:gradFill>
-        <a:gradFill rotWithShape="1">
-          <a:gsLst>
-            <a:gs pos="0">
-              <a:schemeClr val="phClr">
-                <a:tint val="100000"/>
-                <a:shade val="100000"/>
-                <a:satMod val="130000"/>
-              </a:schemeClr>
-            </a:gs>
-            <a:gs pos="100000">
-              <a:schemeClr val="phClr">
-                <a:tint val="50000"/>
-                <a:shade val="100000"/>
-                <a:satMod val="350000"/>
-              </a:schemeClr>
-            </a:gs>
-          </a:gsLst>
-          <a:lin ang="16200000" scaled="0"/>
-        </a:gradFill>
-      </a:fillStyleLst>
-      <a:lnStyleLst>
-        <a:ln w="9525" cap="flat" cmpd="sng" algn="ctr">
-          <a:solidFill>
-            <a:schemeClr val="phClr">
-              <a:shade val="95000"/>
-              <a:satMod val="105000"/>
-            </a:schemeClr>
-          </a:solidFill>
-          <a:prstDash val="solid"/>
-        </a:ln>
-        <a:ln w="25400" cap="flat" cmpd="sng" algn="ctr">
-          <a:solidFill>
-            <a:schemeClr val="phClr"/>
-          </a:solidFill>
-          <a:prstDash val="solid"/>
-        </a:ln>
-        <a:ln w="38100" cap="flat" cmpd="sng" algn="ctr">
-          <a:solidFill>
-            <a:schemeClr val="phClr"/>
-          </a:solidFill>
-          <a:prstDash val="solid"/>
-        </a:ln>
-      </a:lnStyleLst>
-      <a:effectStyleLst>
-        <a:effectStyle>
-          <a:effectLst>
-            <a:outerShdw blurRad="40000" dist="20000" dir="5400000" rotWithShape="0">
-              <a:srgbClr val="000000">
-                <a:alpha val="38000"/>
-              </a:srgbClr>
-            </a:outerShdw>
-          </a:effectLst>
-        </a:effectStyle>
-        <a:effectStyle>
-          <a:effectLst>
-            <a:outerShdw blurRad="40000" dist="23000" dir="5400000" rotWithShape="0">
-              <a:srgbClr val="000000">
-                <a:alpha val="35000"/>
-              </a:srgbClr>
-            </a:outerShdw>
-          </a:effectLst>
-        </a:effectStyle>
-        <a:effectStyle>
-          <a:effectLst>
-            <a:outerShdw blurRad="40000" dist="23000" dir="5400000" rotWithShape="0">
-              <a:srgbClr val="000000">
-                <a:alpha val="35000"/>
-              </a:srgbClr>
-            </a:outerShdw>
-          </a:effectLst>
-          <a:scene3d>
-            <a:camera prst="orthographicFront">
-              <a:rot lat="0" lon="0" rev="0"/>
-            </a:camera>
-            <a:lightRig rig="threePt" dir="t">
-              <a:rot lat="0" lon="0" rev="1200000"/>
-            </a:lightRig>
-          </a:scene3d>
-          <a:sp3d>
-            <a:bevelT w="63500" h="25400"/>
-          </a:sp3d>
-        </a:effectStyle>
-      </a:effectStyleLst>
-      <a:bgFillStyleLst>
-        <a:solidFill>
-          <a:schemeClr val="phClr"/>
-        </a:solidFill>
-        <a:gradFill rotWithShape="1">
-          <a:gsLst>
-            <a:gs pos="0">
-              <a:schemeClr val="phClr">
-                <a:tint val="40000"/>
-                <a:satMod val="350000"/>
-              </a:schemeClr>
-            </a:gs>
-            <a:gs pos="40000">
-              <a:schemeClr val="phClr">
-                <a:tint val="45000"/>
-                <a:shade val="99000"/>
-                <a:satMod val="350000"/>
-              </a:schemeClr>
-            </a:gs>
-            <a:gs pos="100000">
-              <a:schemeClr val="phClr">
-                <a:shade val="20000"/>
-                <a:satMod val="255000"/>
-              </a:schemeClr>
-            </a:gs>
-          </a:gsLst>
-          <a:path path="circle">
-            <a:fillToRect l="50000" t="-80000" r="50000" b="180000"/>
-          </a:path>
-        </a:gradFill>
-        <a:gradFill rotWithShape="1">
-          <a:gsLst>
-            <a:gs pos="0">
-              <a:schemeClr val="phClr">
-                <a:tint val="80000"/>
-                <a:satMod val="300000"/>
-              </a:schemeClr>
-            </a:gs>
-            <a:gs pos="100000">
-              <a:schemeClr val="phClr">
-                <a:shade val="30000"/>
-                <a:satMod val="200000"/>
-              </a:schemeClr>
-            </a:gs>
-          </a:gsLst>
-          <a:path path="circle">
-            <a:fillToRect l="50000" t="50000" r="50000" b="50000"/>
-          </a:path>
-        </a:gradFill>
-      </a:bgFillStyleLst>
-    </a:fmtScheme>
-  </a:themeElements>
-  <a:objectDefaults/>
-  <a:extraClrSchemeLst/>
 </a:theme>
 </file>